--- a/PPT/Android Positioning Architecture Presentation.pptx
+++ b/PPT/Android Positioning Architecture Presentation.pptx
@@ -4,23 +4,36 @@
   <p:sldMasterIdLst>
     <p:sldMasterId id="2147483863" r:id="rId1"/>
   </p:sldMasterIdLst>
+  <p:notesMasterIdLst>
+    <p:notesMasterId r:id="rId28"/>
+  </p:notesMasterIdLst>
   <p:sldIdLst>
     <p:sldId id="258" r:id="rId2"/>
     <p:sldId id="269" r:id="rId3"/>
-    <p:sldId id="260" r:id="rId4"/>
-    <p:sldId id="262" r:id="rId5"/>
-    <p:sldId id="263" r:id="rId6"/>
-    <p:sldId id="264" r:id="rId7"/>
-    <p:sldId id="265" r:id="rId8"/>
-    <p:sldId id="266" r:id="rId9"/>
-    <p:sldId id="267" r:id="rId10"/>
+    <p:sldId id="263" r:id="rId4"/>
+    <p:sldId id="288" r:id="rId5"/>
+    <p:sldId id="265" r:id="rId6"/>
+    <p:sldId id="267" r:id="rId7"/>
+    <p:sldId id="285" r:id="rId8"/>
+    <p:sldId id="276" r:id="rId9"/>
+    <p:sldId id="260" r:id="rId10"/>
     <p:sldId id="275" r:id="rId11"/>
-    <p:sldId id="274" r:id="rId12"/>
-    <p:sldId id="268" r:id="rId13"/>
-    <p:sldId id="270" r:id="rId14"/>
-    <p:sldId id="272" r:id="rId15"/>
-    <p:sldId id="271" r:id="rId16"/>
-    <p:sldId id="273" r:id="rId17"/>
+    <p:sldId id="284" r:id="rId12"/>
+    <p:sldId id="282" r:id="rId13"/>
+    <p:sldId id="281" r:id="rId14"/>
+    <p:sldId id="277" r:id="rId15"/>
+    <p:sldId id="286" r:id="rId16"/>
+    <p:sldId id="278" r:id="rId17"/>
+    <p:sldId id="279" r:id="rId18"/>
+    <p:sldId id="274" r:id="rId19"/>
+    <p:sldId id="268" r:id="rId20"/>
+    <p:sldId id="280" r:id="rId21"/>
+    <p:sldId id="270" r:id="rId22"/>
+    <p:sldId id="272" r:id="rId23"/>
+    <p:sldId id="271" r:id="rId24"/>
+    <p:sldId id="273" r:id="rId25"/>
+    <p:sldId id="283" r:id="rId26"/>
+    <p:sldId id="287" r:id="rId27"/>
   </p:sldIdLst>
   <p:sldSz cx="12192000" cy="6858000"/>
   <p:notesSz cx="6858000" cy="9144000"/>
@@ -127,6 +140,739 @@
 </p:presentation>
 </file>
 
+<file path=ppt/notesMasters/notesMaster1.xml><?xml version="1.0" encoding="utf-8"?>
+<p:notesMaster xmlns:a="http://schemas.openxmlformats.org/drawingml/2006/main" xmlns:r="http://schemas.openxmlformats.org/officeDocument/2006/relationships" xmlns:p="http://schemas.openxmlformats.org/presentationml/2006/main">
+  <p:cSld>
+    <p:bg>
+      <p:bgRef idx="1001">
+        <a:schemeClr val="bg1"/>
+      </p:bgRef>
+    </p:bg>
+    <p:spTree>
+      <p:nvGrpSpPr>
+        <p:cNvPr id="1" name=""/>
+        <p:cNvGrpSpPr/>
+        <p:nvPr/>
+      </p:nvGrpSpPr>
+      <p:grpSpPr>
+        <a:xfrm>
+          <a:off x="0" y="0"/>
+          <a:ext cx="0" cy="0"/>
+          <a:chOff x="0" y="0"/>
+          <a:chExt cx="0" cy="0"/>
+        </a:xfrm>
+      </p:grpSpPr>
+      <p:sp>
+        <p:nvSpPr>
+          <p:cNvPr id="2" name="Header Placeholder 1"/>
+          <p:cNvSpPr>
+            <a:spLocks noGrp="1"/>
+          </p:cNvSpPr>
+          <p:nvPr>
+            <p:ph type="hdr" sz="quarter"/>
+          </p:nvPr>
+        </p:nvSpPr>
+        <p:spPr>
+          <a:xfrm>
+            <a:off x="0" y="0"/>
+            <a:ext cx="2971800" cy="458788"/>
+          </a:xfrm>
+          <a:prstGeom prst="rect">
+            <a:avLst/>
+          </a:prstGeom>
+        </p:spPr>
+        <p:txBody>
+          <a:bodyPr vert="horz" lIns="91440" tIns="45720" rIns="91440" bIns="45720" rtlCol="0"/>
+          <a:lstStyle>
+            <a:lvl1pPr algn="l">
+              <a:defRPr sz="1200"/>
+            </a:lvl1pPr>
+          </a:lstStyle>
+          <a:p>
+            <a:endParaRPr lang="en-US"/>
+          </a:p>
+        </p:txBody>
+      </p:sp>
+      <p:sp>
+        <p:nvSpPr>
+          <p:cNvPr id="3" name="Date Placeholder 2"/>
+          <p:cNvSpPr>
+            <a:spLocks noGrp="1"/>
+          </p:cNvSpPr>
+          <p:nvPr>
+            <p:ph type="dt" idx="1"/>
+          </p:nvPr>
+        </p:nvSpPr>
+        <p:spPr>
+          <a:xfrm>
+            <a:off x="3884613" y="0"/>
+            <a:ext cx="2971800" cy="458788"/>
+          </a:xfrm>
+          <a:prstGeom prst="rect">
+            <a:avLst/>
+          </a:prstGeom>
+        </p:spPr>
+        <p:txBody>
+          <a:bodyPr vert="horz" lIns="91440" tIns="45720" rIns="91440" bIns="45720" rtlCol="0"/>
+          <a:lstStyle>
+            <a:lvl1pPr algn="r">
+              <a:defRPr sz="1200"/>
+            </a:lvl1pPr>
+          </a:lstStyle>
+          <a:p>
+            <a:fld id="{A0709BF4-E594-4597-B635-1AD50F9465BC}" type="datetimeFigureOut">
+              <a:rPr lang="en-US" smtClean="0"/>
+              <a:t>1/9/2026</a:t>
+            </a:fld>
+            <a:endParaRPr lang="en-US"/>
+          </a:p>
+        </p:txBody>
+      </p:sp>
+      <p:sp>
+        <p:nvSpPr>
+          <p:cNvPr id="4" name="Slide Image Placeholder 3"/>
+          <p:cNvSpPr>
+            <a:spLocks noGrp="1" noRot="1" noChangeAspect="1"/>
+          </p:cNvSpPr>
+          <p:nvPr>
+            <p:ph type="sldImg" idx="2"/>
+          </p:nvPr>
+        </p:nvSpPr>
+        <p:spPr>
+          <a:xfrm>
+            <a:off x="685800" y="1143000"/>
+            <a:ext cx="5486400" cy="3086100"/>
+          </a:xfrm>
+          <a:prstGeom prst="rect">
+            <a:avLst/>
+          </a:prstGeom>
+          <a:noFill/>
+          <a:ln w="12700">
+            <a:solidFill>
+              <a:prstClr val="black"/>
+            </a:solidFill>
+          </a:ln>
+        </p:spPr>
+        <p:txBody>
+          <a:bodyPr vert="horz" lIns="91440" tIns="45720" rIns="91440" bIns="45720" rtlCol="0" anchor="ctr"/>
+          <a:lstStyle/>
+          <a:p>
+            <a:endParaRPr lang="en-US"/>
+          </a:p>
+        </p:txBody>
+      </p:sp>
+      <p:sp>
+        <p:nvSpPr>
+          <p:cNvPr id="5" name="Notes Placeholder 4"/>
+          <p:cNvSpPr>
+            <a:spLocks noGrp="1"/>
+          </p:cNvSpPr>
+          <p:nvPr>
+            <p:ph type="body" sz="quarter" idx="3"/>
+          </p:nvPr>
+        </p:nvSpPr>
+        <p:spPr>
+          <a:xfrm>
+            <a:off x="685800" y="4400550"/>
+            <a:ext cx="5486400" cy="3600450"/>
+          </a:xfrm>
+          <a:prstGeom prst="rect">
+            <a:avLst/>
+          </a:prstGeom>
+        </p:spPr>
+        <p:txBody>
+          <a:bodyPr vert="horz" lIns="91440" tIns="45720" rIns="91440" bIns="45720" rtlCol="0"/>
+          <a:lstStyle/>
+          <a:p>
+            <a:pPr lvl="0"/>
+            <a:r>
+              <a:rPr lang="en-US"/>
+              <a:t>Click to edit Master text styles</a:t>
+            </a:r>
+          </a:p>
+          <a:p>
+            <a:pPr lvl="1"/>
+            <a:r>
+              <a:rPr lang="en-US"/>
+              <a:t>Second level</a:t>
+            </a:r>
+          </a:p>
+          <a:p>
+            <a:pPr lvl="2"/>
+            <a:r>
+              <a:rPr lang="en-US"/>
+              <a:t>Third level</a:t>
+            </a:r>
+          </a:p>
+          <a:p>
+            <a:pPr lvl="3"/>
+            <a:r>
+              <a:rPr lang="en-US"/>
+              <a:t>Fourth level</a:t>
+            </a:r>
+          </a:p>
+          <a:p>
+            <a:pPr lvl="4"/>
+            <a:r>
+              <a:rPr lang="en-US"/>
+              <a:t>Fifth level</a:t>
+            </a:r>
+          </a:p>
+        </p:txBody>
+      </p:sp>
+      <p:sp>
+        <p:nvSpPr>
+          <p:cNvPr id="6" name="Footer Placeholder 5"/>
+          <p:cNvSpPr>
+            <a:spLocks noGrp="1"/>
+          </p:cNvSpPr>
+          <p:nvPr>
+            <p:ph type="ftr" sz="quarter" idx="4"/>
+          </p:nvPr>
+        </p:nvSpPr>
+        <p:spPr>
+          <a:xfrm>
+            <a:off x="0" y="8685213"/>
+            <a:ext cx="2971800" cy="458787"/>
+          </a:xfrm>
+          <a:prstGeom prst="rect">
+            <a:avLst/>
+          </a:prstGeom>
+        </p:spPr>
+        <p:txBody>
+          <a:bodyPr vert="horz" lIns="91440" tIns="45720" rIns="91440" bIns="45720" rtlCol="0" anchor="b"/>
+          <a:lstStyle>
+            <a:lvl1pPr algn="l">
+              <a:defRPr sz="1200"/>
+            </a:lvl1pPr>
+          </a:lstStyle>
+          <a:p>
+            <a:endParaRPr lang="en-US"/>
+          </a:p>
+        </p:txBody>
+      </p:sp>
+      <p:sp>
+        <p:nvSpPr>
+          <p:cNvPr id="7" name="Slide Number Placeholder 6"/>
+          <p:cNvSpPr>
+            <a:spLocks noGrp="1"/>
+          </p:cNvSpPr>
+          <p:nvPr>
+            <p:ph type="sldNum" sz="quarter" idx="5"/>
+          </p:nvPr>
+        </p:nvSpPr>
+        <p:spPr>
+          <a:xfrm>
+            <a:off x="3884613" y="8685213"/>
+            <a:ext cx="2971800" cy="458787"/>
+          </a:xfrm>
+          <a:prstGeom prst="rect">
+            <a:avLst/>
+          </a:prstGeom>
+        </p:spPr>
+        <p:txBody>
+          <a:bodyPr vert="horz" lIns="91440" tIns="45720" rIns="91440" bIns="45720" rtlCol="0" anchor="b"/>
+          <a:lstStyle>
+            <a:lvl1pPr algn="r">
+              <a:defRPr sz="1200"/>
+            </a:lvl1pPr>
+          </a:lstStyle>
+          <a:p>
+            <a:fld id="{C50EA388-F6E2-4DBB-84BA-AB4C097D3E6A}" type="slidenum">
+              <a:rPr lang="en-US" smtClean="0"/>
+              <a:t>‹#›</a:t>
+            </a:fld>
+            <a:endParaRPr lang="en-US"/>
+          </a:p>
+        </p:txBody>
+      </p:sp>
+    </p:spTree>
+    <p:extLst>
+      <p:ext uri="{BB962C8B-B14F-4D97-AF65-F5344CB8AC3E}">
+        <p14:creationId xmlns:p14="http://schemas.microsoft.com/office/powerpoint/2010/main" val="1470710666"/>
+      </p:ext>
+    </p:extLst>
+  </p:cSld>
+  <p:clrMap bg1="lt1" tx1="dk1" bg2="lt2" tx2="dk2" accent1="accent1" accent2="accent2" accent3="accent3" accent4="accent4" accent5="accent5" accent6="accent6" hlink="hlink" folHlink="folHlink"/>
+  <p:notesStyle>
+    <a:lvl1pPr marL="0" algn="l" defTabSz="914400" rtl="0" eaLnBrk="1" latinLnBrk="0" hangingPunct="1">
+      <a:defRPr sz="1200" kern="1200">
+        <a:solidFill>
+          <a:schemeClr val="tx1"/>
+        </a:solidFill>
+        <a:latin typeface="+mn-lt"/>
+        <a:ea typeface="+mn-ea"/>
+        <a:cs typeface="+mn-cs"/>
+      </a:defRPr>
+    </a:lvl1pPr>
+    <a:lvl2pPr marL="457200" algn="l" defTabSz="914400" rtl="0" eaLnBrk="1" latinLnBrk="0" hangingPunct="1">
+      <a:defRPr sz="1200" kern="1200">
+        <a:solidFill>
+          <a:schemeClr val="tx1"/>
+        </a:solidFill>
+        <a:latin typeface="+mn-lt"/>
+        <a:ea typeface="+mn-ea"/>
+        <a:cs typeface="+mn-cs"/>
+      </a:defRPr>
+    </a:lvl2pPr>
+    <a:lvl3pPr marL="914400" algn="l" defTabSz="914400" rtl="0" eaLnBrk="1" latinLnBrk="0" hangingPunct="1">
+      <a:defRPr sz="1200" kern="1200">
+        <a:solidFill>
+          <a:schemeClr val="tx1"/>
+        </a:solidFill>
+        <a:latin typeface="+mn-lt"/>
+        <a:ea typeface="+mn-ea"/>
+        <a:cs typeface="+mn-cs"/>
+      </a:defRPr>
+    </a:lvl3pPr>
+    <a:lvl4pPr marL="1371600" algn="l" defTabSz="914400" rtl="0" eaLnBrk="1" latinLnBrk="0" hangingPunct="1">
+      <a:defRPr sz="1200" kern="1200">
+        <a:solidFill>
+          <a:schemeClr val="tx1"/>
+        </a:solidFill>
+        <a:latin typeface="+mn-lt"/>
+        <a:ea typeface="+mn-ea"/>
+        <a:cs typeface="+mn-cs"/>
+      </a:defRPr>
+    </a:lvl4pPr>
+    <a:lvl5pPr marL="1828800" algn="l" defTabSz="914400" rtl="0" eaLnBrk="1" latinLnBrk="0" hangingPunct="1">
+      <a:defRPr sz="1200" kern="1200">
+        <a:solidFill>
+          <a:schemeClr val="tx1"/>
+        </a:solidFill>
+        <a:latin typeface="+mn-lt"/>
+        <a:ea typeface="+mn-ea"/>
+        <a:cs typeface="+mn-cs"/>
+      </a:defRPr>
+    </a:lvl5pPr>
+    <a:lvl6pPr marL="2286000" algn="l" defTabSz="914400" rtl="0" eaLnBrk="1" latinLnBrk="0" hangingPunct="1">
+      <a:defRPr sz="1200" kern="1200">
+        <a:solidFill>
+          <a:schemeClr val="tx1"/>
+        </a:solidFill>
+        <a:latin typeface="+mn-lt"/>
+        <a:ea typeface="+mn-ea"/>
+        <a:cs typeface="+mn-cs"/>
+      </a:defRPr>
+    </a:lvl6pPr>
+    <a:lvl7pPr marL="2743200" algn="l" defTabSz="914400" rtl="0" eaLnBrk="1" latinLnBrk="0" hangingPunct="1">
+      <a:defRPr sz="1200" kern="1200">
+        <a:solidFill>
+          <a:schemeClr val="tx1"/>
+        </a:solidFill>
+        <a:latin typeface="+mn-lt"/>
+        <a:ea typeface="+mn-ea"/>
+        <a:cs typeface="+mn-cs"/>
+      </a:defRPr>
+    </a:lvl7pPr>
+    <a:lvl8pPr marL="3200400" algn="l" defTabSz="914400" rtl="0" eaLnBrk="1" latinLnBrk="0" hangingPunct="1">
+      <a:defRPr sz="1200" kern="1200">
+        <a:solidFill>
+          <a:schemeClr val="tx1"/>
+        </a:solidFill>
+        <a:latin typeface="+mn-lt"/>
+        <a:ea typeface="+mn-ea"/>
+        <a:cs typeface="+mn-cs"/>
+      </a:defRPr>
+    </a:lvl8pPr>
+    <a:lvl9pPr marL="3657600" algn="l" defTabSz="914400" rtl="0" eaLnBrk="1" latinLnBrk="0" hangingPunct="1">
+      <a:defRPr sz="1200" kern="1200">
+        <a:solidFill>
+          <a:schemeClr val="tx1"/>
+        </a:solidFill>
+        <a:latin typeface="+mn-lt"/>
+        <a:ea typeface="+mn-ea"/>
+        <a:cs typeface="+mn-cs"/>
+      </a:defRPr>
+    </a:lvl9pPr>
+  </p:notesStyle>
+</p:notesMaster>
+</file>
+
+<file path=ppt/notesSlides/notesSlide1.xml><?xml version="1.0" encoding="utf-8"?>
+<p:notes xmlns:a="http://schemas.openxmlformats.org/drawingml/2006/main" xmlns:r="http://schemas.openxmlformats.org/officeDocument/2006/relationships" xmlns:p="http://schemas.openxmlformats.org/presentationml/2006/main">
+  <p:cSld>
+    <p:spTree>
+      <p:nvGrpSpPr>
+        <p:cNvPr id="1" name=""/>
+        <p:cNvGrpSpPr/>
+        <p:nvPr/>
+      </p:nvGrpSpPr>
+      <p:grpSpPr>
+        <a:xfrm>
+          <a:off x="0" y="0"/>
+          <a:ext cx="0" cy="0"/>
+          <a:chOff x="0" y="0"/>
+          <a:chExt cx="0" cy="0"/>
+        </a:xfrm>
+      </p:grpSpPr>
+      <p:sp>
+        <p:nvSpPr>
+          <p:cNvPr id="2" name="Slide Image Placeholder 1"/>
+          <p:cNvSpPr>
+            <a:spLocks noGrp="1" noRot="1" noChangeAspect="1"/>
+          </p:cNvSpPr>
+          <p:nvPr>
+            <p:ph type="sldImg"/>
+          </p:nvPr>
+        </p:nvSpPr>
+        <p:spPr/>
+      </p:sp>
+      <p:sp>
+        <p:nvSpPr>
+          <p:cNvPr id="3" name="Notes Placeholder 2"/>
+          <p:cNvSpPr>
+            <a:spLocks noGrp="1"/>
+          </p:cNvSpPr>
+          <p:nvPr>
+            <p:ph type="body" idx="1"/>
+          </p:nvPr>
+        </p:nvSpPr>
+        <p:spPr/>
+        <p:txBody>
+          <a:bodyPr/>
+          <a:lstStyle/>
+          <a:p>
+            <a:endParaRPr lang="en-US" dirty="0"/>
+          </a:p>
+        </p:txBody>
+      </p:sp>
+      <p:sp>
+        <p:nvSpPr>
+          <p:cNvPr id="4" name="Slide Number Placeholder 3"/>
+          <p:cNvSpPr>
+            <a:spLocks noGrp="1"/>
+          </p:cNvSpPr>
+          <p:nvPr>
+            <p:ph type="sldNum" sz="quarter" idx="5"/>
+          </p:nvPr>
+        </p:nvSpPr>
+        <p:spPr/>
+        <p:txBody>
+          <a:bodyPr/>
+          <a:lstStyle/>
+          <a:p>
+            <a:fld id="{C50EA388-F6E2-4DBB-84BA-AB4C097D3E6A}" type="slidenum">
+              <a:rPr lang="en-US" smtClean="0"/>
+              <a:t>4</a:t>
+            </a:fld>
+            <a:endParaRPr lang="en-US"/>
+          </a:p>
+        </p:txBody>
+      </p:sp>
+    </p:spTree>
+    <p:extLst>
+      <p:ext uri="{BB962C8B-B14F-4D97-AF65-F5344CB8AC3E}">
+        <p14:creationId xmlns:p14="http://schemas.microsoft.com/office/powerpoint/2010/main" val="3204066224"/>
+      </p:ext>
+    </p:extLst>
+  </p:cSld>
+  <p:clrMapOvr>
+    <a:masterClrMapping/>
+  </p:clrMapOvr>
+</p:notes>
+</file>
+
+<file path=ppt/notesSlides/notesSlide2.xml><?xml version="1.0" encoding="utf-8"?>
+<p:notes xmlns:a="http://schemas.openxmlformats.org/drawingml/2006/main" xmlns:r="http://schemas.openxmlformats.org/officeDocument/2006/relationships" xmlns:p="http://schemas.openxmlformats.org/presentationml/2006/main">
+  <p:cSld>
+    <p:spTree>
+      <p:nvGrpSpPr>
+        <p:cNvPr id="1" name=""/>
+        <p:cNvGrpSpPr/>
+        <p:nvPr/>
+      </p:nvGrpSpPr>
+      <p:grpSpPr>
+        <a:xfrm>
+          <a:off x="0" y="0"/>
+          <a:ext cx="0" cy="0"/>
+          <a:chOff x="0" y="0"/>
+          <a:chExt cx="0" cy="0"/>
+        </a:xfrm>
+      </p:grpSpPr>
+      <p:sp>
+        <p:nvSpPr>
+          <p:cNvPr id="2" name="Slide Image Placeholder 1"/>
+          <p:cNvSpPr>
+            <a:spLocks noGrp="1" noRot="1" noChangeAspect="1"/>
+          </p:cNvSpPr>
+          <p:nvPr>
+            <p:ph type="sldImg"/>
+          </p:nvPr>
+        </p:nvSpPr>
+        <p:spPr/>
+      </p:sp>
+      <p:sp>
+        <p:nvSpPr>
+          <p:cNvPr id="3" name="Notes Placeholder 2"/>
+          <p:cNvSpPr>
+            <a:spLocks noGrp="1"/>
+          </p:cNvSpPr>
+          <p:nvPr>
+            <p:ph type="body" idx="1"/>
+          </p:nvPr>
+        </p:nvSpPr>
+        <p:spPr/>
+        <p:txBody>
+          <a:bodyPr/>
+          <a:lstStyle/>
+          <a:p>
+            <a:endParaRPr lang="en-US" dirty="0"/>
+          </a:p>
+        </p:txBody>
+      </p:sp>
+      <p:sp>
+        <p:nvSpPr>
+          <p:cNvPr id="4" name="Slide Number Placeholder 3"/>
+          <p:cNvSpPr>
+            <a:spLocks noGrp="1"/>
+          </p:cNvSpPr>
+          <p:nvPr>
+            <p:ph type="sldNum" sz="quarter" idx="5"/>
+          </p:nvPr>
+        </p:nvSpPr>
+        <p:spPr/>
+        <p:txBody>
+          <a:bodyPr/>
+          <a:lstStyle/>
+          <a:p>
+            <a:fld id="{C50EA388-F6E2-4DBB-84BA-AB4C097D3E6A}" type="slidenum">
+              <a:rPr lang="en-US" smtClean="0"/>
+              <a:t>10</a:t>
+            </a:fld>
+            <a:endParaRPr lang="en-US"/>
+          </a:p>
+        </p:txBody>
+      </p:sp>
+    </p:spTree>
+    <p:extLst>
+      <p:ext uri="{BB962C8B-B14F-4D97-AF65-F5344CB8AC3E}">
+        <p14:creationId xmlns:p14="http://schemas.microsoft.com/office/powerpoint/2010/main" val="496167721"/>
+      </p:ext>
+    </p:extLst>
+  </p:cSld>
+  <p:clrMapOvr>
+    <a:masterClrMapping/>
+  </p:clrMapOvr>
+</p:notes>
+</file>
+
+<file path=ppt/notesSlides/notesSlide3.xml><?xml version="1.0" encoding="utf-8"?>
+<p:notes xmlns:a="http://schemas.openxmlformats.org/drawingml/2006/main" xmlns:r="http://schemas.openxmlformats.org/officeDocument/2006/relationships" xmlns:p="http://schemas.openxmlformats.org/presentationml/2006/main">
+  <p:cSld>
+    <p:spTree>
+      <p:nvGrpSpPr>
+        <p:cNvPr id="1" name="">
+          <a:extLst>
+            <a:ext uri="{FF2B5EF4-FFF2-40B4-BE49-F238E27FC236}">
+              <a16:creationId xmlns:a16="http://schemas.microsoft.com/office/drawing/2014/main" id="{9D88B17E-44B5-9106-E80F-454C2ACAE524}"/>
+            </a:ext>
+          </a:extLst>
+        </p:cNvPr>
+        <p:cNvGrpSpPr/>
+        <p:nvPr/>
+      </p:nvGrpSpPr>
+      <p:grpSpPr>
+        <a:xfrm>
+          <a:off x="0" y="0"/>
+          <a:ext cx="0" cy="0"/>
+          <a:chOff x="0" y="0"/>
+          <a:chExt cx="0" cy="0"/>
+        </a:xfrm>
+      </p:grpSpPr>
+      <p:sp>
+        <p:nvSpPr>
+          <p:cNvPr id="2" name="Slide Image Placeholder 1">
+            <a:extLst>
+              <a:ext uri="{FF2B5EF4-FFF2-40B4-BE49-F238E27FC236}">
+                <a16:creationId xmlns:a16="http://schemas.microsoft.com/office/drawing/2014/main" id="{1CA8BE07-2293-0D94-FE4A-C05CDF1A2599}"/>
+              </a:ext>
+            </a:extLst>
+          </p:cNvPr>
+          <p:cNvSpPr>
+            <a:spLocks noGrp="1" noRot="1" noChangeAspect="1"/>
+          </p:cNvSpPr>
+          <p:nvPr>
+            <p:ph type="sldImg"/>
+          </p:nvPr>
+        </p:nvSpPr>
+        <p:spPr/>
+      </p:sp>
+      <p:sp>
+        <p:nvSpPr>
+          <p:cNvPr id="3" name="Notes Placeholder 2">
+            <a:extLst>
+              <a:ext uri="{FF2B5EF4-FFF2-40B4-BE49-F238E27FC236}">
+                <a16:creationId xmlns:a16="http://schemas.microsoft.com/office/drawing/2014/main" id="{93FA99A4-C95F-C813-B63E-64DB92EF8010}"/>
+              </a:ext>
+            </a:extLst>
+          </p:cNvPr>
+          <p:cNvSpPr>
+            <a:spLocks noGrp="1"/>
+          </p:cNvSpPr>
+          <p:nvPr>
+            <p:ph type="body" idx="1"/>
+          </p:nvPr>
+        </p:nvSpPr>
+        <p:spPr/>
+        <p:txBody>
+          <a:bodyPr/>
+          <a:lstStyle/>
+          <a:p>
+            <a:endParaRPr lang="en-US" dirty="0"/>
+          </a:p>
+        </p:txBody>
+      </p:sp>
+      <p:sp>
+        <p:nvSpPr>
+          <p:cNvPr id="4" name="Slide Number Placeholder 3">
+            <a:extLst>
+              <a:ext uri="{FF2B5EF4-FFF2-40B4-BE49-F238E27FC236}">
+                <a16:creationId xmlns:a16="http://schemas.microsoft.com/office/drawing/2014/main" id="{C239AECC-A1EF-5B00-EF35-053DF5CA8BAC}"/>
+              </a:ext>
+            </a:extLst>
+          </p:cNvPr>
+          <p:cNvSpPr>
+            <a:spLocks noGrp="1"/>
+          </p:cNvSpPr>
+          <p:nvPr>
+            <p:ph type="sldNum" sz="quarter" idx="5"/>
+          </p:nvPr>
+        </p:nvSpPr>
+        <p:spPr/>
+        <p:txBody>
+          <a:bodyPr/>
+          <a:lstStyle/>
+          <a:p>
+            <a:fld id="{C50EA388-F6E2-4DBB-84BA-AB4C097D3E6A}" type="slidenum">
+              <a:rPr lang="en-US" smtClean="0"/>
+              <a:t>11</a:t>
+            </a:fld>
+            <a:endParaRPr lang="en-US"/>
+          </a:p>
+        </p:txBody>
+      </p:sp>
+    </p:spTree>
+    <p:extLst>
+      <p:ext uri="{BB962C8B-B14F-4D97-AF65-F5344CB8AC3E}">
+        <p14:creationId xmlns:p14="http://schemas.microsoft.com/office/powerpoint/2010/main" val="2765183600"/>
+      </p:ext>
+    </p:extLst>
+  </p:cSld>
+  <p:clrMapOvr>
+    <a:masterClrMapping/>
+  </p:clrMapOvr>
+</p:notes>
+</file>
+
+<file path=ppt/notesSlides/notesSlide4.xml><?xml version="1.0" encoding="utf-8"?>
+<p:notes xmlns:a="http://schemas.openxmlformats.org/drawingml/2006/main" xmlns:r="http://schemas.openxmlformats.org/officeDocument/2006/relationships" xmlns:p="http://schemas.openxmlformats.org/presentationml/2006/main">
+  <p:cSld>
+    <p:spTree>
+      <p:nvGrpSpPr>
+        <p:cNvPr id="1" name="">
+          <a:extLst>
+            <a:ext uri="{FF2B5EF4-FFF2-40B4-BE49-F238E27FC236}">
+              <a16:creationId xmlns:a16="http://schemas.microsoft.com/office/drawing/2014/main" id="{DD343D7C-113D-F1C9-F8A8-F2A4E0183F2C}"/>
+            </a:ext>
+          </a:extLst>
+        </p:cNvPr>
+        <p:cNvGrpSpPr/>
+        <p:nvPr/>
+      </p:nvGrpSpPr>
+      <p:grpSpPr>
+        <a:xfrm>
+          <a:off x="0" y="0"/>
+          <a:ext cx="0" cy="0"/>
+          <a:chOff x="0" y="0"/>
+          <a:chExt cx="0" cy="0"/>
+        </a:xfrm>
+      </p:grpSpPr>
+      <p:sp>
+        <p:nvSpPr>
+          <p:cNvPr id="2" name="Slide Image Placeholder 1">
+            <a:extLst>
+              <a:ext uri="{FF2B5EF4-FFF2-40B4-BE49-F238E27FC236}">
+                <a16:creationId xmlns:a16="http://schemas.microsoft.com/office/drawing/2014/main" id="{AC431CE5-E391-8962-4186-9128CB6538A5}"/>
+              </a:ext>
+            </a:extLst>
+          </p:cNvPr>
+          <p:cNvSpPr>
+            <a:spLocks noGrp="1" noRot="1" noChangeAspect="1"/>
+          </p:cNvSpPr>
+          <p:nvPr>
+            <p:ph type="sldImg"/>
+          </p:nvPr>
+        </p:nvSpPr>
+        <p:spPr/>
+      </p:sp>
+      <p:sp>
+        <p:nvSpPr>
+          <p:cNvPr id="3" name="Notes Placeholder 2">
+            <a:extLst>
+              <a:ext uri="{FF2B5EF4-FFF2-40B4-BE49-F238E27FC236}">
+                <a16:creationId xmlns:a16="http://schemas.microsoft.com/office/drawing/2014/main" id="{5F1580E0-5CC5-E7F3-A62E-53700285E4B4}"/>
+              </a:ext>
+            </a:extLst>
+          </p:cNvPr>
+          <p:cNvSpPr>
+            <a:spLocks noGrp="1"/>
+          </p:cNvSpPr>
+          <p:nvPr>
+            <p:ph type="body" idx="1"/>
+          </p:nvPr>
+        </p:nvSpPr>
+        <p:spPr/>
+        <p:txBody>
+          <a:bodyPr/>
+          <a:lstStyle/>
+          <a:p>
+            <a:endParaRPr lang="en-US" dirty="0"/>
+          </a:p>
+        </p:txBody>
+      </p:sp>
+      <p:sp>
+        <p:nvSpPr>
+          <p:cNvPr id="4" name="Slide Number Placeholder 3">
+            <a:extLst>
+              <a:ext uri="{FF2B5EF4-FFF2-40B4-BE49-F238E27FC236}">
+                <a16:creationId xmlns:a16="http://schemas.microsoft.com/office/drawing/2014/main" id="{8523C3B8-EC3A-C659-568A-02519FAEA6C3}"/>
+              </a:ext>
+            </a:extLst>
+          </p:cNvPr>
+          <p:cNvSpPr>
+            <a:spLocks noGrp="1"/>
+          </p:cNvSpPr>
+          <p:nvPr>
+            <p:ph type="sldNum" sz="quarter" idx="5"/>
+          </p:nvPr>
+        </p:nvSpPr>
+        <p:spPr/>
+        <p:txBody>
+          <a:bodyPr/>
+          <a:lstStyle/>
+          <a:p>
+            <a:fld id="{C50EA388-F6E2-4DBB-84BA-AB4C097D3E6A}" type="slidenum">
+              <a:rPr lang="en-US" smtClean="0"/>
+              <a:t>12</a:t>
+            </a:fld>
+            <a:endParaRPr lang="en-US"/>
+          </a:p>
+        </p:txBody>
+      </p:sp>
+    </p:spTree>
+    <p:extLst>
+      <p:ext uri="{BB962C8B-B14F-4D97-AF65-F5344CB8AC3E}">
+        <p14:creationId xmlns:p14="http://schemas.microsoft.com/office/powerpoint/2010/main" val="2368270547"/>
+      </p:ext>
+    </p:extLst>
+  </p:cSld>
+  <p:clrMapOvr>
+    <a:masterClrMapping/>
+  </p:clrMapOvr>
+</p:notes>
+</file>
+
 <file path=ppt/slideLayouts/slideLayout1.xml><?xml version="1.0" encoding="utf-8"?>
 <p:sldLayout xmlns:a="http://schemas.openxmlformats.org/drawingml/2006/main" xmlns:r="http://schemas.openxmlformats.org/officeDocument/2006/relationships" xmlns:p="http://schemas.openxmlformats.org/presentationml/2006/main" type="title" preserve="1">
   <p:cSld name="Title Slide">
@@ -290,7 +1036,7 @@
           <a:p>
             <a:fld id="{6250641D-E428-4AA0-BD0E-1401802377E7}" type="datetimeFigureOut">
               <a:rPr lang="en-IN" smtClean="0"/>
-              <a:t>06-01-2026</a:t>
+              <a:t>09-01-2026</a:t>
             </a:fld>
             <a:endParaRPr lang="en-IN"/>
           </a:p>
@@ -460,7 +1206,7 @@
           <a:p>
             <a:fld id="{6250641D-E428-4AA0-BD0E-1401802377E7}" type="datetimeFigureOut">
               <a:rPr lang="en-IN" smtClean="0"/>
-              <a:t>06-01-2026</a:t>
+              <a:t>09-01-2026</a:t>
             </a:fld>
             <a:endParaRPr lang="en-IN"/>
           </a:p>
@@ -640,7 +1386,7 @@
           <a:p>
             <a:fld id="{6250641D-E428-4AA0-BD0E-1401802377E7}" type="datetimeFigureOut">
               <a:rPr lang="en-IN" smtClean="0"/>
-              <a:t>06-01-2026</a:t>
+              <a:t>09-01-2026</a:t>
             </a:fld>
             <a:endParaRPr lang="en-IN"/>
           </a:p>
@@ -810,7 +1556,7 @@
           <a:p>
             <a:fld id="{6250641D-E428-4AA0-BD0E-1401802377E7}" type="datetimeFigureOut">
               <a:rPr lang="en-IN" smtClean="0"/>
-              <a:t>06-01-2026</a:t>
+              <a:t>09-01-2026</a:t>
             </a:fld>
             <a:endParaRPr lang="en-IN"/>
           </a:p>
@@ -1078,7 +1824,7 @@
           <a:p>
             <a:fld id="{6250641D-E428-4AA0-BD0E-1401802377E7}" type="datetimeFigureOut">
               <a:rPr lang="en-IN" smtClean="0"/>
-              <a:t>06-01-2026</a:t>
+              <a:t>09-01-2026</a:t>
             </a:fld>
             <a:endParaRPr lang="en-IN"/>
           </a:p>
@@ -1310,7 +2056,7 @@
           <a:p>
             <a:fld id="{6250641D-E428-4AA0-BD0E-1401802377E7}" type="datetimeFigureOut">
               <a:rPr lang="en-IN" smtClean="0"/>
-              <a:t>06-01-2026</a:t>
+              <a:t>09-01-2026</a:t>
             </a:fld>
             <a:endParaRPr lang="en-IN"/>
           </a:p>
@@ -1665,7 +2411,7 @@
           <a:p>
             <a:fld id="{6250641D-E428-4AA0-BD0E-1401802377E7}" type="datetimeFigureOut">
               <a:rPr lang="en-IN" smtClean="0"/>
-              <a:t>06-01-2026</a:t>
+              <a:t>09-01-2026</a:t>
             </a:fld>
             <a:endParaRPr lang="en-IN"/>
           </a:p>
@@ -1806,7 +2552,7 @@
           <a:p>
             <a:fld id="{6250641D-E428-4AA0-BD0E-1401802377E7}" type="datetimeFigureOut">
               <a:rPr lang="en-IN" smtClean="0"/>
-              <a:t>06-01-2026</a:t>
+              <a:t>09-01-2026</a:t>
             </a:fld>
             <a:endParaRPr lang="en-IN"/>
           </a:p>
@@ -1901,7 +2647,7 @@
           <a:p>
             <a:fld id="{6250641D-E428-4AA0-BD0E-1401802377E7}" type="datetimeFigureOut">
               <a:rPr lang="en-IN" smtClean="0"/>
-              <a:t>06-01-2026</a:t>
+              <a:t>09-01-2026</a:t>
             </a:fld>
             <a:endParaRPr lang="en-IN"/>
           </a:p>
@@ -2021,6 +2767,13 @@
             <a:schemeClr val="lt1"/>
           </a:fontRef>
         </p:style>
+        <p:txBody>
+          <a:bodyPr/>
+          <a:lstStyle/>
+          <a:p>
+            <a:endParaRPr lang="en-US"/>
+          </a:p>
+        </p:txBody>
       </p:sp>
       <p:sp>
         <p:nvSpPr>
@@ -2263,7 +3016,7 @@
           <a:p>
             <a:fld id="{6250641D-E428-4AA0-BD0E-1401802377E7}" type="datetimeFigureOut">
               <a:rPr lang="en-IN" smtClean="0"/>
-              <a:t>06-01-2026</a:t>
+              <a:t>09-01-2026</a:t>
             </a:fld>
             <a:endParaRPr lang="en-IN"/>
           </a:p>
@@ -2625,7 +3378,7 @@
           <a:p>
             <a:fld id="{6250641D-E428-4AA0-BD0E-1401802377E7}" type="datetimeFigureOut">
               <a:rPr lang="en-IN" smtClean="0"/>
-              <a:t>06-01-2026</a:t>
+              <a:t>09-01-2026</a:t>
             </a:fld>
             <a:endParaRPr lang="en-IN"/>
           </a:p>
@@ -2868,7 +3621,7 @@
           <a:p>
             <a:fld id="{6250641D-E428-4AA0-BD0E-1401802377E7}" type="datetimeFigureOut">
               <a:rPr lang="en-IN" smtClean="0"/>
-              <a:t>06-01-2026</a:t>
+              <a:t>09-01-2026</a:t>
             </a:fld>
             <a:endParaRPr lang="en-IN"/>
           </a:p>
@@ -3382,12 +4135,20 @@
           </a:xfrm>
         </p:spPr>
         <p:txBody>
-          <a:bodyPr/>
+          <a:bodyPr>
+            <a:normAutofit lnSpcReduction="10000"/>
+          </a:bodyPr>
           <a:lstStyle/>
           <a:p>
             <a:r>
               <a:rPr lang="en-GB" b="1" dirty="0"/>
               <a:t>How Your Phone Determines Your Position</a:t>
+            </a:r>
+          </a:p>
+          <a:p>
+            <a:r>
+              <a:rPr lang="en-GB" b="1" dirty="0"/>
+              <a:t>Based On</a:t>
             </a:r>
           </a:p>
           <a:p>
@@ -3460,10 +4221,9 @@
           <a:lstStyle/>
           <a:p>
             <a:r>
-              <a:rPr lang="en-IN" b="1" dirty="0"/>
-              <a:t>SUPL Introduction</a:t>
-            </a:r>
-            <a:endParaRPr lang="en-IN" dirty="0"/>
+              <a:rPr lang="en-US" dirty="0"/>
+              <a:t>The Challenge of GPS</a:t>
+            </a:r>
           </a:p>
         </p:txBody>
       </p:sp>
@@ -3485,75 +4245,125 @@
         </p:nvSpPr>
         <p:spPr>
           <a:xfrm>
-            <a:off x="543612" y="1508288"/>
-            <a:ext cx="11104775" cy="4822469"/>
+            <a:off x="119921" y="1508288"/>
+            <a:ext cx="11887199" cy="4822469"/>
           </a:xfrm>
         </p:spPr>
         <p:txBody>
-          <a:bodyPr/>
+          <a:bodyPr>
+            <a:noAutofit/>
+          </a:bodyPr>
           <a:lstStyle/>
           <a:p>
-            <a:r>
-              <a:rPr lang="en-IN" b="1" dirty="0"/>
-              <a:t>Secure User Plane Location Protocol</a:t>
-            </a:r>
-            <a:endParaRPr lang="en-IN" dirty="0"/>
-          </a:p>
-          <a:p>
-            <a:r>
-              <a:rPr lang="en-IN" b="1" dirty="0"/>
-              <a:t>What is SUPL?</a:t>
-            </a:r>
-            <a:endParaRPr lang="en-IN" dirty="0"/>
+            <a:pPr marL="0" indent="0">
+              <a:buNone/>
+            </a:pPr>
+            <a:r>
+              <a:rPr lang="en-US" sz="1600" dirty="0"/>
+              <a:t>While the process of GPS positioning sounds straightforward, standalone GPS (operating without any assistance) faces several significant challenges:</a:t>
+            </a:r>
+          </a:p>
+          <a:p>
+            <a:pPr marL="0" indent="0">
+              <a:buNone/>
+            </a:pPr>
+            <a:r>
+              <a:rPr lang="en-US" sz="1600" dirty="0">
+                <a:solidFill>
+                  <a:srgbClr val="FFC000"/>
+                </a:solidFill>
+              </a:rPr>
+              <a:t>1. Slow Time To First Fix (TTFF): </a:t>
+            </a:r>
+            <a:r>
+              <a:rPr lang="en-US" sz="1600" dirty="0"/>
+              <a:t>It needs to download data from the satellites themselves in time of "Cold Start". This includes:</a:t>
+            </a:r>
           </a:p>
           <a:p>
             <a:pPr lvl="1"/>
             <a:r>
-              <a:rPr lang="en-IN" dirty="0"/>
-              <a:t>OMA (Open Mobile Alliance) standard</a:t>
+              <a:rPr lang="en-US" dirty="0"/>
+              <a:t>Almanac Data: Approximate orbital information for all GPS satellites in the constellation.</a:t>
             </a:r>
           </a:p>
           <a:p>
             <a:pPr lvl="1"/>
             <a:r>
-              <a:rPr lang="en-IN" dirty="0"/>
-              <a:t>IP-based location protocol using User Plane</a:t>
+              <a:rPr lang="en-US" dirty="0"/>
+              <a:t>Ephemeris Data: Precise orbital parameters for each satellite, valid for about 4 hours. Receiver needs ephemeris for at least 4 satellites to get a position fix.</a:t>
             </a:r>
           </a:p>
           <a:p>
             <a:pPr lvl="1"/>
             <a:r>
-              <a:rPr lang="en-IN" dirty="0"/>
-              <a:t>Provides Assisted GNSS (A-GNSS) data</a:t>
-            </a:r>
-          </a:p>
-          <a:p>
-            <a:pPr lvl="1"/>
-            <a:r>
-              <a:rPr lang="en-IN" dirty="0"/>
-              <a:t>Faster TTFF and improved accuracy</a:t>
-            </a:r>
-          </a:p>
-          <a:p>
-            <a:r>
-              <a:rPr lang="en-IN" b="1" dirty="0"/>
-              <a:t>Key Principle:</a:t>
-            </a:r>
-            <a:r>
-              <a:rPr lang="en-IN" dirty="0"/>
-              <a:t> Use existing IP connectivity (cellular data/</a:t>
-            </a:r>
-            <a:r>
-              <a:rPr lang="en-IN" dirty="0" err="1"/>
-              <a:t>WiFi</a:t>
-            </a:r>
-            <a:r>
-              <a:rPr lang="en-IN" dirty="0"/>
-              <a:t>) to deliver GPS assistance data instead of downloading it slowly from satellites.</a:t>
-            </a:r>
-          </a:p>
-          <a:p>
-            <a:endParaRPr lang="en-IN" dirty="0"/>
+              <a:rPr lang="en-US" dirty="0"/>
+              <a:t>Time Information: Receivers need to know the current GPS time to within a few seconds to begin the search for satellites efficiently.</a:t>
+            </a:r>
+          </a:p>
+          <a:p>
+            <a:pPr marL="0" indent="0">
+              <a:buNone/>
+            </a:pPr>
+            <a:r>
+              <a:rPr lang="en-US" sz="1600" dirty="0"/>
+              <a:t>	Without this information, your phone must search through all possible satellite signals (32 satellites × many possible frequencies × many possible code phases), which can take 30 to 60 seconds or more just to get the first position fix.</a:t>
+            </a:r>
+          </a:p>
+          <a:p>
+            <a:pPr marL="0" indent="0">
+              <a:buNone/>
+            </a:pPr>
+            <a:r>
+              <a:rPr lang="en-US" sz="1600" dirty="0">
+                <a:solidFill>
+                  <a:srgbClr val="FFC000"/>
+                </a:solidFill>
+              </a:rPr>
+              <a:t>2. Weak Signal Environments: </a:t>
+            </a:r>
+            <a:r>
+              <a:rPr lang="en-US" sz="1600" dirty="0"/>
+              <a:t>GPS signals are remarkably weak by the time they reach Earth's surface. This presents several problems like p</a:t>
+            </a:r>
+            <a:r>
+              <a:rPr lang="en-US" dirty="0"/>
+              <a:t>oor indoor reception and inaccurate position calculation in Urban Canyons (In dense cities, GPS signals may be blocked or reflected off buildings (called multipath))</a:t>
+            </a:r>
+          </a:p>
+          <a:p>
+            <a:pPr marL="0" indent="0">
+              <a:buNone/>
+            </a:pPr>
+            <a:r>
+              <a:rPr lang="en-US" dirty="0">
+                <a:solidFill>
+                  <a:srgbClr val="FFC000"/>
+                </a:solidFill>
+              </a:rPr>
+              <a:t>3. High Power Consumption: </a:t>
+            </a:r>
+            <a:r>
+              <a:rPr lang="en-US" dirty="0"/>
+              <a:t>Searching for satellites and downloading data requires keeping the GPS receiver powered on for extended periods. </a:t>
+            </a:r>
+          </a:p>
+          <a:p>
+            <a:pPr marL="0" indent="0">
+              <a:buNone/>
+            </a:pPr>
+            <a:r>
+              <a:rPr lang="en-US" dirty="0">
+                <a:solidFill>
+                  <a:srgbClr val="FFC000"/>
+                </a:solidFill>
+              </a:rPr>
+              <a:t>4. Limited Accuracy: </a:t>
+            </a:r>
+            <a:r>
+              <a:rPr lang="en-US" dirty="0"/>
+              <a:t>Even under ideal conditions (clear sky, open area), standalone GPS typically achieves accuracy of 10-30 meters at a 95% confidence level. </a:t>
+            </a:r>
           </a:p>
         </p:txBody>
       </p:sp>
@@ -3571,6 +4381,2356 @@
 </file>
 
 <file path=ppt/slides/slide11.xml><?xml version="1.0" encoding="utf-8"?>
+<p:sld xmlns:a="http://schemas.openxmlformats.org/drawingml/2006/main" xmlns:r="http://schemas.openxmlformats.org/officeDocument/2006/relationships" xmlns:p="http://schemas.openxmlformats.org/presentationml/2006/main">
+  <p:cSld>
+    <p:spTree>
+      <p:nvGrpSpPr>
+        <p:cNvPr id="1" name="">
+          <a:extLst>
+            <a:ext uri="{FF2B5EF4-FFF2-40B4-BE49-F238E27FC236}">
+              <a16:creationId xmlns:a16="http://schemas.microsoft.com/office/drawing/2014/main" id="{14CE90F4-74BA-F2BF-6986-8754856662A0}"/>
+            </a:ext>
+          </a:extLst>
+        </p:cNvPr>
+        <p:cNvGrpSpPr/>
+        <p:nvPr/>
+      </p:nvGrpSpPr>
+      <p:grpSpPr>
+        <a:xfrm>
+          <a:off x="0" y="0"/>
+          <a:ext cx="0" cy="0"/>
+          <a:chOff x="0" y="0"/>
+          <a:chExt cx="0" cy="0"/>
+        </a:xfrm>
+      </p:grpSpPr>
+      <p:sp>
+        <p:nvSpPr>
+          <p:cNvPr id="2" name="Title 1">
+            <a:extLst>
+              <a:ext uri="{FF2B5EF4-FFF2-40B4-BE49-F238E27FC236}">
+                <a16:creationId xmlns:a16="http://schemas.microsoft.com/office/drawing/2014/main" id="{8AC34ED8-F049-F005-435B-23D4839DCBAA}"/>
+              </a:ext>
+            </a:extLst>
+          </p:cNvPr>
+          <p:cNvSpPr>
+            <a:spLocks noGrp="1"/>
+          </p:cNvSpPr>
+          <p:nvPr>
+            <p:ph type="title"/>
+          </p:nvPr>
+        </p:nvSpPr>
+        <p:spPr>
+          <a:xfrm>
+            <a:off x="2231136" y="385840"/>
+            <a:ext cx="7729728" cy="732133"/>
+          </a:xfrm>
+        </p:spPr>
+        <p:txBody>
+          <a:bodyPr>
+            <a:normAutofit fontScale="90000"/>
+          </a:bodyPr>
+          <a:lstStyle/>
+          <a:p>
+            <a:r>
+              <a:rPr lang="en-US" dirty="0"/>
+              <a:t>The Solution: A-GPS with SUPL</a:t>
+            </a:r>
+          </a:p>
+        </p:txBody>
+      </p:sp>
+      <p:sp>
+        <p:nvSpPr>
+          <p:cNvPr id="3" name="Content Placeholder 2">
+            <a:extLst>
+              <a:ext uri="{FF2B5EF4-FFF2-40B4-BE49-F238E27FC236}">
+                <a16:creationId xmlns:a16="http://schemas.microsoft.com/office/drawing/2014/main" id="{D7446F28-84AC-FDEA-391D-0630EB0F954B}"/>
+              </a:ext>
+            </a:extLst>
+          </p:cNvPr>
+          <p:cNvSpPr>
+            <a:spLocks noGrp="1"/>
+          </p:cNvSpPr>
+          <p:nvPr>
+            <p:ph idx="1"/>
+          </p:nvPr>
+        </p:nvSpPr>
+        <p:spPr>
+          <a:xfrm>
+            <a:off x="699541" y="1963712"/>
+            <a:ext cx="10792917" cy="4082232"/>
+          </a:xfrm>
+        </p:spPr>
+        <p:txBody>
+          <a:bodyPr>
+            <a:noAutofit/>
+          </a:bodyPr>
+          <a:lstStyle/>
+          <a:p>
+            <a:pPr marL="0" indent="0">
+              <a:buNone/>
+            </a:pPr>
+            <a:r>
+              <a:rPr lang="en-US" dirty="0"/>
+              <a:t>Assisted GPS (A-GPS)</a:t>
+            </a:r>
+          </a:p>
+          <a:p>
+            <a:pPr marL="0" indent="0">
+              <a:buNone/>
+            </a:pPr>
+            <a:r>
+              <a:rPr lang="en-US" b="1" dirty="0"/>
+              <a:t>Key Concept:</a:t>
+            </a:r>
+            <a:r>
+              <a:rPr lang="en-US" dirty="0"/>
+              <a:t> Download assistance data over fast internet instead of slow satellite signals</a:t>
+            </a:r>
+          </a:p>
+          <a:p>
+            <a:r>
+              <a:rPr lang="en-US" b="1" dirty="0"/>
+              <a:t>Speed Comparison:</a:t>
+            </a:r>
+            <a:endParaRPr lang="en-US" dirty="0"/>
+          </a:p>
+          <a:p>
+            <a:pPr lvl="1"/>
+            <a:r>
+              <a:rPr lang="en-US" sz="1800" dirty="0"/>
+              <a:t>Satellite broadcast: 50 bits/second</a:t>
+            </a:r>
+          </a:p>
+          <a:p>
+            <a:pPr lvl="1"/>
+            <a:r>
+              <a:rPr lang="en-US" sz="1800" dirty="0"/>
+              <a:t>4G/5G internet: 20+ Mbps (400,000× faster!)</a:t>
+            </a:r>
+          </a:p>
+          <a:p>
+            <a:r>
+              <a:rPr lang="en-US" b="1" dirty="0"/>
+              <a:t>Result:</a:t>
+            </a:r>
+            <a:endParaRPr lang="en-US" dirty="0"/>
+          </a:p>
+          <a:p>
+            <a:pPr lvl="1"/>
+            <a:r>
+              <a:rPr lang="en-US" sz="1800" dirty="0"/>
+              <a:t>TTFF: 5-10 seconds (vs 30-60 seconds)</a:t>
+            </a:r>
+          </a:p>
+          <a:p>
+            <a:pPr lvl="1"/>
+            <a:r>
+              <a:rPr lang="en-US" sz="1800" dirty="0"/>
+              <a:t>90% less power consumption</a:t>
+            </a:r>
+          </a:p>
+          <a:p>
+            <a:pPr lvl="1"/>
+            <a:r>
+              <a:rPr lang="en-US" sz="1800" dirty="0"/>
+              <a:t>Works in weak signal environments</a:t>
+            </a:r>
+          </a:p>
+        </p:txBody>
+      </p:sp>
+    </p:spTree>
+    <p:extLst>
+      <p:ext uri="{BB962C8B-B14F-4D97-AF65-F5344CB8AC3E}">
+        <p14:creationId xmlns:p14="http://schemas.microsoft.com/office/powerpoint/2010/main" val="1541062990"/>
+      </p:ext>
+    </p:extLst>
+  </p:cSld>
+  <p:clrMapOvr>
+    <a:masterClrMapping/>
+  </p:clrMapOvr>
+</p:sld>
+</file>
+
+<file path=ppt/slides/slide12.xml><?xml version="1.0" encoding="utf-8"?>
+<p:sld xmlns:a="http://schemas.openxmlformats.org/drawingml/2006/main" xmlns:r="http://schemas.openxmlformats.org/officeDocument/2006/relationships" xmlns:p="http://schemas.openxmlformats.org/presentationml/2006/main">
+  <p:cSld>
+    <p:spTree>
+      <p:nvGrpSpPr>
+        <p:cNvPr id="1" name="">
+          <a:extLst>
+            <a:ext uri="{FF2B5EF4-FFF2-40B4-BE49-F238E27FC236}">
+              <a16:creationId xmlns:a16="http://schemas.microsoft.com/office/drawing/2014/main" id="{87A2CAB5-BB55-1627-10AC-9A918F1F1914}"/>
+            </a:ext>
+          </a:extLst>
+        </p:cNvPr>
+        <p:cNvGrpSpPr/>
+        <p:nvPr/>
+      </p:nvGrpSpPr>
+      <p:grpSpPr>
+        <a:xfrm>
+          <a:off x="0" y="0"/>
+          <a:ext cx="0" cy="0"/>
+          <a:chOff x="0" y="0"/>
+          <a:chExt cx="0" cy="0"/>
+        </a:xfrm>
+      </p:grpSpPr>
+      <p:sp>
+        <p:nvSpPr>
+          <p:cNvPr id="2" name="Title 1">
+            <a:extLst>
+              <a:ext uri="{FF2B5EF4-FFF2-40B4-BE49-F238E27FC236}">
+                <a16:creationId xmlns:a16="http://schemas.microsoft.com/office/drawing/2014/main" id="{84F8BBD2-AD46-79C8-8B41-19DCA77E86AD}"/>
+              </a:ext>
+            </a:extLst>
+          </p:cNvPr>
+          <p:cNvSpPr>
+            <a:spLocks noGrp="1"/>
+          </p:cNvSpPr>
+          <p:nvPr>
+            <p:ph type="title"/>
+          </p:nvPr>
+        </p:nvSpPr>
+        <p:spPr>
+          <a:xfrm>
+            <a:off x="2231136" y="385840"/>
+            <a:ext cx="7729728" cy="732133"/>
+          </a:xfrm>
+        </p:spPr>
+        <p:txBody>
+          <a:bodyPr>
+            <a:normAutofit fontScale="90000"/>
+          </a:bodyPr>
+          <a:lstStyle/>
+          <a:p>
+            <a:r>
+              <a:rPr lang="en-US" dirty="0"/>
+              <a:t>Enter SUPL: The Solution</a:t>
+            </a:r>
+          </a:p>
+        </p:txBody>
+      </p:sp>
+      <p:sp>
+        <p:nvSpPr>
+          <p:cNvPr id="3" name="Content Placeholder 2">
+            <a:extLst>
+              <a:ext uri="{FF2B5EF4-FFF2-40B4-BE49-F238E27FC236}">
+                <a16:creationId xmlns:a16="http://schemas.microsoft.com/office/drawing/2014/main" id="{8E498395-46A7-F3DA-A1C3-200207E75BB8}"/>
+              </a:ext>
+            </a:extLst>
+          </p:cNvPr>
+          <p:cNvSpPr>
+            <a:spLocks noGrp="1"/>
+          </p:cNvSpPr>
+          <p:nvPr>
+            <p:ph idx="1"/>
+          </p:nvPr>
+        </p:nvSpPr>
+        <p:spPr>
+          <a:xfrm>
+            <a:off x="119921" y="1508288"/>
+            <a:ext cx="11887199" cy="4822469"/>
+          </a:xfrm>
+        </p:spPr>
+        <p:txBody>
+          <a:bodyPr>
+            <a:noAutofit/>
+          </a:bodyPr>
+          <a:lstStyle/>
+          <a:p>
+            <a:pPr marL="0" indent="0">
+              <a:buNone/>
+            </a:pPr>
+            <a:r>
+              <a:rPr lang="en-US" dirty="0"/>
+              <a:t>The fundamental insight behind SUPL is to send the assistance data quickly over the internet instead of making your phone slowly download that data from satellites:</a:t>
+            </a:r>
+          </a:p>
+          <a:p>
+            <a:pPr marL="342900" indent="-342900">
+              <a:buFont typeface="+mj-lt"/>
+              <a:buAutoNum type="arabicPeriod"/>
+            </a:pPr>
+            <a:r>
+              <a:rPr lang="en-US" dirty="0">
+                <a:solidFill>
+                  <a:srgbClr val="FFC000"/>
+                </a:solidFill>
+              </a:rPr>
+              <a:t>Satellite Ephemeris Data:</a:t>
+            </a:r>
+            <a:r>
+              <a:rPr lang="en-US" dirty="0"/>
+              <a:t> Instead of waiting 30 seconds per satellite to download ephemeris from the satellites themselves, SUPL can send precise ephemeris data for all visible satellites in just 1-2 seconds over a 4G or 5G internet connection. This ephemeris data is collected from a global network of GPS reference stations that continuously monitor all satellites.</a:t>
+            </a:r>
+          </a:p>
+          <a:p>
+            <a:pPr marL="342900" indent="-342900">
+              <a:buFont typeface="+mj-lt"/>
+              <a:buAutoNum type="arabicPeriod"/>
+            </a:pPr>
+            <a:r>
+              <a:rPr lang="en-US" dirty="0">
+                <a:solidFill>
+                  <a:srgbClr val="FFC000"/>
+                </a:solidFill>
+              </a:rPr>
+              <a:t>Current GPS Time: </a:t>
+            </a:r>
+            <a:r>
+              <a:rPr lang="en-US" dirty="0"/>
+              <a:t>SUPL provides the precise GPS time synchronized to within nanoseconds, eliminating the need for your phone to search blindly through time offsets.</a:t>
+            </a:r>
+          </a:p>
+          <a:p>
+            <a:pPr marL="342900" indent="-342900">
+              <a:buFont typeface="+mj-lt"/>
+              <a:buAutoNum type="arabicPeriod"/>
+            </a:pPr>
+            <a:r>
+              <a:rPr lang="en-US" dirty="0">
+                <a:solidFill>
+                  <a:srgbClr val="FFC000"/>
+                </a:solidFill>
+              </a:rPr>
+              <a:t>Reference Location: </a:t>
+            </a:r>
+            <a:r>
+              <a:rPr lang="en-US" dirty="0"/>
+              <a:t>SUPL can provide an approximate location based on your cellular connection (which cell tower you're connected to). This might only be accurate to 1-2 kilometers, but it's sufficient to tell your phone which satellites should be visible in the sky.</a:t>
+            </a:r>
+          </a:p>
+          <a:p>
+            <a:pPr marL="342900" indent="-342900">
+              <a:buFont typeface="+mj-lt"/>
+              <a:buAutoNum type="arabicPeriod"/>
+            </a:pPr>
+            <a:r>
+              <a:rPr lang="en-US" dirty="0">
+                <a:solidFill>
+                  <a:srgbClr val="FFC000"/>
+                </a:solidFill>
+              </a:rPr>
+              <a:t>Acquisition Assistance: </a:t>
+            </a:r>
+            <a:r>
+              <a:rPr lang="en-US" dirty="0"/>
+              <a:t>Perhaps most importantly, SUPL provides exact search parameters for each satellite, including The expected Doppler frequency shift, The expected code phase, The expected signal strength and satellite elevation angle</a:t>
+            </a:r>
+          </a:p>
+          <a:p>
+            <a:pPr marL="342900" indent="-342900">
+              <a:buFont typeface="+mj-lt"/>
+              <a:buAutoNum type="arabicPeriod"/>
+            </a:pPr>
+            <a:r>
+              <a:rPr lang="en-US" dirty="0">
+                <a:solidFill>
+                  <a:srgbClr val="FFC000"/>
+                </a:solidFill>
+              </a:rPr>
+              <a:t>Ionospheric Correction Model: </a:t>
+            </a:r>
+            <a:r>
+              <a:rPr lang="en-US" dirty="0"/>
+              <a:t>SUPL provides parameters for a mathematical model that can estimate the signal delay caused by the ionosphere, improving position accuracy by 5-15 meters.</a:t>
+            </a:r>
+            <a:br>
+              <a:rPr lang="en-US" dirty="0"/>
+            </a:br>
+            <a:endParaRPr lang="en-US" dirty="0"/>
+          </a:p>
+        </p:txBody>
+      </p:sp>
+    </p:spTree>
+    <p:extLst>
+      <p:ext uri="{BB962C8B-B14F-4D97-AF65-F5344CB8AC3E}">
+        <p14:creationId xmlns:p14="http://schemas.microsoft.com/office/powerpoint/2010/main" val="1913108607"/>
+      </p:ext>
+    </p:extLst>
+  </p:cSld>
+  <p:clrMapOvr>
+    <a:masterClrMapping/>
+  </p:clrMapOvr>
+</p:sld>
+</file>
+
+<file path=ppt/slides/slide13.xml><?xml version="1.0" encoding="utf-8"?>
+<p:sld xmlns:a="http://schemas.openxmlformats.org/drawingml/2006/main" xmlns:r="http://schemas.openxmlformats.org/officeDocument/2006/relationships" xmlns:p="http://schemas.openxmlformats.org/presentationml/2006/main">
+  <p:cSld>
+    <p:spTree>
+      <p:nvGrpSpPr>
+        <p:cNvPr id="1" name="">
+          <a:extLst>
+            <a:ext uri="{FF2B5EF4-FFF2-40B4-BE49-F238E27FC236}">
+              <a16:creationId xmlns:a16="http://schemas.microsoft.com/office/drawing/2014/main" id="{31198FC8-1609-4E13-E59B-97A73DFDED81}"/>
+            </a:ext>
+          </a:extLst>
+        </p:cNvPr>
+        <p:cNvGrpSpPr/>
+        <p:nvPr/>
+      </p:nvGrpSpPr>
+      <p:grpSpPr>
+        <a:xfrm>
+          <a:off x="0" y="0"/>
+          <a:ext cx="0" cy="0"/>
+          <a:chOff x="0" y="0"/>
+          <a:chExt cx="0" cy="0"/>
+        </a:xfrm>
+      </p:grpSpPr>
+      <p:sp>
+        <p:nvSpPr>
+          <p:cNvPr id="2" name="Title 1">
+            <a:extLst>
+              <a:ext uri="{FF2B5EF4-FFF2-40B4-BE49-F238E27FC236}">
+                <a16:creationId xmlns:a16="http://schemas.microsoft.com/office/drawing/2014/main" id="{14CACEBF-84ED-C1AA-14F6-8D5E7409D2B0}"/>
+              </a:ext>
+            </a:extLst>
+          </p:cNvPr>
+          <p:cNvSpPr>
+            <a:spLocks noGrp="1"/>
+          </p:cNvSpPr>
+          <p:nvPr>
+            <p:ph type="title"/>
+          </p:nvPr>
+        </p:nvSpPr>
+        <p:spPr>
+          <a:xfrm>
+            <a:off x="2231136" y="385840"/>
+            <a:ext cx="7729728" cy="732133"/>
+          </a:xfrm>
+        </p:spPr>
+        <p:txBody>
+          <a:bodyPr>
+            <a:normAutofit fontScale="90000"/>
+          </a:bodyPr>
+          <a:lstStyle/>
+          <a:p>
+            <a:r>
+              <a:rPr lang="en-IN" b="1" dirty="0"/>
+              <a:t>SUPL Introduction</a:t>
+            </a:r>
+            <a:endParaRPr lang="en-IN" dirty="0"/>
+          </a:p>
+        </p:txBody>
+      </p:sp>
+      <p:sp>
+        <p:nvSpPr>
+          <p:cNvPr id="3" name="Content Placeholder 2">
+            <a:extLst>
+              <a:ext uri="{FF2B5EF4-FFF2-40B4-BE49-F238E27FC236}">
+                <a16:creationId xmlns:a16="http://schemas.microsoft.com/office/drawing/2014/main" id="{AEA8214F-7987-AE93-E397-27659A12A292}"/>
+              </a:ext>
+            </a:extLst>
+          </p:cNvPr>
+          <p:cNvSpPr>
+            <a:spLocks noGrp="1"/>
+          </p:cNvSpPr>
+          <p:nvPr>
+            <p:ph idx="1"/>
+          </p:nvPr>
+        </p:nvSpPr>
+        <p:spPr>
+          <a:xfrm>
+            <a:off x="543612" y="1508288"/>
+            <a:ext cx="11104775" cy="4822469"/>
+          </a:xfrm>
+        </p:spPr>
+        <p:txBody>
+          <a:bodyPr/>
+          <a:lstStyle/>
+          <a:p>
+            <a:r>
+              <a:rPr lang="en-IN" b="1" dirty="0"/>
+              <a:t>Secure User Plane Location Protocol</a:t>
+            </a:r>
+            <a:endParaRPr lang="en-IN" dirty="0"/>
+          </a:p>
+          <a:p>
+            <a:r>
+              <a:rPr lang="en-IN" b="1" dirty="0"/>
+              <a:t>What is SUPL?</a:t>
+            </a:r>
+            <a:endParaRPr lang="en-IN" dirty="0"/>
+          </a:p>
+          <a:p>
+            <a:pPr lvl="1"/>
+            <a:r>
+              <a:rPr lang="en-IN" dirty="0"/>
+              <a:t>OMA (Open Mobile Alliance) standard</a:t>
+            </a:r>
+          </a:p>
+          <a:p>
+            <a:pPr lvl="1"/>
+            <a:r>
+              <a:rPr lang="en-IN" dirty="0"/>
+              <a:t>IP-based location protocol using User Plane</a:t>
+            </a:r>
+          </a:p>
+          <a:p>
+            <a:pPr lvl="1"/>
+            <a:r>
+              <a:rPr lang="en-IN" dirty="0"/>
+              <a:t>Provides Assisted GNSS (A-GNSS) data</a:t>
+            </a:r>
+          </a:p>
+          <a:p>
+            <a:pPr lvl="1"/>
+            <a:r>
+              <a:rPr lang="en-IN" dirty="0"/>
+              <a:t>Faster TTFF and improved accuracy</a:t>
+            </a:r>
+          </a:p>
+          <a:p>
+            <a:r>
+              <a:rPr lang="en-IN" b="1" dirty="0"/>
+              <a:t>Key Principle:</a:t>
+            </a:r>
+            <a:r>
+              <a:rPr lang="en-IN" dirty="0"/>
+              <a:t> Use existing IP connectivity (cellular data/</a:t>
+            </a:r>
+            <a:r>
+              <a:rPr lang="en-IN" dirty="0" err="1"/>
+              <a:t>WiFi</a:t>
+            </a:r>
+            <a:r>
+              <a:rPr lang="en-IN" dirty="0"/>
+              <a:t>) to deliver GPS assistance data instead of downloading it slowly from satellites.</a:t>
+            </a:r>
+          </a:p>
+          <a:p>
+            <a:endParaRPr lang="en-IN" dirty="0"/>
+          </a:p>
+        </p:txBody>
+      </p:sp>
+    </p:spTree>
+    <p:extLst>
+      <p:ext uri="{BB962C8B-B14F-4D97-AF65-F5344CB8AC3E}">
+        <p14:creationId xmlns:p14="http://schemas.microsoft.com/office/powerpoint/2010/main" val="2148354853"/>
+      </p:ext>
+    </p:extLst>
+  </p:cSld>
+  <p:clrMapOvr>
+    <a:masterClrMapping/>
+  </p:clrMapOvr>
+</p:sld>
+</file>
+
+<file path=ppt/slides/slide14.xml><?xml version="1.0" encoding="utf-8"?>
+<p:sld xmlns:a="http://schemas.openxmlformats.org/drawingml/2006/main" xmlns:r="http://schemas.openxmlformats.org/officeDocument/2006/relationships" xmlns:p="http://schemas.openxmlformats.org/presentationml/2006/main">
+  <p:cSld>
+    <p:spTree>
+      <p:nvGrpSpPr>
+        <p:cNvPr id="1" name="">
+          <a:extLst>
+            <a:ext uri="{FF2B5EF4-FFF2-40B4-BE49-F238E27FC236}">
+              <a16:creationId xmlns:a16="http://schemas.microsoft.com/office/drawing/2014/main" id="{CFB935E9-2B8B-EC26-C66D-3CBACD9F026E}"/>
+            </a:ext>
+          </a:extLst>
+        </p:cNvPr>
+        <p:cNvGrpSpPr/>
+        <p:nvPr/>
+      </p:nvGrpSpPr>
+      <p:grpSpPr>
+        <a:xfrm>
+          <a:off x="0" y="0"/>
+          <a:ext cx="0" cy="0"/>
+          <a:chOff x="0" y="0"/>
+          <a:chExt cx="0" cy="0"/>
+        </a:xfrm>
+      </p:grpSpPr>
+      <p:sp>
+        <p:nvSpPr>
+          <p:cNvPr id="2" name="Title 1">
+            <a:extLst>
+              <a:ext uri="{FF2B5EF4-FFF2-40B4-BE49-F238E27FC236}">
+                <a16:creationId xmlns:a16="http://schemas.microsoft.com/office/drawing/2014/main" id="{7C4E3AFF-C56B-3964-2729-473042D52225}"/>
+              </a:ext>
+            </a:extLst>
+          </p:cNvPr>
+          <p:cNvSpPr>
+            <a:spLocks noGrp="1"/>
+          </p:cNvSpPr>
+          <p:nvPr>
+            <p:ph type="title"/>
+          </p:nvPr>
+        </p:nvSpPr>
+        <p:spPr>
+          <a:xfrm>
+            <a:off x="2231136" y="385840"/>
+            <a:ext cx="7729728" cy="732133"/>
+          </a:xfrm>
+        </p:spPr>
+        <p:txBody>
+          <a:bodyPr>
+            <a:normAutofit fontScale="90000"/>
+          </a:bodyPr>
+          <a:lstStyle/>
+          <a:p>
+            <a:r>
+              <a:rPr lang="en-US" dirty="0"/>
+              <a:t>SUPL Protocol Overview</a:t>
+            </a:r>
+            <a:endParaRPr lang="en-IN" dirty="0"/>
+          </a:p>
+        </p:txBody>
+      </p:sp>
+      <p:sp>
+        <p:nvSpPr>
+          <p:cNvPr id="5" name="Content Placeholder 2">
+            <a:extLst>
+              <a:ext uri="{FF2B5EF4-FFF2-40B4-BE49-F238E27FC236}">
+                <a16:creationId xmlns:a16="http://schemas.microsoft.com/office/drawing/2014/main" id="{81E191E8-3E0B-75C8-EC89-BF732FB9A787}"/>
+              </a:ext>
+            </a:extLst>
+          </p:cNvPr>
+          <p:cNvSpPr>
+            <a:spLocks noGrp="1"/>
+          </p:cNvSpPr>
+          <p:nvPr>
+            <p:ph idx="1"/>
+          </p:nvPr>
+        </p:nvSpPr>
+        <p:spPr>
+          <a:xfrm>
+            <a:off x="543612" y="1508288"/>
+            <a:ext cx="11104775" cy="4822469"/>
+          </a:xfrm>
+        </p:spPr>
+        <p:txBody>
+          <a:bodyPr>
+            <a:normAutofit/>
+          </a:bodyPr>
+          <a:lstStyle/>
+          <a:p>
+            <a:pPr marL="0" indent="0">
+              <a:buNone/>
+            </a:pPr>
+            <a:r>
+              <a:rPr lang="en-IN" b="1" dirty="0"/>
+              <a:t>Developed by: Open Mobile Alliance (OMA)</a:t>
+            </a:r>
+          </a:p>
+          <a:p>
+            <a:pPr lvl="1"/>
+            <a:r>
+              <a:rPr lang="en-IN" b="1" dirty="0"/>
+              <a:t>SUPL 1.0 (2007)</a:t>
+            </a:r>
+          </a:p>
+          <a:p>
+            <a:pPr lvl="1"/>
+            <a:r>
+              <a:rPr lang="en-IN" b="1" dirty="0"/>
+              <a:t>SUPL 2.0 (2012)</a:t>
+            </a:r>
+          </a:p>
+          <a:p>
+            <a:pPr marL="0" indent="0">
+              <a:buNone/>
+            </a:pPr>
+            <a:endParaRPr lang="en-IN" b="1" dirty="0"/>
+          </a:p>
+          <a:p>
+            <a:pPr marL="0" indent="0">
+              <a:buNone/>
+            </a:pPr>
+            <a:r>
+              <a:rPr lang="en-IN" b="1" dirty="0"/>
+              <a:t>Key Innovation: </a:t>
+            </a:r>
+            <a:r>
+              <a:rPr lang="en-IN" dirty="0"/>
+              <a:t>Use IP network (user plane) instead of cellular control plane</a:t>
+            </a:r>
+          </a:p>
+          <a:p>
+            <a:pPr marL="0" indent="0">
+              <a:buNone/>
+            </a:pPr>
+            <a:endParaRPr lang="en-IN" b="1" dirty="0"/>
+          </a:p>
+          <a:p>
+            <a:pPr marL="0" indent="0">
+              <a:buNone/>
+            </a:pPr>
+            <a:r>
+              <a:rPr lang="en-IN" b="1" dirty="0"/>
+              <a:t>Benefits:</a:t>
+            </a:r>
+          </a:p>
+          <a:p>
+            <a:pPr lvl="1"/>
+            <a:r>
+              <a:rPr lang="en-IN" b="1" dirty="0"/>
+              <a:t>Network-independent (works over </a:t>
+            </a:r>
+            <a:r>
+              <a:rPr lang="en-IN" b="1" dirty="0" err="1"/>
+              <a:t>WiFi</a:t>
+            </a:r>
+            <a:r>
+              <a:rPr lang="en-IN" b="1" dirty="0"/>
+              <a:t>, 4G, 5G)</a:t>
+            </a:r>
+          </a:p>
+          <a:p>
+            <a:pPr lvl="1"/>
+            <a:r>
+              <a:rPr lang="en-IN" b="1" dirty="0"/>
+              <a:t>Simpler deployment</a:t>
+            </a:r>
+          </a:p>
+          <a:p>
+            <a:pPr lvl="1"/>
+            <a:r>
+              <a:rPr lang="en-IN" b="1" dirty="0"/>
+              <a:t>Lower infrastructure cost</a:t>
+            </a:r>
+          </a:p>
+          <a:p>
+            <a:pPr lvl="1"/>
+            <a:r>
+              <a:rPr lang="en-IN" b="1" dirty="0"/>
+              <a:t>Better roaming support</a:t>
+            </a:r>
+          </a:p>
+          <a:p>
+            <a:pPr lvl="1"/>
+            <a:r>
+              <a:rPr lang="en-IN" b="1" dirty="0"/>
+              <a:t>Single standard for all networks</a:t>
+            </a:r>
+            <a:endParaRPr lang="en-IN" dirty="0"/>
+          </a:p>
+        </p:txBody>
+      </p:sp>
+    </p:spTree>
+    <p:extLst>
+      <p:ext uri="{BB962C8B-B14F-4D97-AF65-F5344CB8AC3E}">
+        <p14:creationId xmlns:p14="http://schemas.microsoft.com/office/powerpoint/2010/main" val="94457911"/>
+      </p:ext>
+    </p:extLst>
+  </p:cSld>
+  <p:clrMapOvr>
+    <a:masterClrMapping/>
+  </p:clrMapOvr>
+</p:sld>
+</file>
+
+<file path=ppt/slides/slide15.xml><?xml version="1.0" encoding="utf-8"?>
+<p:sld xmlns:a="http://schemas.openxmlformats.org/drawingml/2006/main" xmlns:r="http://schemas.openxmlformats.org/officeDocument/2006/relationships" xmlns:p="http://schemas.openxmlformats.org/presentationml/2006/main">
+  <p:cSld>
+    <p:spTree>
+      <p:nvGrpSpPr>
+        <p:cNvPr id="1" name="">
+          <a:extLst>
+            <a:ext uri="{FF2B5EF4-FFF2-40B4-BE49-F238E27FC236}">
+              <a16:creationId xmlns:a16="http://schemas.microsoft.com/office/drawing/2014/main" id="{9C176F79-AF05-7BBF-3939-1EDB76A857B6}"/>
+            </a:ext>
+          </a:extLst>
+        </p:cNvPr>
+        <p:cNvGrpSpPr/>
+        <p:nvPr/>
+      </p:nvGrpSpPr>
+      <p:grpSpPr>
+        <a:xfrm>
+          <a:off x="0" y="0"/>
+          <a:ext cx="0" cy="0"/>
+          <a:chOff x="0" y="0"/>
+          <a:chExt cx="0" cy="0"/>
+        </a:xfrm>
+      </p:grpSpPr>
+      <p:sp>
+        <p:nvSpPr>
+          <p:cNvPr id="2" name="Title 1">
+            <a:extLst>
+              <a:ext uri="{FF2B5EF4-FFF2-40B4-BE49-F238E27FC236}">
+                <a16:creationId xmlns:a16="http://schemas.microsoft.com/office/drawing/2014/main" id="{A3FD8D18-83F7-0DED-1616-0BEE13C68F8A}"/>
+              </a:ext>
+            </a:extLst>
+          </p:cNvPr>
+          <p:cNvSpPr>
+            <a:spLocks noGrp="1"/>
+          </p:cNvSpPr>
+          <p:nvPr>
+            <p:ph type="title"/>
+          </p:nvPr>
+        </p:nvSpPr>
+        <p:spPr>
+          <a:xfrm>
+            <a:off x="2231136" y="385840"/>
+            <a:ext cx="7729728" cy="732133"/>
+          </a:xfrm>
+        </p:spPr>
+        <p:txBody>
+          <a:bodyPr>
+            <a:noAutofit/>
+          </a:bodyPr>
+          <a:lstStyle/>
+          <a:p>
+            <a:r>
+              <a:rPr lang="en-US" sz="2000" dirty="0"/>
+              <a:t>SUPL 2.0: Beyond GPS, Multi-Constellation GNSS</a:t>
+            </a:r>
+            <a:endParaRPr lang="en-IN" sz="2000" dirty="0"/>
+          </a:p>
+        </p:txBody>
+      </p:sp>
+      <p:graphicFrame>
+        <p:nvGraphicFramePr>
+          <p:cNvPr id="3" name="Table 2">
+            <a:extLst>
+              <a:ext uri="{FF2B5EF4-FFF2-40B4-BE49-F238E27FC236}">
+                <a16:creationId xmlns:a16="http://schemas.microsoft.com/office/drawing/2014/main" id="{712BF5A9-7D7A-A673-B9A7-50AA769587EA}"/>
+              </a:ext>
+            </a:extLst>
+          </p:cNvPr>
+          <p:cNvGraphicFramePr>
+            <a:graphicFrameLocks noGrp="1"/>
+          </p:cNvGraphicFramePr>
+          <p:nvPr>
+            <p:extLst>
+              <p:ext uri="{D42A27DB-BD31-4B8C-83A1-F6EECF244321}">
+                <p14:modId xmlns:p14="http://schemas.microsoft.com/office/powerpoint/2010/main" val="628457019"/>
+              </p:ext>
+            </p:extLst>
+          </p:nvPr>
+        </p:nvGraphicFramePr>
+        <p:xfrm>
+          <a:off x="390773" y="1336260"/>
+          <a:ext cx="11257614" cy="3338535"/>
+        </p:xfrm>
+        <a:graphic>
+          <a:graphicData uri="http://schemas.openxmlformats.org/drawingml/2006/table">
+            <a:tbl>
+              <a:tblPr firstRow="1" firstCol="1">
+                <a:tableStyleId>{5DA37D80-6434-44D0-A028-1B22A696006F}</a:tableStyleId>
+              </a:tblPr>
+              <a:tblGrid>
+                <a:gridCol w="1876269">
+                  <a:extLst>
+                    <a:ext uri="{9D8B030D-6E8A-4147-A177-3AD203B41FA5}">
+                      <a16:colId xmlns:a16="http://schemas.microsoft.com/office/drawing/2014/main" val="1885084226"/>
+                    </a:ext>
+                  </a:extLst>
+                </a:gridCol>
+                <a:gridCol w="1876269">
+                  <a:extLst>
+                    <a:ext uri="{9D8B030D-6E8A-4147-A177-3AD203B41FA5}">
+                      <a16:colId xmlns:a16="http://schemas.microsoft.com/office/drawing/2014/main" val="1506208045"/>
+                    </a:ext>
+                  </a:extLst>
+                </a:gridCol>
+                <a:gridCol w="1876269">
+                  <a:extLst>
+                    <a:ext uri="{9D8B030D-6E8A-4147-A177-3AD203B41FA5}">
+                      <a16:colId xmlns:a16="http://schemas.microsoft.com/office/drawing/2014/main" val="954853271"/>
+                    </a:ext>
+                  </a:extLst>
+                </a:gridCol>
+                <a:gridCol w="1876269">
+                  <a:extLst>
+                    <a:ext uri="{9D8B030D-6E8A-4147-A177-3AD203B41FA5}">
+                      <a16:colId xmlns:a16="http://schemas.microsoft.com/office/drawing/2014/main" val="1768731814"/>
+                    </a:ext>
+                  </a:extLst>
+                </a:gridCol>
+                <a:gridCol w="1876269">
+                  <a:extLst>
+                    <a:ext uri="{9D8B030D-6E8A-4147-A177-3AD203B41FA5}">
+                      <a16:colId xmlns:a16="http://schemas.microsoft.com/office/drawing/2014/main" val="1021446173"/>
+                    </a:ext>
+                  </a:extLst>
+                </a:gridCol>
+                <a:gridCol w="1876269">
+                  <a:extLst>
+                    <a:ext uri="{9D8B030D-6E8A-4147-A177-3AD203B41FA5}">
+                      <a16:colId xmlns:a16="http://schemas.microsoft.com/office/drawing/2014/main" val="2153462637"/>
+                    </a:ext>
+                  </a:extLst>
+                </a:gridCol>
+              </a:tblGrid>
+              <a:tr h="288284">
+                <a:tc>
+                  <a:txBody>
+                    <a:bodyPr/>
+                    <a:lstStyle/>
+                    <a:p>
+                      <a:pPr algn="l">
+                        <a:buNone/>
+                      </a:pPr>
+                      <a:r>
+                        <a:rPr lang="en-US" sz="1600" dirty="0">
+                          <a:effectLst/>
+                        </a:rPr>
+                        <a:t>Constellation</a:t>
+                      </a:r>
+                    </a:p>
+                  </a:txBody>
+                  <a:tcPr marL="39266" marR="39266" marT="19633" marB="19633" anchor="ctr"/>
+                </a:tc>
+                <a:tc>
+                  <a:txBody>
+                    <a:bodyPr/>
+                    <a:lstStyle/>
+                    <a:p>
+                      <a:pPr algn="l">
+                        <a:buNone/>
+                      </a:pPr>
+                      <a:r>
+                        <a:rPr lang="en-US" sz="1600">
+                          <a:effectLst/>
+                        </a:rPr>
+                        <a:t>Country</a:t>
+                      </a:r>
+                    </a:p>
+                  </a:txBody>
+                  <a:tcPr marL="39266" marR="39266" marT="19633" marB="19633" anchor="ctr"/>
+                </a:tc>
+                <a:tc>
+                  <a:txBody>
+                    <a:bodyPr/>
+                    <a:lstStyle/>
+                    <a:p>
+                      <a:pPr algn="l">
+                        <a:buNone/>
+                      </a:pPr>
+                      <a:r>
+                        <a:rPr lang="en-US" sz="1600">
+                          <a:effectLst/>
+                        </a:rPr>
+                        <a:t>Satellites</a:t>
+                      </a:r>
+                    </a:p>
+                  </a:txBody>
+                  <a:tcPr marL="39266" marR="39266" marT="19633" marB="19633" anchor="ctr"/>
+                </a:tc>
+                <a:tc>
+                  <a:txBody>
+                    <a:bodyPr/>
+                    <a:lstStyle/>
+                    <a:p>
+                      <a:pPr algn="l">
+                        <a:buNone/>
+                      </a:pPr>
+                      <a:r>
+                        <a:rPr lang="en-US" sz="1600">
+                          <a:effectLst/>
+                        </a:rPr>
+                        <a:t>Frequency Bands</a:t>
+                      </a:r>
+                    </a:p>
+                  </a:txBody>
+                  <a:tcPr marL="39266" marR="39266" marT="19633" marB="19633" anchor="ctr"/>
+                </a:tc>
+                <a:tc>
+                  <a:txBody>
+                    <a:bodyPr/>
+                    <a:lstStyle/>
+                    <a:p>
+                      <a:pPr algn="l">
+                        <a:buNone/>
+                      </a:pPr>
+                      <a:r>
+                        <a:rPr lang="en-US" sz="1600">
+                          <a:effectLst/>
+                        </a:rPr>
+                        <a:t>Coverage</a:t>
+                      </a:r>
+                    </a:p>
+                  </a:txBody>
+                  <a:tcPr marL="39266" marR="39266" marT="19633" marB="19633" anchor="ctr"/>
+                </a:tc>
+                <a:tc>
+                  <a:txBody>
+                    <a:bodyPr/>
+                    <a:lstStyle/>
+                    <a:p>
+                      <a:pPr algn="l">
+                        <a:buNone/>
+                      </a:pPr>
+                      <a:r>
+                        <a:rPr lang="en-US" sz="1600">
+                          <a:effectLst/>
+                        </a:rPr>
+                        <a:t>Status</a:t>
+                      </a:r>
+                    </a:p>
+                  </a:txBody>
+                  <a:tcPr marL="39266" marR="39266" marT="19633" marB="19633" anchor="ctr"/>
+                </a:tc>
+                <a:extLst>
+                  <a:ext uri="{0D108BD9-81ED-4DB2-BD59-A6C34878D82A}">
+                    <a16:rowId xmlns:a16="http://schemas.microsoft.com/office/drawing/2014/main" val="3163860078"/>
+                  </a:ext>
+                </a:extLst>
+              </a:tr>
+              <a:tr h="645700">
+                <a:tc>
+                  <a:txBody>
+                    <a:bodyPr/>
+                    <a:lstStyle/>
+                    <a:p>
+                      <a:pPr>
+                        <a:buNone/>
+                      </a:pPr>
+                      <a:r>
+                        <a:rPr lang="en-US" sz="1600" b="1" dirty="0">
+                          <a:solidFill>
+                            <a:srgbClr val="FFC000"/>
+                          </a:solidFill>
+                          <a:effectLst/>
+                        </a:rPr>
+                        <a:t>GPS</a:t>
+                      </a:r>
+                      <a:endParaRPr lang="en-US" sz="1600" dirty="0">
+                        <a:solidFill>
+                          <a:srgbClr val="FFC000"/>
+                        </a:solidFill>
+                        <a:effectLst/>
+                      </a:endParaRPr>
+                    </a:p>
+                  </a:txBody>
+                  <a:tcPr marL="39266" marR="39266" marT="19633" marB="19633" anchor="ctr"/>
+                </a:tc>
+                <a:tc>
+                  <a:txBody>
+                    <a:bodyPr/>
+                    <a:lstStyle/>
+                    <a:p>
+                      <a:pPr>
+                        <a:buNone/>
+                      </a:pPr>
+                      <a:r>
+                        <a:rPr lang="en-US" sz="1600">
+                          <a:effectLst/>
+                        </a:rPr>
+                        <a:t>USA</a:t>
+                      </a:r>
+                    </a:p>
+                  </a:txBody>
+                  <a:tcPr marL="39266" marR="39266" marT="19633" marB="19633" anchor="ctr"/>
+                </a:tc>
+                <a:tc>
+                  <a:txBody>
+                    <a:bodyPr/>
+                    <a:lstStyle/>
+                    <a:p>
+                      <a:pPr>
+                        <a:buNone/>
+                      </a:pPr>
+                      <a:r>
+                        <a:rPr lang="en-US" sz="1600" dirty="0">
+                          <a:effectLst/>
+                        </a:rPr>
+                        <a:t>31 operational</a:t>
+                      </a:r>
+                    </a:p>
+                  </a:txBody>
+                  <a:tcPr marL="39266" marR="39266" marT="19633" marB="19633" anchor="ctr"/>
+                </a:tc>
+                <a:tc>
+                  <a:txBody>
+                    <a:bodyPr/>
+                    <a:lstStyle/>
+                    <a:p>
+                      <a:pPr>
+                        <a:buNone/>
+                      </a:pPr>
+                      <a:r>
+                        <a:rPr lang="de-DE" sz="1600">
+                          <a:effectLst/>
+                        </a:rPr>
+                        <a:t>L1 (1575.42 MHz), L5 (1176.45 MHz)</a:t>
+                      </a:r>
+                    </a:p>
+                  </a:txBody>
+                  <a:tcPr marL="39266" marR="39266" marT="19633" marB="19633" anchor="ctr"/>
+                </a:tc>
+                <a:tc>
+                  <a:txBody>
+                    <a:bodyPr/>
+                    <a:lstStyle/>
+                    <a:p>
+                      <a:pPr>
+                        <a:buNone/>
+                      </a:pPr>
+                      <a:r>
+                        <a:rPr lang="en-US" sz="1600">
+                          <a:effectLst/>
+                        </a:rPr>
+                        <a:t>Global</a:t>
+                      </a:r>
+                    </a:p>
+                  </a:txBody>
+                  <a:tcPr marL="39266" marR="39266" marT="19633" marB="19633" anchor="ctr"/>
+                </a:tc>
+                <a:tc>
+                  <a:txBody>
+                    <a:bodyPr/>
+                    <a:lstStyle/>
+                    <a:p>
+                      <a:pPr>
+                        <a:buNone/>
+                      </a:pPr>
+                      <a:r>
+                        <a:rPr lang="en-US" sz="1600">
+                          <a:effectLst/>
+                        </a:rPr>
+                        <a:t>Fully operational</a:t>
+                      </a:r>
+                    </a:p>
+                  </a:txBody>
+                  <a:tcPr marL="39266" marR="39266" marT="19633" marB="19633" anchor="ctr"/>
+                </a:tc>
+                <a:extLst>
+                  <a:ext uri="{0D108BD9-81ED-4DB2-BD59-A6C34878D82A}">
+                    <a16:rowId xmlns:a16="http://schemas.microsoft.com/office/drawing/2014/main" val="2136776918"/>
+                  </a:ext>
+                </a:extLst>
+              </a:tr>
+              <a:tr h="536583">
+                <a:tc>
+                  <a:txBody>
+                    <a:bodyPr/>
+                    <a:lstStyle/>
+                    <a:p>
+                      <a:pPr>
+                        <a:buNone/>
+                      </a:pPr>
+                      <a:r>
+                        <a:rPr lang="en-US" sz="1600" b="1" dirty="0">
+                          <a:solidFill>
+                            <a:srgbClr val="FFC000"/>
+                          </a:solidFill>
+                          <a:effectLst/>
+                        </a:rPr>
+                        <a:t>GLONASS</a:t>
+                      </a:r>
+                      <a:endParaRPr lang="en-US" sz="1600" dirty="0">
+                        <a:solidFill>
+                          <a:srgbClr val="FFC000"/>
+                        </a:solidFill>
+                        <a:effectLst/>
+                      </a:endParaRPr>
+                    </a:p>
+                  </a:txBody>
+                  <a:tcPr marL="39266" marR="39266" marT="19633" marB="19633" anchor="ctr"/>
+                </a:tc>
+                <a:tc>
+                  <a:txBody>
+                    <a:bodyPr/>
+                    <a:lstStyle/>
+                    <a:p>
+                      <a:pPr>
+                        <a:buNone/>
+                      </a:pPr>
+                      <a:r>
+                        <a:rPr lang="en-US" sz="1600" dirty="0">
+                          <a:effectLst/>
+                        </a:rPr>
+                        <a:t>Russia</a:t>
+                      </a:r>
+                    </a:p>
+                  </a:txBody>
+                  <a:tcPr marL="39266" marR="39266" marT="19633" marB="19633" anchor="ctr"/>
+                </a:tc>
+                <a:tc>
+                  <a:txBody>
+                    <a:bodyPr/>
+                    <a:lstStyle/>
+                    <a:p>
+                      <a:pPr>
+                        <a:buNone/>
+                      </a:pPr>
+                      <a:r>
+                        <a:rPr lang="en-US" sz="1600" dirty="0">
+                          <a:effectLst/>
+                        </a:rPr>
+                        <a:t>24 operational</a:t>
+                      </a:r>
+                    </a:p>
+                  </a:txBody>
+                  <a:tcPr marL="39266" marR="39266" marT="19633" marB="19633" anchor="ctr"/>
+                </a:tc>
+                <a:tc>
+                  <a:txBody>
+                    <a:bodyPr/>
+                    <a:lstStyle/>
+                    <a:p>
+                      <a:pPr>
+                        <a:buNone/>
+                      </a:pPr>
+                      <a:r>
+                        <a:rPr lang="de-DE" sz="1600" dirty="0">
+                          <a:effectLst/>
+                        </a:rPr>
+                        <a:t>L1 (1602 MHz), L2 (1246 MHz)</a:t>
+                      </a:r>
+                    </a:p>
+                  </a:txBody>
+                  <a:tcPr marL="39266" marR="39266" marT="19633" marB="19633" anchor="ctr"/>
+                </a:tc>
+                <a:tc>
+                  <a:txBody>
+                    <a:bodyPr/>
+                    <a:lstStyle/>
+                    <a:p>
+                      <a:pPr>
+                        <a:buNone/>
+                      </a:pPr>
+                      <a:r>
+                        <a:rPr lang="en-US" sz="1600">
+                          <a:effectLst/>
+                        </a:rPr>
+                        <a:t>Global</a:t>
+                      </a:r>
+                    </a:p>
+                  </a:txBody>
+                  <a:tcPr marL="39266" marR="39266" marT="19633" marB="19633" anchor="ctr"/>
+                </a:tc>
+                <a:tc>
+                  <a:txBody>
+                    <a:bodyPr/>
+                    <a:lstStyle/>
+                    <a:p>
+                      <a:pPr>
+                        <a:buNone/>
+                      </a:pPr>
+                      <a:r>
+                        <a:rPr lang="en-US" sz="1600" dirty="0">
+                          <a:effectLst/>
+                        </a:rPr>
+                        <a:t>Fully operational</a:t>
+                      </a:r>
+                    </a:p>
+                  </a:txBody>
+                  <a:tcPr marL="39266" marR="39266" marT="19633" marB="19633" anchor="ctr"/>
+                </a:tc>
+                <a:extLst>
+                  <a:ext uri="{0D108BD9-81ED-4DB2-BD59-A6C34878D82A}">
+                    <a16:rowId xmlns:a16="http://schemas.microsoft.com/office/drawing/2014/main" val="287571667"/>
+                  </a:ext>
+                </a:extLst>
+              </a:tr>
+              <a:tr h="645700">
+                <a:tc>
+                  <a:txBody>
+                    <a:bodyPr/>
+                    <a:lstStyle/>
+                    <a:p>
+                      <a:pPr>
+                        <a:buNone/>
+                      </a:pPr>
+                      <a:r>
+                        <a:rPr lang="en-US" sz="1600" b="1" dirty="0">
+                          <a:solidFill>
+                            <a:srgbClr val="FFC000"/>
+                          </a:solidFill>
+                          <a:effectLst/>
+                        </a:rPr>
+                        <a:t>Galileo</a:t>
+                      </a:r>
+                      <a:endParaRPr lang="en-US" sz="1600" dirty="0">
+                        <a:solidFill>
+                          <a:srgbClr val="FFC000"/>
+                        </a:solidFill>
+                        <a:effectLst/>
+                      </a:endParaRPr>
+                    </a:p>
+                  </a:txBody>
+                  <a:tcPr marL="39266" marR="39266" marT="19633" marB="19633" anchor="ctr"/>
+                </a:tc>
+                <a:tc>
+                  <a:txBody>
+                    <a:bodyPr/>
+                    <a:lstStyle/>
+                    <a:p>
+                      <a:pPr>
+                        <a:buNone/>
+                      </a:pPr>
+                      <a:r>
+                        <a:rPr lang="en-US" sz="1600">
+                          <a:effectLst/>
+                        </a:rPr>
+                        <a:t>EU</a:t>
+                      </a:r>
+                    </a:p>
+                  </a:txBody>
+                  <a:tcPr marL="39266" marR="39266" marT="19633" marB="19633" anchor="ctr"/>
+                </a:tc>
+                <a:tc>
+                  <a:txBody>
+                    <a:bodyPr/>
+                    <a:lstStyle/>
+                    <a:p>
+                      <a:pPr>
+                        <a:buNone/>
+                      </a:pPr>
+                      <a:r>
+                        <a:rPr lang="en-US" sz="1600">
+                          <a:effectLst/>
+                        </a:rPr>
+                        <a:t>28 operational</a:t>
+                      </a:r>
+                    </a:p>
+                  </a:txBody>
+                  <a:tcPr marL="39266" marR="39266" marT="19633" marB="19633" anchor="ctr"/>
+                </a:tc>
+                <a:tc>
+                  <a:txBody>
+                    <a:bodyPr/>
+                    <a:lstStyle/>
+                    <a:p>
+                      <a:pPr>
+                        <a:buNone/>
+                      </a:pPr>
+                      <a:r>
+                        <a:rPr lang="en-US" sz="1600" dirty="0">
+                          <a:effectLst/>
+                        </a:rPr>
+                        <a:t>E1 (1575.42 MHz), E5a (1176.45 MHz)</a:t>
+                      </a:r>
+                    </a:p>
+                  </a:txBody>
+                  <a:tcPr marL="39266" marR="39266" marT="19633" marB="19633" anchor="ctr"/>
+                </a:tc>
+                <a:tc>
+                  <a:txBody>
+                    <a:bodyPr/>
+                    <a:lstStyle/>
+                    <a:p>
+                      <a:pPr>
+                        <a:buNone/>
+                      </a:pPr>
+                      <a:r>
+                        <a:rPr lang="en-US" sz="1600">
+                          <a:effectLst/>
+                        </a:rPr>
+                        <a:t>Global</a:t>
+                      </a:r>
+                    </a:p>
+                  </a:txBody>
+                  <a:tcPr marL="39266" marR="39266" marT="19633" marB="19633" anchor="ctr"/>
+                </a:tc>
+                <a:tc>
+                  <a:txBody>
+                    <a:bodyPr/>
+                    <a:lstStyle/>
+                    <a:p>
+                      <a:pPr>
+                        <a:buNone/>
+                      </a:pPr>
+                      <a:r>
+                        <a:rPr lang="en-US" sz="1600">
+                          <a:effectLst/>
+                        </a:rPr>
+                        <a:t>Fully operational</a:t>
+                      </a:r>
+                    </a:p>
+                  </a:txBody>
+                  <a:tcPr marL="39266" marR="39266" marT="19633" marB="19633" anchor="ctr"/>
+                </a:tc>
+                <a:extLst>
+                  <a:ext uri="{0D108BD9-81ED-4DB2-BD59-A6C34878D82A}">
+                    <a16:rowId xmlns:a16="http://schemas.microsoft.com/office/drawing/2014/main" val="2644537136"/>
+                  </a:ext>
+                </a:extLst>
+              </a:tr>
+              <a:tr h="645700">
+                <a:tc>
+                  <a:txBody>
+                    <a:bodyPr/>
+                    <a:lstStyle/>
+                    <a:p>
+                      <a:pPr>
+                        <a:buNone/>
+                      </a:pPr>
+                      <a:r>
+                        <a:rPr lang="en-US" sz="1600" b="1" dirty="0">
+                          <a:solidFill>
+                            <a:srgbClr val="FFC000"/>
+                          </a:solidFill>
+                          <a:effectLst/>
+                        </a:rPr>
+                        <a:t>BeiDou</a:t>
+                      </a:r>
+                      <a:endParaRPr lang="en-US" sz="1600" dirty="0">
+                        <a:solidFill>
+                          <a:srgbClr val="FFC000"/>
+                        </a:solidFill>
+                        <a:effectLst/>
+                      </a:endParaRPr>
+                    </a:p>
+                  </a:txBody>
+                  <a:tcPr marL="39266" marR="39266" marT="19633" marB="19633" anchor="ctr"/>
+                </a:tc>
+                <a:tc>
+                  <a:txBody>
+                    <a:bodyPr/>
+                    <a:lstStyle/>
+                    <a:p>
+                      <a:pPr>
+                        <a:buNone/>
+                      </a:pPr>
+                      <a:r>
+                        <a:rPr lang="en-US" sz="1600" dirty="0">
+                          <a:effectLst/>
+                        </a:rPr>
+                        <a:t>China</a:t>
+                      </a:r>
+                    </a:p>
+                  </a:txBody>
+                  <a:tcPr marL="39266" marR="39266" marT="19633" marB="19633" anchor="ctr"/>
+                </a:tc>
+                <a:tc>
+                  <a:txBody>
+                    <a:bodyPr/>
+                    <a:lstStyle/>
+                    <a:p>
+                      <a:pPr>
+                        <a:buNone/>
+                      </a:pPr>
+                      <a:r>
+                        <a:rPr lang="en-US" sz="1600" dirty="0">
+                          <a:effectLst/>
+                        </a:rPr>
+                        <a:t>49 operational</a:t>
+                      </a:r>
+                    </a:p>
+                  </a:txBody>
+                  <a:tcPr marL="39266" marR="39266" marT="19633" marB="19633" anchor="ctr"/>
+                </a:tc>
+                <a:tc>
+                  <a:txBody>
+                    <a:bodyPr/>
+                    <a:lstStyle/>
+                    <a:p>
+                      <a:pPr>
+                        <a:buNone/>
+                      </a:pPr>
+                      <a:r>
+                        <a:rPr lang="de-DE" sz="1600" dirty="0">
+                          <a:effectLst/>
+                        </a:rPr>
+                        <a:t>B1 (1561.098 MHz), B2 (1207.14 MHz)</a:t>
+                      </a:r>
+                    </a:p>
+                  </a:txBody>
+                  <a:tcPr marL="39266" marR="39266" marT="19633" marB="19633" anchor="ctr"/>
+                </a:tc>
+                <a:tc>
+                  <a:txBody>
+                    <a:bodyPr/>
+                    <a:lstStyle/>
+                    <a:p>
+                      <a:pPr>
+                        <a:buNone/>
+                      </a:pPr>
+                      <a:r>
+                        <a:rPr lang="en-US" sz="1600">
+                          <a:effectLst/>
+                        </a:rPr>
+                        <a:t>Global</a:t>
+                      </a:r>
+                    </a:p>
+                  </a:txBody>
+                  <a:tcPr marL="39266" marR="39266" marT="19633" marB="19633" anchor="ctr"/>
+                </a:tc>
+                <a:tc>
+                  <a:txBody>
+                    <a:bodyPr/>
+                    <a:lstStyle/>
+                    <a:p>
+                      <a:pPr>
+                        <a:buNone/>
+                      </a:pPr>
+                      <a:r>
+                        <a:rPr lang="en-US" sz="1600">
+                          <a:effectLst/>
+                        </a:rPr>
+                        <a:t>Fully operational</a:t>
+                      </a:r>
+                    </a:p>
+                  </a:txBody>
+                  <a:tcPr marL="39266" marR="39266" marT="19633" marB="19633" anchor="ctr"/>
+                </a:tc>
+                <a:extLst>
+                  <a:ext uri="{0D108BD9-81ED-4DB2-BD59-A6C34878D82A}">
+                    <a16:rowId xmlns:a16="http://schemas.microsoft.com/office/drawing/2014/main" val="1393541837"/>
+                  </a:ext>
+                </a:extLst>
+              </a:tr>
+              <a:tr h="288284">
+                <a:tc>
+                  <a:txBody>
+                    <a:bodyPr/>
+                    <a:lstStyle/>
+                    <a:p>
+                      <a:pPr>
+                        <a:buNone/>
+                      </a:pPr>
+                      <a:r>
+                        <a:rPr lang="en-US" sz="1600" b="1" dirty="0">
+                          <a:solidFill>
+                            <a:srgbClr val="FFC000"/>
+                          </a:solidFill>
+                          <a:effectLst/>
+                        </a:rPr>
+                        <a:t>QZSS</a:t>
+                      </a:r>
+                      <a:endParaRPr lang="en-US" sz="1600" dirty="0">
+                        <a:solidFill>
+                          <a:srgbClr val="FFC000"/>
+                        </a:solidFill>
+                        <a:effectLst/>
+                      </a:endParaRPr>
+                    </a:p>
+                  </a:txBody>
+                  <a:tcPr marL="39266" marR="39266" marT="19633" marB="19633" anchor="ctr"/>
+                </a:tc>
+                <a:tc>
+                  <a:txBody>
+                    <a:bodyPr/>
+                    <a:lstStyle/>
+                    <a:p>
+                      <a:pPr>
+                        <a:buNone/>
+                      </a:pPr>
+                      <a:r>
+                        <a:rPr lang="en-US" sz="1600">
+                          <a:effectLst/>
+                        </a:rPr>
+                        <a:t>Japan</a:t>
+                      </a:r>
+                    </a:p>
+                  </a:txBody>
+                  <a:tcPr marL="39266" marR="39266" marT="19633" marB="19633" anchor="ctr"/>
+                </a:tc>
+                <a:tc>
+                  <a:txBody>
+                    <a:bodyPr/>
+                    <a:lstStyle/>
+                    <a:p>
+                      <a:pPr>
+                        <a:buNone/>
+                      </a:pPr>
+                      <a:r>
+                        <a:rPr lang="en-US" sz="1600">
+                          <a:effectLst/>
+                        </a:rPr>
+                        <a:t>7 operational</a:t>
+                      </a:r>
+                    </a:p>
+                  </a:txBody>
+                  <a:tcPr marL="39266" marR="39266" marT="19633" marB="19633" anchor="ctr"/>
+                </a:tc>
+                <a:tc>
+                  <a:txBody>
+                    <a:bodyPr/>
+                    <a:lstStyle/>
+                    <a:p>
+                      <a:pPr>
+                        <a:buNone/>
+                      </a:pPr>
+                      <a:r>
+                        <a:rPr lang="en-US" sz="1600">
+                          <a:effectLst/>
+                        </a:rPr>
+                        <a:t>L1, L5, L6</a:t>
+                      </a:r>
+                    </a:p>
+                  </a:txBody>
+                  <a:tcPr marL="39266" marR="39266" marT="19633" marB="19633" anchor="ctr"/>
+                </a:tc>
+                <a:tc>
+                  <a:txBody>
+                    <a:bodyPr/>
+                    <a:lstStyle/>
+                    <a:p>
+                      <a:pPr>
+                        <a:buNone/>
+                      </a:pPr>
+                      <a:r>
+                        <a:rPr lang="en-US" sz="1600">
+                          <a:effectLst/>
+                        </a:rPr>
+                        <a:t>Asia-Pacific</a:t>
+                      </a:r>
+                    </a:p>
+                  </a:txBody>
+                  <a:tcPr marL="39266" marR="39266" marT="19633" marB="19633" anchor="ctr"/>
+                </a:tc>
+                <a:tc>
+                  <a:txBody>
+                    <a:bodyPr/>
+                    <a:lstStyle/>
+                    <a:p>
+                      <a:pPr>
+                        <a:buNone/>
+                      </a:pPr>
+                      <a:r>
+                        <a:rPr lang="en-US" sz="1600">
+                          <a:effectLst/>
+                        </a:rPr>
+                        <a:t>Regional</a:t>
+                      </a:r>
+                    </a:p>
+                  </a:txBody>
+                  <a:tcPr marL="39266" marR="39266" marT="19633" marB="19633" anchor="ctr"/>
+                </a:tc>
+                <a:extLst>
+                  <a:ext uri="{0D108BD9-81ED-4DB2-BD59-A6C34878D82A}">
+                    <a16:rowId xmlns:a16="http://schemas.microsoft.com/office/drawing/2014/main" val="582769862"/>
+                  </a:ext>
+                </a:extLst>
+              </a:tr>
+              <a:tr h="288284">
+                <a:tc>
+                  <a:txBody>
+                    <a:bodyPr/>
+                    <a:lstStyle/>
+                    <a:p>
+                      <a:pPr>
+                        <a:buNone/>
+                      </a:pPr>
+                      <a:r>
+                        <a:rPr lang="en-US" sz="1600" b="1" dirty="0" err="1">
+                          <a:solidFill>
+                            <a:srgbClr val="FFC000"/>
+                          </a:solidFill>
+                          <a:effectLst/>
+                        </a:rPr>
+                        <a:t>NavIC</a:t>
+                      </a:r>
+                      <a:endParaRPr lang="en-US" sz="1600" dirty="0">
+                        <a:solidFill>
+                          <a:srgbClr val="FFC000"/>
+                        </a:solidFill>
+                        <a:effectLst/>
+                      </a:endParaRPr>
+                    </a:p>
+                  </a:txBody>
+                  <a:tcPr marL="39266" marR="39266" marT="19633" marB="19633" anchor="ctr"/>
+                </a:tc>
+                <a:tc>
+                  <a:txBody>
+                    <a:bodyPr/>
+                    <a:lstStyle/>
+                    <a:p>
+                      <a:pPr>
+                        <a:buNone/>
+                      </a:pPr>
+                      <a:r>
+                        <a:rPr lang="en-US" sz="1600">
+                          <a:effectLst/>
+                        </a:rPr>
+                        <a:t>India</a:t>
+                      </a:r>
+                    </a:p>
+                  </a:txBody>
+                  <a:tcPr marL="39266" marR="39266" marT="19633" marB="19633" anchor="ctr"/>
+                </a:tc>
+                <a:tc>
+                  <a:txBody>
+                    <a:bodyPr/>
+                    <a:lstStyle/>
+                    <a:p>
+                      <a:pPr>
+                        <a:buNone/>
+                      </a:pPr>
+                      <a:r>
+                        <a:rPr lang="en-US" sz="1600">
+                          <a:effectLst/>
+                        </a:rPr>
+                        <a:t>7 operational</a:t>
+                      </a:r>
+                    </a:p>
+                  </a:txBody>
+                  <a:tcPr marL="39266" marR="39266" marT="19633" marB="19633" anchor="ctr"/>
+                </a:tc>
+                <a:tc>
+                  <a:txBody>
+                    <a:bodyPr/>
+                    <a:lstStyle/>
+                    <a:p>
+                      <a:pPr>
+                        <a:buNone/>
+                      </a:pPr>
+                      <a:r>
+                        <a:rPr lang="en-US" sz="1600">
+                          <a:effectLst/>
+                        </a:rPr>
+                        <a:t>L5, S-band</a:t>
+                      </a:r>
+                    </a:p>
+                  </a:txBody>
+                  <a:tcPr marL="39266" marR="39266" marT="19633" marB="19633" anchor="ctr"/>
+                </a:tc>
+                <a:tc>
+                  <a:txBody>
+                    <a:bodyPr/>
+                    <a:lstStyle/>
+                    <a:p>
+                      <a:pPr>
+                        <a:buNone/>
+                      </a:pPr>
+                      <a:r>
+                        <a:rPr lang="en-US" sz="1600">
+                          <a:effectLst/>
+                        </a:rPr>
+                        <a:t>India ±1500km</a:t>
+                      </a:r>
+                    </a:p>
+                  </a:txBody>
+                  <a:tcPr marL="39266" marR="39266" marT="19633" marB="19633" anchor="ctr"/>
+                </a:tc>
+                <a:tc>
+                  <a:txBody>
+                    <a:bodyPr/>
+                    <a:lstStyle/>
+                    <a:p>
+                      <a:pPr>
+                        <a:buNone/>
+                      </a:pPr>
+                      <a:r>
+                        <a:rPr lang="en-US" sz="1600" dirty="0">
+                          <a:effectLst/>
+                        </a:rPr>
+                        <a:t>Regional</a:t>
+                      </a:r>
+                    </a:p>
+                  </a:txBody>
+                  <a:tcPr marL="39266" marR="39266" marT="19633" marB="19633" anchor="ctr"/>
+                </a:tc>
+                <a:extLst>
+                  <a:ext uri="{0D108BD9-81ED-4DB2-BD59-A6C34878D82A}">
+                    <a16:rowId xmlns:a16="http://schemas.microsoft.com/office/drawing/2014/main" val="3361859233"/>
+                  </a:ext>
+                </a:extLst>
+              </a:tr>
+            </a:tbl>
+          </a:graphicData>
+        </a:graphic>
+      </p:graphicFrame>
+      <p:sp>
+        <p:nvSpPr>
+          <p:cNvPr id="8" name="Content Placeholder 2">
+            <a:extLst>
+              <a:ext uri="{FF2B5EF4-FFF2-40B4-BE49-F238E27FC236}">
+                <a16:creationId xmlns:a16="http://schemas.microsoft.com/office/drawing/2014/main" id="{0B648952-2CA8-1E3A-4767-33241716D04B}"/>
+              </a:ext>
+            </a:extLst>
+          </p:cNvPr>
+          <p:cNvSpPr>
+            <a:spLocks noGrp="1"/>
+          </p:cNvSpPr>
+          <p:nvPr>
+            <p:ph idx="1"/>
+          </p:nvPr>
+        </p:nvSpPr>
+        <p:spPr>
+          <a:xfrm>
+            <a:off x="543612" y="4893082"/>
+            <a:ext cx="11104775" cy="1585164"/>
+          </a:xfrm>
+        </p:spPr>
+        <p:txBody>
+          <a:bodyPr>
+            <a:normAutofit/>
+          </a:bodyPr>
+          <a:lstStyle/>
+          <a:p>
+            <a:pPr marL="0" indent="0">
+              <a:buNone/>
+            </a:pPr>
+            <a:r>
+              <a:rPr lang="en-IN" b="1" dirty="0"/>
+              <a:t>Benefits:</a:t>
+            </a:r>
+          </a:p>
+          <a:p>
+            <a:pPr lvl="1"/>
+            <a:r>
+              <a:rPr lang="en-IN" dirty="0"/>
+              <a:t>More visible satellites (12+ typically), Better geometry → lower DOP</a:t>
+            </a:r>
+          </a:p>
+          <a:p>
+            <a:pPr lvl="1"/>
+            <a:r>
+              <a:rPr lang="en-IN" dirty="0"/>
+              <a:t>Improved accuracy of at least 3-5 meters with Faster TTFF</a:t>
+            </a:r>
+          </a:p>
+          <a:p>
+            <a:pPr lvl="1"/>
+            <a:r>
+              <a:rPr lang="en-IN" dirty="0"/>
+              <a:t>Better urban canyon performance</a:t>
+            </a:r>
+          </a:p>
+        </p:txBody>
+      </p:sp>
+    </p:spTree>
+    <p:extLst>
+      <p:ext uri="{BB962C8B-B14F-4D97-AF65-F5344CB8AC3E}">
+        <p14:creationId xmlns:p14="http://schemas.microsoft.com/office/powerpoint/2010/main" val="3851830619"/>
+      </p:ext>
+    </p:extLst>
+  </p:cSld>
+  <p:clrMapOvr>
+    <a:masterClrMapping/>
+  </p:clrMapOvr>
+</p:sld>
+</file>
+
+<file path=ppt/slides/slide16.xml><?xml version="1.0" encoding="utf-8"?>
+<p:sld xmlns:a="http://schemas.openxmlformats.org/drawingml/2006/main" xmlns:r="http://schemas.openxmlformats.org/officeDocument/2006/relationships" xmlns:p="http://schemas.openxmlformats.org/presentationml/2006/main">
+  <p:cSld>
+    <p:spTree>
+      <p:nvGrpSpPr>
+        <p:cNvPr id="1" name="">
+          <a:extLst>
+            <a:ext uri="{FF2B5EF4-FFF2-40B4-BE49-F238E27FC236}">
+              <a16:creationId xmlns:a16="http://schemas.microsoft.com/office/drawing/2014/main" id="{40EB3E0A-6996-42D1-6FB8-1E39A00AEEEF}"/>
+            </a:ext>
+          </a:extLst>
+        </p:cNvPr>
+        <p:cNvGrpSpPr/>
+        <p:nvPr/>
+      </p:nvGrpSpPr>
+      <p:grpSpPr>
+        <a:xfrm>
+          <a:off x="0" y="0"/>
+          <a:ext cx="0" cy="0"/>
+          <a:chOff x="0" y="0"/>
+          <a:chExt cx="0" cy="0"/>
+        </a:xfrm>
+      </p:grpSpPr>
+      <p:sp>
+        <p:nvSpPr>
+          <p:cNvPr id="2" name="Title 1">
+            <a:extLst>
+              <a:ext uri="{FF2B5EF4-FFF2-40B4-BE49-F238E27FC236}">
+                <a16:creationId xmlns:a16="http://schemas.microsoft.com/office/drawing/2014/main" id="{F5F68A77-8ABB-54F9-200A-69D5908ED1BA}"/>
+              </a:ext>
+            </a:extLst>
+          </p:cNvPr>
+          <p:cNvSpPr>
+            <a:spLocks noGrp="1"/>
+          </p:cNvSpPr>
+          <p:nvPr>
+            <p:ph type="title"/>
+          </p:nvPr>
+        </p:nvSpPr>
+        <p:spPr>
+          <a:xfrm>
+            <a:off x="2231136" y="385840"/>
+            <a:ext cx="7729728" cy="732133"/>
+          </a:xfrm>
+        </p:spPr>
+        <p:txBody>
+          <a:bodyPr>
+            <a:normAutofit fontScale="90000"/>
+          </a:bodyPr>
+          <a:lstStyle/>
+          <a:p>
+            <a:r>
+              <a:rPr lang="en-US" dirty="0"/>
+              <a:t>SUPL Architecture: 2 Main components</a:t>
+            </a:r>
+          </a:p>
+        </p:txBody>
+      </p:sp>
+      <p:sp>
+        <p:nvSpPr>
+          <p:cNvPr id="5" name="Content Placeholder 2">
+            <a:extLst>
+              <a:ext uri="{FF2B5EF4-FFF2-40B4-BE49-F238E27FC236}">
+                <a16:creationId xmlns:a16="http://schemas.microsoft.com/office/drawing/2014/main" id="{C82C8D64-0AC5-59B3-E670-7508B7970490}"/>
+              </a:ext>
+            </a:extLst>
+          </p:cNvPr>
+          <p:cNvSpPr>
+            <a:spLocks noGrp="1"/>
+          </p:cNvSpPr>
+          <p:nvPr>
+            <p:ph idx="1"/>
+          </p:nvPr>
+        </p:nvSpPr>
+        <p:spPr>
+          <a:xfrm>
+            <a:off x="543612" y="1508288"/>
+            <a:ext cx="11104775" cy="4822469"/>
+          </a:xfrm>
+        </p:spPr>
+        <p:txBody>
+          <a:bodyPr>
+            <a:normAutofit lnSpcReduction="10000"/>
+          </a:bodyPr>
+          <a:lstStyle/>
+          <a:p>
+            <a:pPr marL="0" indent="0">
+              <a:buNone/>
+            </a:pPr>
+            <a:r>
+              <a:rPr lang="en-US" b="1" dirty="0"/>
+              <a:t>1. SET (SUPL Enabled Terminal)</a:t>
+            </a:r>
+            <a:endParaRPr lang="en-US" dirty="0"/>
+          </a:p>
+          <a:p>
+            <a:pPr lvl="1"/>
+            <a:r>
+              <a:rPr lang="en-US" dirty="0"/>
+              <a:t>Your mobile device</a:t>
+            </a:r>
+          </a:p>
+          <a:p>
+            <a:pPr lvl="1"/>
+            <a:r>
+              <a:rPr lang="en-US" dirty="0"/>
+              <a:t>Contains SUPL client software</a:t>
+            </a:r>
+          </a:p>
+          <a:p>
+            <a:pPr lvl="1"/>
+            <a:r>
+              <a:rPr lang="en-US" dirty="0"/>
+              <a:t>GPS/GNSS receiver</a:t>
+            </a:r>
+          </a:p>
+          <a:p>
+            <a:pPr lvl="1"/>
+            <a:r>
+              <a:rPr lang="en-US" dirty="0"/>
+              <a:t>IP connectivity</a:t>
+            </a:r>
+          </a:p>
+          <a:p>
+            <a:pPr marL="0" indent="0">
+              <a:buNone/>
+            </a:pPr>
+            <a:endParaRPr lang="en-US" b="1" dirty="0"/>
+          </a:p>
+          <a:p>
+            <a:pPr marL="0" indent="0">
+              <a:buNone/>
+            </a:pPr>
+            <a:r>
+              <a:rPr lang="en-US" b="1" dirty="0"/>
+              <a:t>2. SLP (SUPL Location Platform)</a:t>
+            </a:r>
+            <a:endParaRPr lang="en-US" dirty="0"/>
+          </a:p>
+          <a:p>
+            <a:pPr lvl="1"/>
+            <a:r>
+              <a:rPr lang="en-US" dirty="0"/>
+              <a:t>Network server (e.g., </a:t>
+            </a:r>
+            <a:r>
+              <a:rPr lang="en-US" dirty="0">
+                <a:hlinkClick r:id="rId2" tooltip="http://supl.google.com/"/>
+              </a:rPr>
+              <a:t>supl.google.com</a:t>
+            </a:r>
+            <a:r>
+              <a:rPr lang="en-US" dirty="0"/>
+              <a:t>)</a:t>
+            </a:r>
+          </a:p>
+          <a:p>
+            <a:pPr lvl="1"/>
+            <a:r>
+              <a:rPr lang="en-US" dirty="0"/>
+              <a:t>Provides assistance data</a:t>
+            </a:r>
+          </a:p>
+          <a:p>
+            <a:pPr lvl="1"/>
+            <a:r>
+              <a:rPr lang="en-US" dirty="0"/>
+              <a:t>Can calculate position (SET-Assisted mode)</a:t>
+            </a:r>
+          </a:p>
+          <a:p>
+            <a:pPr marL="228600" lvl="1" indent="0">
+              <a:buNone/>
+            </a:pPr>
+            <a:r>
+              <a:rPr lang="en-US" b="1" dirty="0"/>
+              <a:t>SLP consists of:</a:t>
+            </a:r>
+            <a:endParaRPr lang="en-US" dirty="0"/>
+          </a:p>
+          <a:p>
+            <a:pPr lvl="2"/>
+            <a:r>
+              <a:rPr lang="en-US" b="1" dirty="0"/>
+              <a:t>SLC</a:t>
+            </a:r>
+            <a:r>
+              <a:rPr lang="en-US" dirty="0"/>
+              <a:t> (SUPL Location Center): Session management</a:t>
+            </a:r>
+          </a:p>
+          <a:p>
+            <a:pPr lvl="2"/>
+            <a:r>
+              <a:rPr lang="en-US" b="1" dirty="0"/>
+              <a:t>SPC</a:t>
+            </a:r>
+            <a:r>
+              <a:rPr lang="en-US" dirty="0"/>
+              <a:t> (SUPL Positioning Center): Position calculation</a:t>
+            </a:r>
+          </a:p>
+        </p:txBody>
+      </p:sp>
+    </p:spTree>
+    <p:extLst>
+      <p:ext uri="{BB962C8B-B14F-4D97-AF65-F5344CB8AC3E}">
+        <p14:creationId xmlns:p14="http://schemas.microsoft.com/office/powerpoint/2010/main" val="2281177598"/>
+      </p:ext>
+    </p:extLst>
+  </p:cSld>
+  <p:clrMapOvr>
+    <a:masterClrMapping/>
+  </p:clrMapOvr>
+</p:sld>
+</file>
+
+<file path=ppt/slides/slide17.xml><?xml version="1.0" encoding="utf-8"?>
+<p:sld xmlns:a="http://schemas.openxmlformats.org/drawingml/2006/main" xmlns:r="http://schemas.openxmlformats.org/officeDocument/2006/relationships" xmlns:p="http://schemas.openxmlformats.org/presentationml/2006/main">
+  <p:cSld>
+    <p:spTree>
+      <p:nvGrpSpPr>
+        <p:cNvPr id="1" name=""/>
+        <p:cNvGrpSpPr/>
+        <p:nvPr/>
+      </p:nvGrpSpPr>
+      <p:grpSpPr>
+        <a:xfrm>
+          <a:off x="0" y="0"/>
+          <a:ext cx="0" cy="0"/>
+          <a:chOff x="0" y="0"/>
+          <a:chExt cx="0" cy="0"/>
+        </a:xfrm>
+      </p:grpSpPr>
+      <p:sp>
+        <p:nvSpPr>
+          <p:cNvPr id="2" name="Text Placeholder 1">
+            <a:extLst>
+              <a:ext uri="{FF2B5EF4-FFF2-40B4-BE49-F238E27FC236}">
+                <a16:creationId xmlns:a16="http://schemas.microsoft.com/office/drawing/2014/main" id="{3E5653FB-933D-3FEF-1C25-1E10AB1F6715}"/>
+              </a:ext>
+            </a:extLst>
+          </p:cNvPr>
+          <p:cNvSpPr>
+            <a:spLocks noGrp="1"/>
+          </p:cNvSpPr>
+          <p:nvPr>
+            <p:ph type="body" idx="1"/>
+          </p:nvPr>
+        </p:nvSpPr>
+        <p:spPr>
+          <a:xfrm>
+            <a:off x="659567" y="1609346"/>
+            <a:ext cx="5194117" cy="704087"/>
+          </a:xfrm>
+        </p:spPr>
+        <p:txBody>
+          <a:bodyPr/>
+          <a:lstStyle/>
+          <a:p>
+            <a:r>
+              <a:rPr lang="en-US" dirty="0"/>
+              <a:t>Network-Initiated (Proxy Mode)</a:t>
+            </a:r>
+          </a:p>
+        </p:txBody>
+      </p:sp>
+      <p:sp>
+        <p:nvSpPr>
+          <p:cNvPr id="3" name="Content Placeholder 2">
+            <a:extLst>
+              <a:ext uri="{FF2B5EF4-FFF2-40B4-BE49-F238E27FC236}">
+                <a16:creationId xmlns:a16="http://schemas.microsoft.com/office/drawing/2014/main" id="{F74E6265-3043-A47E-E115-6569818FAAB1}"/>
+              </a:ext>
+            </a:extLst>
+          </p:cNvPr>
+          <p:cNvSpPr>
+            <a:spLocks noGrp="1"/>
+          </p:cNvSpPr>
+          <p:nvPr>
+            <p:ph sz="half" idx="2"/>
+          </p:nvPr>
+        </p:nvSpPr>
+        <p:spPr>
+          <a:xfrm>
+            <a:off x="659567" y="2439162"/>
+            <a:ext cx="5194117" cy="3571893"/>
+          </a:xfrm>
+        </p:spPr>
+        <p:txBody>
+          <a:bodyPr/>
+          <a:lstStyle/>
+          <a:p>
+            <a:pPr marL="342900" indent="-342900">
+              <a:buAutoNum type="arabicPeriod"/>
+            </a:pPr>
+            <a:r>
+              <a:rPr lang="en-US" dirty="0"/>
+              <a:t>LCS Client → SLP: Location request (MLP) </a:t>
+            </a:r>
+          </a:p>
+          <a:p>
+            <a:pPr marL="342900" indent="-342900">
+              <a:buAutoNum type="arabicPeriod"/>
+            </a:pPr>
+            <a:r>
+              <a:rPr lang="en-US" dirty="0"/>
+              <a:t>SLP → SET: SUPL INIT (trigger) </a:t>
+            </a:r>
+          </a:p>
+          <a:p>
+            <a:pPr marL="342900" indent="-342900">
+              <a:buAutoNum type="arabicPeriod"/>
+            </a:pPr>
+            <a:r>
+              <a:rPr lang="en-US" dirty="0"/>
+              <a:t>SET → SLP: TLS connection established </a:t>
+            </a:r>
+          </a:p>
+          <a:p>
+            <a:pPr marL="342900" indent="-342900">
+              <a:buAutoNum type="arabicPeriod"/>
+            </a:pPr>
+            <a:r>
+              <a:rPr lang="en-US" dirty="0"/>
+              <a:t>SET → SLP: SUPL POS INIT (capabilities) </a:t>
+            </a:r>
+          </a:p>
+          <a:p>
+            <a:pPr marL="342900" indent="-342900">
+              <a:buAutoNum type="arabicPeriod"/>
+            </a:pPr>
+            <a:r>
+              <a:rPr lang="en-US" dirty="0"/>
+              <a:t>SLP → SET: SUPL POS (assistance data) </a:t>
+            </a:r>
+          </a:p>
+          <a:p>
+            <a:pPr marL="342900" indent="-342900">
+              <a:buAutoNum type="arabicPeriod"/>
+            </a:pPr>
+            <a:r>
+              <a:rPr lang="en-US" dirty="0"/>
+              <a:t>SET ↔ SLP: SUPL POS (positioning protocol) </a:t>
+            </a:r>
+          </a:p>
+          <a:p>
+            <a:pPr marL="342900" indent="-342900">
+              <a:buAutoNum type="arabicPeriod"/>
+            </a:pPr>
+            <a:r>
+              <a:rPr lang="en-US" dirty="0"/>
+              <a:t>SLP → SET: SUPL END (position result) </a:t>
+            </a:r>
+          </a:p>
+          <a:p>
+            <a:pPr marL="342900" indent="-342900">
+              <a:buAutoNum type="arabicPeriod"/>
+            </a:pPr>
+            <a:r>
+              <a:rPr lang="en-US" dirty="0"/>
+              <a:t>SLP → LCS Client: Location response</a:t>
+            </a:r>
+          </a:p>
+        </p:txBody>
+      </p:sp>
+      <p:sp>
+        <p:nvSpPr>
+          <p:cNvPr id="4" name="Content Placeholder 3">
+            <a:extLst>
+              <a:ext uri="{FF2B5EF4-FFF2-40B4-BE49-F238E27FC236}">
+                <a16:creationId xmlns:a16="http://schemas.microsoft.com/office/drawing/2014/main" id="{ECA1E26E-0E8E-EC48-62E6-4857BE931719}"/>
+              </a:ext>
+            </a:extLst>
+          </p:cNvPr>
+          <p:cNvSpPr>
+            <a:spLocks noGrp="1"/>
+          </p:cNvSpPr>
+          <p:nvPr>
+            <p:ph sz="quarter" idx="4"/>
+          </p:nvPr>
+        </p:nvSpPr>
+        <p:spPr>
+          <a:xfrm>
+            <a:off x="6338316" y="2439163"/>
+            <a:ext cx="5194116" cy="3571892"/>
+          </a:xfrm>
+        </p:spPr>
+        <p:txBody>
+          <a:bodyPr/>
+          <a:lstStyle/>
+          <a:p>
+            <a:pPr marL="342900" indent="-342900">
+              <a:buAutoNum type="arabicPeriod"/>
+            </a:pPr>
+            <a:r>
+              <a:rPr lang="en-US" dirty="0"/>
+              <a:t>App → SET: Request location </a:t>
+            </a:r>
+          </a:p>
+          <a:p>
+            <a:pPr marL="342900" indent="-342900">
+              <a:buAutoNum type="arabicPeriod"/>
+            </a:pPr>
+            <a:r>
+              <a:rPr lang="en-US" dirty="0"/>
+              <a:t>SET → SLP: SUPL START (request assistance) </a:t>
+            </a:r>
+          </a:p>
+          <a:p>
+            <a:pPr marL="342900" indent="-342900">
+              <a:buAutoNum type="arabicPeriod"/>
+            </a:pPr>
+            <a:r>
+              <a:rPr lang="en-US" dirty="0"/>
+              <a:t>SLP → SET: SUPL RESPONSE (acknowledge) </a:t>
+            </a:r>
+          </a:p>
+          <a:p>
+            <a:pPr marL="342900" indent="-342900">
+              <a:buAutoNum type="arabicPeriod"/>
+            </a:pPr>
+            <a:r>
+              <a:rPr lang="en-US" dirty="0"/>
+              <a:t>SET → SLP: SUPL POS INIT (request data) </a:t>
+            </a:r>
+          </a:p>
+          <a:p>
+            <a:pPr marL="342900" indent="-342900">
+              <a:buAutoNum type="arabicPeriod"/>
+            </a:pPr>
+            <a:r>
+              <a:rPr lang="en-US" dirty="0"/>
+              <a:t>SLP → SET: SUPL POS (assistance data) </a:t>
+            </a:r>
+          </a:p>
+          <a:p>
+            <a:pPr marL="342900" indent="-342900">
+              <a:buAutoNum type="arabicPeriod"/>
+            </a:pPr>
+            <a:r>
+              <a:rPr lang="en-US" dirty="0"/>
+              <a:t>SET: Calculate position locally </a:t>
+            </a:r>
+          </a:p>
+          <a:p>
+            <a:pPr marL="342900" indent="-342900">
+              <a:buAutoNum type="arabicPeriod"/>
+            </a:pPr>
+            <a:r>
+              <a:rPr lang="en-US" dirty="0"/>
+              <a:t>SET → SLP: SUPL END (session complete) </a:t>
+            </a:r>
+          </a:p>
+          <a:p>
+            <a:pPr marL="342900" indent="-342900">
+              <a:buAutoNum type="arabicPeriod"/>
+            </a:pPr>
+            <a:r>
+              <a:rPr lang="en-US" dirty="0"/>
+              <a:t>SET → App: Location delivered</a:t>
+            </a:r>
+          </a:p>
+        </p:txBody>
+      </p:sp>
+      <p:sp>
+        <p:nvSpPr>
+          <p:cNvPr id="5" name="Text Placeholder 4">
+            <a:extLst>
+              <a:ext uri="{FF2B5EF4-FFF2-40B4-BE49-F238E27FC236}">
+                <a16:creationId xmlns:a16="http://schemas.microsoft.com/office/drawing/2014/main" id="{1126D98A-3D86-9018-1FAB-BDA3716CF19E}"/>
+              </a:ext>
+            </a:extLst>
+          </p:cNvPr>
+          <p:cNvSpPr>
+            <a:spLocks noGrp="1"/>
+          </p:cNvSpPr>
+          <p:nvPr>
+            <p:ph type="body" sz="quarter" idx="13"/>
+          </p:nvPr>
+        </p:nvSpPr>
+        <p:spPr>
+          <a:xfrm>
+            <a:off x="6338316" y="1609346"/>
+            <a:ext cx="5194116" cy="704087"/>
+          </a:xfrm>
+        </p:spPr>
+        <p:txBody>
+          <a:bodyPr/>
+          <a:lstStyle/>
+          <a:p>
+            <a:r>
+              <a:rPr lang="en-US" dirty="0"/>
+              <a:t>SET-Initiated (Non-Proxy Mode)</a:t>
+            </a:r>
+          </a:p>
+        </p:txBody>
+      </p:sp>
+      <p:sp>
+        <p:nvSpPr>
+          <p:cNvPr id="6" name="Title 5">
+            <a:extLst>
+              <a:ext uri="{FF2B5EF4-FFF2-40B4-BE49-F238E27FC236}">
+                <a16:creationId xmlns:a16="http://schemas.microsoft.com/office/drawing/2014/main" id="{BB644305-B7BE-1D26-94E1-69C743D082FF}"/>
+              </a:ext>
+            </a:extLst>
+          </p:cNvPr>
+          <p:cNvSpPr>
+            <a:spLocks noGrp="1"/>
+          </p:cNvSpPr>
+          <p:nvPr>
+            <p:ph type="title"/>
+          </p:nvPr>
+        </p:nvSpPr>
+        <p:spPr>
+          <a:xfrm>
+            <a:off x="2231136" y="335105"/>
+            <a:ext cx="7729728" cy="782869"/>
+          </a:xfrm>
+        </p:spPr>
+        <p:txBody>
+          <a:bodyPr/>
+          <a:lstStyle/>
+          <a:p>
+            <a:r>
+              <a:rPr lang="en-US" dirty="0"/>
+              <a:t>SUPL Session Flow</a:t>
+            </a:r>
+          </a:p>
+        </p:txBody>
+      </p:sp>
+    </p:spTree>
+    <p:extLst>
+      <p:ext uri="{BB962C8B-B14F-4D97-AF65-F5344CB8AC3E}">
+        <p14:creationId xmlns:p14="http://schemas.microsoft.com/office/powerpoint/2010/main" val="4249709401"/>
+      </p:ext>
+    </p:extLst>
+  </p:cSld>
+  <p:clrMapOvr>
+    <a:masterClrMapping/>
+  </p:clrMapOvr>
+</p:sld>
+</file>
+
+<file path=ppt/slides/slide18.xml><?xml version="1.0" encoding="utf-8"?>
 <p:sld xmlns:a="http://schemas.openxmlformats.org/drawingml/2006/main" xmlns:r="http://schemas.openxmlformats.org/officeDocument/2006/relationships" xmlns:p="http://schemas.openxmlformats.org/presentationml/2006/main">
   <p:cSld>
     <p:spTree>
@@ -3635,7 +6795,7 @@
 </p:sld>
 </file>
 
-<file path=ppt/slides/slide12.xml><?xml version="1.0" encoding="utf-8"?>
+<file path=ppt/slides/slide19.xml><?xml version="1.0" encoding="utf-8"?>
 <p:sld xmlns:a="http://schemas.openxmlformats.org/drawingml/2006/main" xmlns:r="http://schemas.openxmlformats.org/officeDocument/2006/relationships" xmlns:p="http://schemas.openxmlformats.org/presentationml/2006/main">
   <p:cSld>
     <p:spTree>
@@ -3700,7 +6860,607 @@
 </p:sld>
 </file>
 
-<file path=ppt/slides/slide13.xml><?xml version="1.0" encoding="utf-8"?>
+<file path=ppt/slides/slide2.xml><?xml version="1.0" encoding="utf-8"?>
+<p:sld xmlns:a="http://schemas.openxmlformats.org/drawingml/2006/main" xmlns:r="http://schemas.openxmlformats.org/officeDocument/2006/relationships" xmlns:p="http://schemas.openxmlformats.org/presentationml/2006/main">
+  <p:cSld>
+    <p:spTree>
+      <p:nvGrpSpPr>
+        <p:cNvPr id="1" name=""/>
+        <p:cNvGrpSpPr/>
+        <p:nvPr/>
+      </p:nvGrpSpPr>
+      <p:grpSpPr>
+        <a:xfrm>
+          <a:off x="0" y="0"/>
+          <a:ext cx="0" cy="0"/>
+          <a:chOff x="0" y="0"/>
+          <a:chExt cx="0" cy="0"/>
+        </a:xfrm>
+      </p:grpSpPr>
+      <p:sp>
+        <p:nvSpPr>
+          <p:cNvPr id="2" name="Title 1">
+            <a:extLst>
+              <a:ext uri="{FF2B5EF4-FFF2-40B4-BE49-F238E27FC236}">
+                <a16:creationId xmlns:a16="http://schemas.microsoft.com/office/drawing/2014/main" id="{C8B7F3FD-51E8-4ABB-8E17-96732F882679}"/>
+              </a:ext>
+            </a:extLst>
+          </p:cNvPr>
+          <p:cNvSpPr>
+            <a:spLocks noGrp="1"/>
+          </p:cNvSpPr>
+          <p:nvPr>
+            <p:ph type="title"/>
+          </p:nvPr>
+        </p:nvSpPr>
+        <p:spPr>
+          <a:xfrm>
+            <a:off x="769620" y="543297"/>
+            <a:ext cx="4486656" cy="1141497"/>
+          </a:xfrm>
+        </p:spPr>
+        <p:txBody>
+          <a:bodyPr/>
+          <a:lstStyle/>
+          <a:p>
+            <a:r>
+              <a:rPr lang="en-IN" b="1" dirty="0"/>
+              <a:t>Agenda</a:t>
+            </a:r>
+            <a:endParaRPr lang="en-IN" dirty="0"/>
+          </a:p>
+        </p:txBody>
+      </p:sp>
+      <p:sp>
+        <p:nvSpPr>
+          <p:cNvPr id="3" name="Content Placeholder 2">
+            <a:extLst>
+              <a:ext uri="{FF2B5EF4-FFF2-40B4-BE49-F238E27FC236}">
+                <a16:creationId xmlns:a16="http://schemas.microsoft.com/office/drawing/2014/main" id="{89FDA90C-34B2-4445-BA11-32FB92808B99}"/>
+              </a:ext>
+            </a:extLst>
+          </p:cNvPr>
+          <p:cNvSpPr>
+            <a:spLocks noGrp="1"/>
+          </p:cNvSpPr>
+          <p:nvPr>
+            <p:ph idx="1"/>
+          </p:nvPr>
+        </p:nvSpPr>
+        <p:spPr/>
+        <p:txBody>
+          <a:bodyPr/>
+          <a:lstStyle/>
+          <a:p>
+            <a:r>
+              <a:rPr lang="en-IN" dirty="0"/>
+              <a:t>Introduction - The Location Challenge</a:t>
+            </a:r>
+          </a:p>
+          <a:p>
+            <a:r>
+              <a:rPr lang="en-IN" dirty="0"/>
+              <a:t>System Architecture Overview</a:t>
+            </a:r>
+          </a:p>
+          <a:p>
+            <a:r>
+              <a:rPr lang="en-IN" dirty="0"/>
+              <a:t>Android AOSP Stack</a:t>
+            </a:r>
+          </a:p>
+          <a:p>
+            <a:r>
+              <a:rPr lang="en-IN" dirty="0"/>
+              <a:t>Qualcomm Hardware Architecture</a:t>
+            </a:r>
+          </a:p>
+          <a:p>
+            <a:r>
+              <a:rPr lang="en-IN" dirty="0"/>
+              <a:t>SUPL Protocol Deep Dive</a:t>
+            </a:r>
+          </a:p>
+          <a:p>
+            <a:r>
+              <a:rPr lang="en-IN" dirty="0"/>
+              <a:t>Complete Location Request Flow</a:t>
+            </a:r>
+          </a:p>
+          <a:p>
+            <a:r>
+              <a:rPr lang="en-IN" dirty="0"/>
+              <a:t>Position Calculation &amp; Mathematics</a:t>
+            </a:r>
+          </a:p>
+          <a:p>
+            <a:r>
+              <a:rPr lang="en-IN" dirty="0"/>
+              <a:t>Performance &amp; Real-World Metrics</a:t>
+            </a:r>
+          </a:p>
+          <a:p>
+            <a:r>
+              <a:rPr lang="en-IN" dirty="0"/>
+              <a:t>Summary &amp; Key Takeaways</a:t>
+            </a:r>
+          </a:p>
+          <a:p>
+            <a:endParaRPr lang="en-IN" dirty="0"/>
+          </a:p>
+        </p:txBody>
+      </p:sp>
+      <p:sp>
+        <p:nvSpPr>
+          <p:cNvPr id="4" name="Text Placeholder 3">
+            <a:extLst>
+              <a:ext uri="{FF2B5EF4-FFF2-40B4-BE49-F238E27FC236}">
+                <a16:creationId xmlns:a16="http://schemas.microsoft.com/office/drawing/2014/main" id="{7E914FE1-D4AF-4A29-B918-DF4F66313224}"/>
+              </a:ext>
+            </a:extLst>
+          </p:cNvPr>
+          <p:cNvSpPr>
+            <a:spLocks noGrp="1"/>
+          </p:cNvSpPr>
+          <p:nvPr>
+            <p:ph type="body" sz="half" idx="2"/>
+          </p:nvPr>
+        </p:nvSpPr>
+        <p:spPr>
+          <a:xfrm>
+            <a:off x="1115568" y="2098190"/>
+            <a:ext cx="3794760" cy="956095"/>
+          </a:xfrm>
+        </p:spPr>
+        <p:txBody>
+          <a:bodyPr/>
+          <a:lstStyle/>
+          <a:p>
+            <a:r>
+              <a:rPr lang="en-GB" b="1" dirty="0"/>
+              <a:t>Complete Technical Deep Dive: How Position is Determined</a:t>
+            </a:r>
+          </a:p>
+          <a:p>
+            <a:endParaRPr lang="en-GB" b="1" dirty="0"/>
+          </a:p>
+          <a:p>
+            <a:endParaRPr lang="en-GB" b="1" dirty="0"/>
+          </a:p>
+          <a:p>
+            <a:endParaRPr lang="en-IN" dirty="0"/>
+          </a:p>
+        </p:txBody>
+      </p:sp>
+      <p:sp>
+        <p:nvSpPr>
+          <p:cNvPr id="5" name="Rectangle 4">
+            <a:extLst>
+              <a:ext uri="{FF2B5EF4-FFF2-40B4-BE49-F238E27FC236}">
+                <a16:creationId xmlns:a16="http://schemas.microsoft.com/office/drawing/2014/main" id="{88005806-CCF4-42C1-8766-FF43F201D7CD}"/>
+              </a:ext>
+            </a:extLst>
+          </p:cNvPr>
+          <p:cNvSpPr/>
+          <p:nvPr/>
+        </p:nvSpPr>
+        <p:spPr>
+          <a:xfrm>
+            <a:off x="640080" y="3054285"/>
+            <a:ext cx="5147978" cy="1477328"/>
+          </a:xfrm>
+          <a:prstGeom prst="rect">
+            <a:avLst/>
+          </a:prstGeom>
+        </p:spPr>
+        <p:txBody>
+          <a:bodyPr wrap="square">
+            <a:spAutoFit/>
+          </a:bodyPr>
+          <a:lstStyle/>
+          <a:p>
+            <a:r>
+              <a:rPr lang="en-IN" b="1" dirty="0">
+                <a:solidFill>
+                  <a:schemeClr val="tx1">
+                    <a:lumMod val="50000"/>
+                    <a:lumOff val="50000"/>
+                  </a:schemeClr>
+                </a:solidFill>
+                <a:latin typeface="-apple-system"/>
+              </a:rPr>
+              <a:t>Topics Covered:</a:t>
+            </a:r>
+          </a:p>
+          <a:p>
+            <a:pPr>
+              <a:buFont typeface="Arial" panose="020B0604020202020204" pitchFamily="34" charset="0"/>
+              <a:buChar char="•"/>
+            </a:pPr>
+            <a:r>
+              <a:rPr lang="en-IN" dirty="0">
+                <a:solidFill>
+                  <a:schemeClr val="tx1">
+                    <a:lumMod val="50000"/>
+                    <a:lumOff val="50000"/>
+                  </a:schemeClr>
+                </a:solidFill>
+                <a:latin typeface="-apple-system"/>
+              </a:rPr>
+              <a:t>Android AOSP Location Framework</a:t>
+            </a:r>
+          </a:p>
+          <a:p>
+            <a:pPr>
+              <a:buFont typeface="Arial" panose="020B0604020202020204" pitchFamily="34" charset="0"/>
+              <a:buChar char="•"/>
+            </a:pPr>
+            <a:r>
+              <a:rPr lang="en-IN" dirty="0">
+                <a:solidFill>
+                  <a:schemeClr val="tx1">
+                    <a:lumMod val="50000"/>
+                    <a:lumOff val="50000"/>
+                  </a:schemeClr>
+                </a:solidFill>
+              </a:rPr>
+              <a:t>Qualcomm</a:t>
+            </a:r>
+            <a:r>
+              <a:rPr lang="en-IN" dirty="0">
+                <a:solidFill>
+                  <a:schemeClr val="tx1">
+                    <a:lumMod val="50000"/>
+                    <a:lumOff val="50000"/>
+                  </a:schemeClr>
+                </a:solidFill>
+                <a:latin typeface="-apple-system"/>
+              </a:rPr>
+              <a:t> Modem &amp; GNSS Integration</a:t>
+            </a:r>
+          </a:p>
+          <a:p>
+            <a:pPr>
+              <a:buFont typeface="Arial" panose="020B0604020202020204" pitchFamily="34" charset="0"/>
+              <a:buChar char="•"/>
+            </a:pPr>
+            <a:r>
+              <a:rPr lang="en-IN" dirty="0">
+                <a:solidFill>
+                  <a:schemeClr val="tx1">
+                    <a:lumMod val="50000"/>
+                    <a:lumOff val="50000"/>
+                  </a:schemeClr>
+                </a:solidFill>
+                <a:latin typeface="-apple-system"/>
+              </a:rPr>
+              <a:t>SUPL (Secure User Plane Location)</a:t>
+            </a:r>
+          </a:p>
+          <a:p>
+            <a:pPr>
+              <a:buFont typeface="Arial" panose="020B0604020202020204" pitchFamily="34" charset="0"/>
+              <a:buChar char="•"/>
+            </a:pPr>
+            <a:r>
+              <a:rPr lang="en-IN" dirty="0">
+                <a:solidFill>
+                  <a:schemeClr val="tx1">
+                    <a:lumMod val="50000"/>
+                    <a:lumOff val="50000"/>
+                  </a:schemeClr>
+                </a:solidFill>
+                <a:latin typeface="-apple-system"/>
+              </a:rPr>
+              <a:t>Complete Flow: Application → Satellite → Position</a:t>
+            </a:r>
+            <a:endParaRPr lang="en-IN" b="0" i="0" dirty="0">
+              <a:solidFill>
+                <a:schemeClr val="tx1">
+                  <a:lumMod val="50000"/>
+                  <a:lumOff val="50000"/>
+                </a:schemeClr>
+              </a:solidFill>
+              <a:effectLst/>
+              <a:latin typeface="-apple-system"/>
+            </a:endParaRPr>
+          </a:p>
+        </p:txBody>
+      </p:sp>
+    </p:spTree>
+    <p:extLst>
+      <p:ext uri="{BB962C8B-B14F-4D97-AF65-F5344CB8AC3E}">
+        <p14:creationId xmlns:p14="http://schemas.microsoft.com/office/powerpoint/2010/main" val="1377158839"/>
+      </p:ext>
+    </p:extLst>
+  </p:cSld>
+  <p:clrMapOvr>
+    <a:masterClrMapping/>
+  </p:clrMapOvr>
+</p:sld>
+</file>
+
+<file path=ppt/slides/slide20.xml><?xml version="1.0" encoding="utf-8"?>
+<p:sld xmlns:a="http://schemas.openxmlformats.org/drawingml/2006/main" xmlns:r="http://schemas.openxmlformats.org/officeDocument/2006/relationships" xmlns:p="http://schemas.openxmlformats.org/presentationml/2006/main">
+  <p:cSld>
+    <p:spTree>
+      <p:nvGrpSpPr>
+        <p:cNvPr id="1" name="">
+          <a:extLst>
+            <a:ext uri="{FF2B5EF4-FFF2-40B4-BE49-F238E27FC236}">
+              <a16:creationId xmlns:a16="http://schemas.microsoft.com/office/drawing/2014/main" id="{F39C290B-E824-83BF-B931-DC3ACB49BD1B}"/>
+            </a:ext>
+          </a:extLst>
+        </p:cNvPr>
+        <p:cNvGrpSpPr/>
+        <p:nvPr/>
+      </p:nvGrpSpPr>
+      <p:grpSpPr>
+        <a:xfrm>
+          <a:off x="0" y="0"/>
+          <a:ext cx="0" cy="0"/>
+          <a:chOff x="0" y="0"/>
+          <a:chExt cx="0" cy="0"/>
+        </a:xfrm>
+      </p:grpSpPr>
+      <p:sp>
+        <p:nvSpPr>
+          <p:cNvPr id="2" name="Text Placeholder 1">
+            <a:extLst>
+              <a:ext uri="{FF2B5EF4-FFF2-40B4-BE49-F238E27FC236}">
+                <a16:creationId xmlns:a16="http://schemas.microsoft.com/office/drawing/2014/main" id="{3B1F5E30-5D8C-E4C6-687E-35A6914280F3}"/>
+              </a:ext>
+            </a:extLst>
+          </p:cNvPr>
+          <p:cNvSpPr>
+            <a:spLocks noGrp="1"/>
+          </p:cNvSpPr>
+          <p:nvPr>
+            <p:ph type="body" idx="1"/>
+          </p:nvPr>
+        </p:nvSpPr>
+        <p:spPr>
+          <a:xfrm>
+            <a:off x="179883" y="1609346"/>
+            <a:ext cx="5673802" cy="1403677"/>
+          </a:xfrm>
+        </p:spPr>
+        <p:txBody>
+          <a:bodyPr>
+            <a:normAutofit/>
+          </a:bodyPr>
+          <a:lstStyle/>
+          <a:p>
+            <a:r>
+              <a:rPr lang="en-US" sz="1800" dirty="0"/>
+              <a:t>SET-Based (MS-Based)</a:t>
+            </a:r>
+          </a:p>
+          <a:p>
+            <a:r>
+              <a:rPr lang="en-US" sz="1800" b="1" i="1" dirty="0"/>
+              <a:t>"Device measures </a:t>
+            </a:r>
+          </a:p>
+          <a:p>
+            <a:r>
+              <a:rPr lang="en-US" sz="1800" b="1" i="1" dirty="0"/>
+              <a:t>and calculates"</a:t>
+            </a:r>
+            <a:endParaRPr lang="en-US" sz="1800" i="1" dirty="0"/>
+          </a:p>
+        </p:txBody>
+      </p:sp>
+      <p:sp>
+        <p:nvSpPr>
+          <p:cNvPr id="3" name="Content Placeholder 2">
+            <a:extLst>
+              <a:ext uri="{FF2B5EF4-FFF2-40B4-BE49-F238E27FC236}">
+                <a16:creationId xmlns:a16="http://schemas.microsoft.com/office/drawing/2014/main" id="{1D624AE4-9A9C-D3DF-60F3-99329AEE281E}"/>
+              </a:ext>
+            </a:extLst>
+          </p:cNvPr>
+          <p:cNvSpPr>
+            <a:spLocks noGrp="1"/>
+          </p:cNvSpPr>
+          <p:nvPr>
+            <p:ph sz="half" idx="2"/>
+          </p:nvPr>
+        </p:nvSpPr>
+        <p:spPr>
+          <a:xfrm>
+            <a:off x="1116790" y="3269502"/>
+            <a:ext cx="4736893" cy="2891456"/>
+          </a:xfrm>
+        </p:spPr>
+        <p:txBody>
+          <a:bodyPr/>
+          <a:lstStyle/>
+          <a:p>
+            <a:r>
+              <a:rPr lang="en-US" dirty="0"/>
+              <a:t>SLP provides assistance data</a:t>
+            </a:r>
+          </a:p>
+          <a:p>
+            <a:r>
+              <a:rPr lang="en-US" dirty="0"/>
+              <a:t>SET acquires satellites</a:t>
+            </a:r>
+          </a:p>
+          <a:p>
+            <a:r>
+              <a:rPr lang="en-US" dirty="0"/>
+              <a:t>SET calculates position locally</a:t>
+            </a:r>
+          </a:p>
+          <a:p>
+            <a:r>
+              <a:rPr lang="en-US" dirty="0"/>
+              <a:t>Better privacy, works offline after assistance</a:t>
+            </a:r>
+          </a:p>
+          <a:p>
+            <a:r>
+              <a:rPr lang="en-US" b="1" dirty="0"/>
+              <a:t>Preferred by Android devices</a:t>
+            </a:r>
+            <a:endParaRPr lang="en-US" dirty="0"/>
+          </a:p>
+        </p:txBody>
+      </p:sp>
+      <p:sp>
+        <p:nvSpPr>
+          <p:cNvPr id="4" name="Content Placeholder 3">
+            <a:extLst>
+              <a:ext uri="{FF2B5EF4-FFF2-40B4-BE49-F238E27FC236}">
+                <a16:creationId xmlns:a16="http://schemas.microsoft.com/office/drawing/2014/main" id="{B2D07AE1-7120-59E2-1171-66273F4937FE}"/>
+              </a:ext>
+            </a:extLst>
+          </p:cNvPr>
+          <p:cNvSpPr>
+            <a:spLocks noGrp="1"/>
+          </p:cNvSpPr>
+          <p:nvPr>
+            <p:ph sz="quarter" idx="4"/>
+          </p:nvPr>
+        </p:nvSpPr>
+        <p:spPr>
+          <a:xfrm>
+            <a:off x="6806769" y="3269502"/>
+            <a:ext cx="4736892" cy="2891456"/>
+          </a:xfrm>
+        </p:spPr>
+        <p:txBody>
+          <a:bodyPr/>
+          <a:lstStyle/>
+          <a:p>
+            <a:r>
+              <a:rPr lang="en-US" dirty="0"/>
+              <a:t>SLP provides assistance data</a:t>
+            </a:r>
+          </a:p>
+          <a:p>
+            <a:r>
+              <a:rPr lang="en-US" dirty="0"/>
+              <a:t>SET makes GPS measurements</a:t>
+            </a:r>
+          </a:p>
+          <a:p>
+            <a:r>
+              <a:rPr lang="en-US" dirty="0"/>
+              <a:t>SET sends measurements to SLP</a:t>
+            </a:r>
+          </a:p>
+          <a:p>
+            <a:r>
+              <a:rPr lang="en-US" dirty="0"/>
+              <a:t>SLP calculates and returns position</a:t>
+            </a:r>
+          </a:p>
+          <a:p>
+            <a:r>
+              <a:rPr lang="en-US" dirty="0"/>
+              <a:t>Better accuracy, lower device power</a:t>
+            </a:r>
+          </a:p>
+        </p:txBody>
+      </p:sp>
+      <p:sp>
+        <p:nvSpPr>
+          <p:cNvPr id="5" name="Text Placeholder 4">
+            <a:extLst>
+              <a:ext uri="{FF2B5EF4-FFF2-40B4-BE49-F238E27FC236}">
+                <a16:creationId xmlns:a16="http://schemas.microsoft.com/office/drawing/2014/main" id="{87514B99-8B4D-FB2A-8C71-BA8C3AEC721A}"/>
+              </a:ext>
+            </a:extLst>
+          </p:cNvPr>
+          <p:cNvSpPr>
+            <a:spLocks noGrp="1"/>
+          </p:cNvSpPr>
+          <p:nvPr>
+            <p:ph type="body" sz="quarter" idx="13"/>
+          </p:nvPr>
+        </p:nvSpPr>
+        <p:spPr>
+          <a:xfrm>
+            <a:off x="6338315" y="1609346"/>
+            <a:ext cx="5673801" cy="1403677"/>
+          </a:xfrm>
+        </p:spPr>
+        <p:txBody>
+          <a:bodyPr>
+            <a:normAutofit/>
+          </a:bodyPr>
+          <a:lstStyle/>
+          <a:p>
+            <a:r>
+              <a:rPr lang="en-US" sz="1800" dirty="0"/>
+              <a:t>SET-Assisted (MS-Assisted)</a:t>
+            </a:r>
+          </a:p>
+          <a:p>
+            <a:r>
+              <a:rPr lang="en-US" sz="1800" b="1" i="1" dirty="0"/>
+              <a:t>"Device measures, </a:t>
+            </a:r>
+          </a:p>
+          <a:p>
+            <a:r>
+              <a:rPr lang="en-US" sz="1800" b="1" i="1" dirty="0"/>
+              <a:t>network calculates"</a:t>
+            </a:r>
+            <a:endParaRPr lang="en-US" sz="1800" i="1" dirty="0"/>
+          </a:p>
+        </p:txBody>
+      </p:sp>
+      <p:sp>
+        <p:nvSpPr>
+          <p:cNvPr id="6" name="Title 5">
+            <a:extLst>
+              <a:ext uri="{FF2B5EF4-FFF2-40B4-BE49-F238E27FC236}">
+                <a16:creationId xmlns:a16="http://schemas.microsoft.com/office/drawing/2014/main" id="{A49F15AC-6B6F-5F6D-FC57-E683FFC270DF}"/>
+              </a:ext>
+            </a:extLst>
+          </p:cNvPr>
+          <p:cNvSpPr>
+            <a:spLocks noGrp="1"/>
+          </p:cNvSpPr>
+          <p:nvPr>
+            <p:ph type="title"/>
+          </p:nvPr>
+        </p:nvSpPr>
+        <p:spPr>
+          <a:xfrm>
+            <a:off x="2231136" y="335105"/>
+            <a:ext cx="7729728" cy="782869"/>
+          </a:xfrm>
+        </p:spPr>
+        <p:txBody>
+          <a:bodyPr/>
+          <a:lstStyle/>
+          <a:p>
+            <a:r>
+              <a:rPr lang="en-US" dirty="0"/>
+              <a:t>Position Calculation Methods</a:t>
+            </a:r>
+          </a:p>
+        </p:txBody>
+      </p:sp>
+    </p:spTree>
+    <p:extLst>
+      <p:ext uri="{BB962C8B-B14F-4D97-AF65-F5344CB8AC3E}">
+        <p14:creationId xmlns:p14="http://schemas.microsoft.com/office/powerpoint/2010/main" val="1727944528"/>
+      </p:ext>
+    </p:extLst>
+  </p:cSld>
+  <p:clrMapOvr>
+    <a:masterClrMapping/>
+  </p:clrMapOvr>
+</p:sld>
+</file>
+
+<file path=ppt/slides/slide21.xml><?xml version="1.0" encoding="utf-8"?>
 <p:sld xmlns:a="http://schemas.openxmlformats.org/drawingml/2006/main" xmlns:r="http://schemas.openxmlformats.org/officeDocument/2006/relationships" xmlns:p="http://schemas.openxmlformats.org/presentationml/2006/main">
   <p:cSld>
     <p:spTree>
@@ -3765,7 +7525,7 @@
 </p:sld>
 </file>
 
-<file path=ppt/slides/slide14.xml><?xml version="1.0" encoding="utf-8"?>
+<file path=ppt/slides/slide22.xml><?xml version="1.0" encoding="utf-8"?>
 <p:sld xmlns:a="http://schemas.openxmlformats.org/drawingml/2006/main" xmlns:r="http://schemas.openxmlformats.org/officeDocument/2006/relationships" xmlns:p="http://schemas.openxmlformats.org/presentationml/2006/main">
   <p:cSld>
     <p:spTree>
@@ -3830,7 +7590,7 @@
 </p:sld>
 </file>
 
-<file path=ppt/slides/slide15.xml><?xml version="1.0" encoding="utf-8"?>
+<file path=ppt/slides/slide23.xml><?xml version="1.0" encoding="utf-8"?>
 <p:sld xmlns:a="http://schemas.openxmlformats.org/drawingml/2006/main" xmlns:r="http://schemas.openxmlformats.org/officeDocument/2006/relationships" xmlns:p="http://schemas.openxmlformats.org/presentationml/2006/main">
   <p:cSld>
     <p:spTree>
@@ -3895,7 +7655,7 @@
 </p:sld>
 </file>
 
-<file path=ppt/slides/slide16.xml><?xml version="1.0" encoding="utf-8"?>
+<file path=ppt/slides/slide24.xml><?xml version="1.0" encoding="utf-8"?>
 <p:sld xmlns:a="http://schemas.openxmlformats.org/drawingml/2006/main" xmlns:r="http://schemas.openxmlformats.org/officeDocument/2006/relationships" xmlns:p="http://schemas.openxmlformats.org/presentationml/2006/main">
   <p:cSld>
     <p:spTree>
@@ -3960,12 +7720,18 @@
 </p:sld>
 </file>
 
-<file path=ppt/slides/slide2.xml><?xml version="1.0" encoding="utf-8"?>
+<file path=ppt/slides/slide25.xml><?xml version="1.0" encoding="utf-8"?>
 <p:sld xmlns:a="http://schemas.openxmlformats.org/drawingml/2006/main" xmlns:r="http://schemas.openxmlformats.org/officeDocument/2006/relationships" xmlns:p="http://schemas.openxmlformats.org/presentationml/2006/main">
   <p:cSld>
     <p:spTree>
       <p:nvGrpSpPr>
-        <p:cNvPr id="1" name=""/>
+        <p:cNvPr id="1" name="">
+          <a:extLst>
+            <a:ext uri="{FF2B5EF4-FFF2-40B4-BE49-F238E27FC236}">
+              <a16:creationId xmlns:a16="http://schemas.microsoft.com/office/drawing/2014/main" id="{E85066B1-DC92-A48C-C1B6-E233EC027E06}"/>
+            </a:ext>
+          </a:extLst>
+        </p:cNvPr>
         <p:cNvGrpSpPr/>
         <p:nvPr/>
       </p:nvGrpSpPr>
@@ -3982,7 +7748,7 @@
           <p:cNvPr id="2" name="Title 1">
             <a:extLst>
               <a:ext uri="{FF2B5EF4-FFF2-40B4-BE49-F238E27FC236}">
-                <a16:creationId xmlns:a16="http://schemas.microsoft.com/office/drawing/2014/main" id="{C8B7F3FD-51E8-4ABB-8E17-96732F882679}"/>
+                <a16:creationId xmlns:a16="http://schemas.microsoft.com/office/drawing/2014/main" id="{016A413D-C5AC-3519-0A73-301027A0B88E}"/>
               </a:ext>
             </a:extLst>
           </p:cNvPr>
@@ -3995,19 +7761,20 @@
         </p:nvSpPr>
         <p:spPr>
           <a:xfrm>
-            <a:off x="769620" y="543297"/>
-            <a:ext cx="4486656" cy="1141497"/>
+            <a:off x="2231136" y="385840"/>
+            <a:ext cx="7729728" cy="732133"/>
           </a:xfrm>
         </p:spPr>
         <p:txBody>
-          <a:bodyPr/>
+          <a:bodyPr>
+            <a:normAutofit fontScale="90000"/>
+          </a:bodyPr>
           <a:lstStyle/>
           <a:p>
             <a:r>
-              <a:rPr lang="en-IN" b="1" dirty="0"/>
-              <a:t>Agenda</a:t>
-            </a:r>
-            <a:endParaRPr lang="en-IN" dirty="0"/>
+              <a:rPr lang="en-US" dirty="0"/>
+              <a:t>The Impact of SUPL</a:t>
+            </a:r>
           </a:p>
         </p:txBody>
       </p:sp>
@@ -4016,7 +7783,7 @@
           <p:cNvPr id="3" name="Content Placeholder 2">
             <a:extLst>
               <a:ext uri="{FF2B5EF4-FFF2-40B4-BE49-F238E27FC236}">
-                <a16:creationId xmlns:a16="http://schemas.microsoft.com/office/drawing/2014/main" id="{89FDA90C-34B2-4445-BA11-32FB92808B99}"/>
+                <a16:creationId xmlns:a16="http://schemas.microsoft.com/office/drawing/2014/main" id="{800950D7-2C1F-3259-F252-3421B854A9F3}"/>
               </a:ext>
             </a:extLst>
           </p:cNvPr>
@@ -4027,75 +7794,184 @@
             <p:ph idx="1"/>
           </p:nvPr>
         </p:nvSpPr>
-        <p:spPr/>
+        <p:spPr>
+          <a:xfrm>
+            <a:off x="543612" y="1508288"/>
+            <a:ext cx="11104775" cy="4822469"/>
+          </a:xfrm>
+        </p:spPr>
         <p:txBody>
           <a:bodyPr/>
           <a:lstStyle/>
           <a:p>
-            <a:r>
-              <a:rPr lang="en-IN" dirty="0"/>
-              <a:t>Introduction - The Location Challenge</a:t>
-            </a:r>
-          </a:p>
-          <a:p>
-            <a:r>
-              <a:rPr lang="en-IN" dirty="0"/>
-              <a:t>System Architecture Overview</a:t>
-            </a:r>
-          </a:p>
-          <a:p>
-            <a:r>
-              <a:rPr lang="en-IN" dirty="0"/>
-              <a:t>Android AOSP Stack</a:t>
-            </a:r>
-          </a:p>
-          <a:p>
-            <a:r>
-              <a:rPr lang="en-IN" dirty="0"/>
-              <a:t>Qualcomm Hardware Architecture</a:t>
-            </a:r>
-          </a:p>
-          <a:p>
-            <a:r>
-              <a:rPr lang="en-IN" dirty="0"/>
-              <a:t>SUPL Protocol Deep Dive</a:t>
-            </a:r>
-          </a:p>
-          <a:p>
-            <a:r>
-              <a:rPr lang="en-IN" dirty="0"/>
-              <a:t>Complete Location Request Flow</a:t>
-            </a:r>
-          </a:p>
-          <a:p>
-            <a:r>
-              <a:rPr lang="en-IN" dirty="0"/>
-              <a:t>Position Calculation &amp; Mathematics</a:t>
-            </a:r>
-          </a:p>
-          <a:p>
-            <a:r>
-              <a:rPr lang="en-IN" dirty="0"/>
-              <a:t>Performance &amp; Real-World Metrics</a:t>
-            </a:r>
-          </a:p>
-          <a:p>
-            <a:r>
-              <a:rPr lang="en-IN" dirty="0"/>
-              <a:t>Summary &amp; Key Takeaways</a:t>
-            </a:r>
-          </a:p>
-          <a:p>
-            <a:endParaRPr lang="en-IN" dirty="0"/>
-          </a:p>
-        </p:txBody>
-      </p:sp>
-      <p:sp>
-        <p:nvSpPr>
-          <p:cNvPr id="4" name="Text Placeholder 3">
+            <a:pPr marL="0" indent="0">
+              <a:buNone/>
+            </a:pPr>
+            <a:r>
+              <a:rPr lang="en-US" dirty="0"/>
+              <a:t>The impact of SUPL on GPS performance is dramatic:</a:t>
+            </a:r>
+          </a:p>
+          <a:p>
+            <a:pPr marL="0" indent="0">
+              <a:buNone/>
+            </a:pPr>
+            <a:endParaRPr lang="en-US" dirty="0"/>
+          </a:p>
+          <a:p>
+            <a:r>
+              <a:rPr lang="en-US" b="1" dirty="0">
+                <a:solidFill>
+                  <a:srgbClr val="FFC000"/>
+                </a:solidFill>
+              </a:rPr>
+              <a:t>Time To First Fix:</a:t>
+            </a:r>
+            <a:r>
+              <a:rPr lang="en-US" dirty="0">
+                <a:solidFill>
+                  <a:srgbClr val="FFC000"/>
+                </a:solidFill>
+              </a:rPr>
+              <a:t> </a:t>
+            </a:r>
+            <a:r>
+              <a:rPr lang="en-US" dirty="0"/>
+              <a:t>Reduced from 30-60 seconds (cold start) to 5-10 seconds with SUPL assistance—a 6-10× improvement.</a:t>
+            </a:r>
+          </a:p>
+          <a:p>
+            <a:r>
+              <a:rPr lang="en-US" b="1" dirty="0">
+                <a:solidFill>
+                  <a:srgbClr val="FFC000"/>
+                </a:solidFill>
+              </a:rPr>
+              <a:t>Accuracy:</a:t>
+            </a:r>
+            <a:r>
+              <a:rPr lang="en-US" dirty="0">
+                <a:solidFill>
+                  <a:srgbClr val="FFC000"/>
+                </a:solidFill>
+              </a:rPr>
+              <a:t> </a:t>
+            </a:r>
+            <a:r>
+              <a:rPr lang="en-US" dirty="0"/>
+              <a:t>Improved from 10-30 meters (standalone GPS) to 5-10 meters with SUPL assistance, and 3-5 meters when combining multiple satellite constellations.</a:t>
+            </a:r>
+          </a:p>
+          <a:p>
+            <a:r>
+              <a:rPr lang="en-US" b="1" dirty="0">
+                <a:solidFill>
+                  <a:srgbClr val="FFC000"/>
+                </a:solidFill>
+              </a:rPr>
+              <a:t>Power Consumption:</a:t>
+            </a:r>
+            <a:r>
+              <a:rPr lang="en-US" dirty="0">
+                <a:solidFill>
+                  <a:srgbClr val="FFC000"/>
+                </a:solidFill>
+              </a:rPr>
+              <a:t> </a:t>
+            </a:r>
+            <a:r>
+              <a:rPr lang="en-US" dirty="0"/>
+              <a:t>Reduced by approximately 90% for position acquisition because the GPS receiver is active for only 5-10 seconds instead of 30-60 seconds.</a:t>
+            </a:r>
+          </a:p>
+          <a:p>
+            <a:r>
+              <a:rPr lang="en-US" b="1" dirty="0">
+                <a:solidFill>
+                  <a:srgbClr val="FFC000"/>
+                </a:solidFill>
+              </a:rPr>
+              <a:t>Reliability in Weak Signals:</a:t>
+            </a:r>
+            <a:r>
+              <a:rPr lang="en-US" dirty="0">
+                <a:solidFill>
+                  <a:srgbClr val="FFC000"/>
+                </a:solidFill>
+              </a:rPr>
+              <a:t> </a:t>
+            </a:r>
+            <a:r>
+              <a:rPr lang="en-US" dirty="0"/>
+              <a:t>With acquisition assistance, GPS receivers can often acquire and track signals that would be impossible to find through blind search, improving performance indoors and in urban environments.</a:t>
+            </a:r>
+          </a:p>
+          <a:p>
+            <a:r>
+              <a:rPr lang="en-US" b="1" dirty="0">
+                <a:solidFill>
+                  <a:srgbClr val="FFC000"/>
+                </a:solidFill>
+              </a:rPr>
+              <a:t>User Experience:</a:t>
+            </a:r>
+            <a:r>
+              <a:rPr lang="en-US" dirty="0">
+                <a:solidFill>
+                  <a:srgbClr val="FFC000"/>
+                </a:solidFill>
+              </a:rPr>
+              <a:t> </a:t>
+            </a:r>
+            <a:r>
+              <a:rPr lang="en-US" dirty="0"/>
+              <a:t>The difference between waiting 60 seconds and waiting 5 seconds for your first GPS fix is the difference between frustration and satisfaction. SUPL makes GPS practical for real-world use.</a:t>
+            </a:r>
+          </a:p>
+        </p:txBody>
+      </p:sp>
+    </p:spTree>
+    <p:extLst>
+      <p:ext uri="{BB962C8B-B14F-4D97-AF65-F5344CB8AC3E}">
+        <p14:creationId xmlns:p14="http://schemas.microsoft.com/office/powerpoint/2010/main" val="3911745122"/>
+      </p:ext>
+    </p:extLst>
+  </p:cSld>
+  <p:clrMapOvr>
+    <a:masterClrMapping/>
+  </p:clrMapOvr>
+</p:sld>
+</file>
+
+<file path=ppt/slides/slide26.xml><?xml version="1.0" encoding="utf-8"?>
+<p:sld xmlns:a="http://schemas.openxmlformats.org/drawingml/2006/main" xmlns:r="http://schemas.openxmlformats.org/officeDocument/2006/relationships" xmlns:p="http://schemas.openxmlformats.org/presentationml/2006/main">
+  <p:cSld>
+    <p:spTree>
+      <p:nvGrpSpPr>
+        <p:cNvPr id="1" name="">
+          <a:extLst>
+            <a:ext uri="{FF2B5EF4-FFF2-40B4-BE49-F238E27FC236}">
+              <a16:creationId xmlns:a16="http://schemas.microsoft.com/office/drawing/2014/main" id="{0C5FD78A-C316-CBF1-C100-551C38F4391E}"/>
+            </a:ext>
+          </a:extLst>
+        </p:cNvPr>
+        <p:cNvGrpSpPr/>
+        <p:nvPr/>
+      </p:nvGrpSpPr>
+      <p:grpSpPr>
+        <a:xfrm>
+          <a:off x="0" y="0"/>
+          <a:ext cx="0" cy="0"/>
+          <a:chOff x="0" y="0"/>
+          <a:chExt cx="0" cy="0"/>
+        </a:xfrm>
+      </p:grpSpPr>
+      <p:sp>
+        <p:nvSpPr>
+          <p:cNvPr id="2" name="Title 1">
             <a:extLst>
               <a:ext uri="{FF2B5EF4-FFF2-40B4-BE49-F238E27FC236}">
-                <a16:creationId xmlns:a16="http://schemas.microsoft.com/office/drawing/2014/main" id="{7E914FE1-D4AF-4A29-B918-DF4F66313224}"/>
+                <a16:creationId xmlns:a16="http://schemas.microsoft.com/office/drawing/2014/main" id="{A9030CAD-C99D-91BE-55B4-C7DDA1A21B3A}"/>
               </a:ext>
             </a:extLst>
           </p:cNvPr>
@@ -4103,174 +7979,1236 @@
             <a:spLocks noGrp="1"/>
           </p:cNvSpPr>
           <p:nvPr>
-            <p:ph type="body" sz="half" idx="2"/>
+            <p:ph type="title"/>
           </p:nvPr>
         </p:nvSpPr>
         <p:spPr>
           <a:xfrm>
-            <a:off x="1115568" y="2098190"/>
-            <a:ext cx="3794760" cy="956095"/>
+            <a:off x="2231136" y="385840"/>
+            <a:ext cx="7729728" cy="732133"/>
           </a:xfrm>
         </p:spPr>
         <p:txBody>
-          <a:bodyPr/>
+          <a:bodyPr>
+            <a:noAutofit/>
+          </a:bodyPr>
           <a:lstStyle/>
           <a:p>
             <a:r>
-              <a:rPr lang="en-GB" b="1" dirty="0"/>
-              <a:t>Complete Technical Deep Dive: How Position is Determined</a:t>
-            </a:r>
-          </a:p>
-          <a:p>
-            <a:endParaRPr lang="en-GB" b="1" dirty="0"/>
-          </a:p>
-          <a:p>
-            <a:endParaRPr lang="en-GB" b="1" dirty="0"/>
-          </a:p>
-          <a:p>
-            <a:endParaRPr lang="en-IN" dirty="0"/>
-          </a:p>
-        </p:txBody>
-      </p:sp>
-      <p:sp>
-        <p:nvSpPr>
-          <p:cNvPr id="5" name="Rectangle 4">
+              <a:rPr lang="en-US" sz="2000"/>
+              <a:t>The Impact of SUPL: Performance Metrics</a:t>
+            </a:r>
+            <a:endParaRPr lang="en-US" sz="2000" dirty="0"/>
+          </a:p>
+        </p:txBody>
+      </p:sp>
+      <p:sp>
+        <p:nvSpPr>
+          <p:cNvPr id="3" name="Content Placeholder 2">
             <a:extLst>
               <a:ext uri="{FF2B5EF4-FFF2-40B4-BE49-F238E27FC236}">
-                <a16:creationId xmlns:a16="http://schemas.microsoft.com/office/drawing/2014/main" id="{88005806-CCF4-42C1-8766-FF43F201D7CD}"/>
+                <a16:creationId xmlns:a16="http://schemas.microsoft.com/office/drawing/2014/main" id="{E028D8B0-A96D-724C-67CE-5DD55F6CF2B6}"/>
               </a:ext>
             </a:extLst>
           </p:cNvPr>
-          <p:cNvSpPr/>
-          <p:nvPr/>
+          <p:cNvSpPr>
+            <a:spLocks noGrp="1"/>
+          </p:cNvSpPr>
+          <p:nvPr>
+            <p:ph idx="1"/>
+          </p:nvPr>
         </p:nvSpPr>
         <p:spPr>
           <a:xfrm>
-            <a:off x="640080" y="3054285"/>
-            <a:ext cx="5147978" cy="1477328"/>
+            <a:off x="543612" y="1508288"/>
+            <a:ext cx="11104775" cy="425443"/>
+          </a:xfrm>
+        </p:spPr>
+        <p:txBody>
+          <a:bodyPr/>
+          <a:lstStyle/>
+          <a:p>
+            <a:pPr marL="0" indent="0">
+              <a:buNone/>
+            </a:pPr>
+            <a:r>
+              <a:rPr lang="en-US" b="1" dirty="0">
+                <a:solidFill>
+                  <a:srgbClr val="FFC000"/>
+                </a:solidFill>
+              </a:rPr>
+              <a:t>Time To First Fix (TTFF):</a:t>
+            </a:r>
+          </a:p>
+          <a:p>
+            <a:pPr marL="0" indent="0">
+              <a:buNone/>
+            </a:pPr>
+            <a:endParaRPr lang="en-US" b="1" dirty="0">
+              <a:solidFill>
+                <a:srgbClr val="FFC000"/>
+              </a:solidFill>
+            </a:endParaRPr>
+          </a:p>
+          <a:p>
+            <a:pPr marL="0" indent="0">
+              <a:buNone/>
+            </a:pPr>
+            <a:endParaRPr lang="en-US" dirty="0"/>
+          </a:p>
+        </p:txBody>
+      </p:sp>
+      <p:graphicFrame>
+        <p:nvGraphicFramePr>
+          <p:cNvPr id="4" name="Table 3">
+            <a:extLst>
+              <a:ext uri="{FF2B5EF4-FFF2-40B4-BE49-F238E27FC236}">
+                <a16:creationId xmlns:a16="http://schemas.microsoft.com/office/drawing/2014/main" id="{4E19DCC6-88B5-79A7-E3B8-27CB9F568128}"/>
+              </a:ext>
+            </a:extLst>
+          </p:cNvPr>
+          <p:cNvGraphicFramePr>
+            <a:graphicFrameLocks noGrp="1"/>
+          </p:cNvGraphicFramePr>
+          <p:nvPr>
+            <p:extLst>
+              <p:ext uri="{D42A27DB-BD31-4B8C-83A1-F6EECF244321}">
+                <p14:modId xmlns:p14="http://schemas.microsoft.com/office/powerpoint/2010/main" val="2912606657"/>
+              </p:ext>
+            </p:extLst>
+          </p:nvPr>
+        </p:nvGraphicFramePr>
+        <p:xfrm>
+          <a:off x="2231136" y="2051284"/>
+          <a:ext cx="7731124" cy="1847850"/>
+        </p:xfrm>
+        <a:graphic>
+          <a:graphicData uri="http://schemas.openxmlformats.org/drawingml/2006/table">
+            <a:tbl>
+              <a:tblPr/>
+              <a:tblGrid>
+                <a:gridCol w="1932781">
+                  <a:extLst>
+                    <a:ext uri="{9D8B030D-6E8A-4147-A177-3AD203B41FA5}">
+                      <a16:colId xmlns:a16="http://schemas.microsoft.com/office/drawing/2014/main" val="3718684484"/>
+                    </a:ext>
+                  </a:extLst>
+                </a:gridCol>
+                <a:gridCol w="1932781">
+                  <a:extLst>
+                    <a:ext uri="{9D8B030D-6E8A-4147-A177-3AD203B41FA5}">
+                      <a16:colId xmlns:a16="http://schemas.microsoft.com/office/drawing/2014/main" val="1350258279"/>
+                    </a:ext>
+                  </a:extLst>
+                </a:gridCol>
+                <a:gridCol w="1932781">
+                  <a:extLst>
+                    <a:ext uri="{9D8B030D-6E8A-4147-A177-3AD203B41FA5}">
+                      <a16:colId xmlns:a16="http://schemas.microsoft.com/office/drawing/2014/main" val="3979482926"/>
+                    </a:ext>
+                  </a:extLst>
+                </a:gridCol>
+                <a:gridCol w="1932781">
+                  <a:extLst>
+                    <a:ext uri="{9D8B030D-6E8A-4147-A177-3AD203B41FA5}">
+                      <a16:colId xmlns:a16="http://schemas.microsoft.com/office/drawing/2014/main" val="1641121739"/>
+                    </a:ext>
+                  </a:extLst>
+                </a:gridCol>
+              </a:tblGrid>
+              <a:tr h="0">
+                <a:tc>
+                  <a:txBody>
+                    <a:bodyPr/>
+                    <a:lstStyle/>
+                    <a:p>
+                      <a:pPr algn="l">
+                        <a:buNone/>
+                      </a:pPr>
+                      <a:r>
+                        <a:rPr lang="en-US">
+                          <a:effectLst/>
+                        </a:rPr>
+                        <a:t>Scenario</a:t>
+                      </a:r>
+                    </a:p>
+                  </a:txBody>
+                  <a:tcPr marL="95250" marR="95250" marT="47625" marB="47625" anchor="ctr">
+                    <a:lnL>
+                      <a:noFill/>
+                    </a:lnL>
+                    <a:lnR>
+                      <a:noFill/>
+                    </a:lnR>
+                    <a:lnT>
+                      <a:noFill/>
+                    </a:lnT>
+                    <a:lnB>
+                      <a:noFill/>
+                    </a:lnB>
+                    <a:noFill/>
+                  </a:tcPr>
+                </a:tc>
+                <a:tc>
+                  <a:txBody>
+                    <a:bodyPr/>
+                    <a:lstStyle/>
+                    <a:p>
+                      <a:pPr algn="l">
+                        <a:buNone/>
+                      </a:pPr>
+                      <a:r>
+                        <a:rPr lang="en-US" b="1" dirty="0">
+                          <a:solidFill>
+                            <a:srgbClr val="FFC000"/>
+                          </a:solidFill>
+                          <a:effectLst/>
+                        </a:rPr>
+                        <a:t>Standalone GPS</a:t>
+                      </a:r>
+                    </a:p>
+                  </a:txBody>
+                  <a:tcPr marL="95250" marR="95250" marT="47625" marB="47625" anchor="ctr">
+                    <a:lnL>
+                      <a:noFill/>
+                    </a:lnL>
+                    <a:lnR>
+                      <a:noFill/>
+                    </a:lnR>
+                    <a:lnT>
+                      <a:noFill/>
+                    </a:lnT>
+                    <a:lnB>
+                      <a:noFill/>
+                    </a:lnB>
+                    <a:noFill/>
+                  </a:tcPr>
+                </a:tc>
+                <a:tc>
+                  <a:txBody>
+                    <a:bodyPr/>
+                    <a:lstStyle/>
+                    <a:p>
+                      <a:pPr algn="l">
+                        <a:buNone/>
+                      </a:pPr>
+                      <a:r>
+                        <a:rPr lang="en-US" b="1" dirty="0">
+                          <a:solidFill>
+                            <a:srgbClr val="FFC000"/>
+                          </a:solidFill>
+                          <a:effectLst/>
+                        </a:rPr>
+                        <a:t>A-GPS (SUPL)</a:t>
+                      </a:r>
+                    </a:p>
+                  </a:txBody>
+                  <a:tcPr marL="95250" marR="95250" marT="47625" marB="47625" anchor="ctr">
+                    <a:lnL>
+                      <a:noFill/>
+                    </a:lnL>
+                    <a:lnR>
+                      <a:noFill/>
+                    </a:lnR>
+                    <a:lnT>
+                      <a:noFill/>
+                    </a:lnT>
+                    <a:lnB>
+                      <a:noFill/>
+                    </a:lnB>
+                    <a:noFill/>
+                  </a:tcPr>
+                </a:tc>
+                <a:tc>
+                  <a:txBody>
+                    <a:bodyPr/>
+                    <a:lstStyle/>
+                    <a:p>
+                      <a:pPr algn="l">
+                        <a:buNone/>
+                      </a:pPr>
+                      <a:r>
+                        <a:rPr lang="en-US" b="1" dirty="0">
+                          <a:solidFill>
+                            <a:srgbClr val="FFC000"/>
+                          </a:solidFill>
+                          <a:effectLst/>
+                        </a:rPr>
+                        <a:t>Improvement</a:t>
+                      </a:r>
+                    </a:p>
+                  </a:txBody>
+                  <a:tcPr marL="95250" marR="95250" marT="47625" marB="47625" anchor="ctr">
+                    <a:lnL>
+                      <a:noFill/>
+                    </a:lnL>
+                    <a:lnR>
+                      <a:noFill/>
+                    </a:lnR>
+                    <a:lnT>
+                      <a:noFill/>
+                    </a:lnT>
+                    <a:lnB>
+                      <a:noFill/>
+                    </a:lnB>
+                    <a:noFill/>
+                  </a:tcPr>
+                </a:tc>
+                <a:extLst>
+                  <a:ext uri="{0D108BD9-81ED-4DB2-BD59-A6C34878D82A}">
+                    <a16:rowId xmlns:a16="http://schemas.microsoft.com/office/drawing/2014/main" val="942329009"/>
+                  </a:ext>
+                </a:extLst>
+              </a:tr>
+              <a:tr h="0">
+                <a:tc>
+                  <a:txBody>
+                    <a:bodyPr/>
+                    <a:lstStyle/>
+                    <a:p>
+                      <a:pPr>
+                        <a:buNone/>
+                      </a:pPr>
+                      <a:r>
+                        <a:rPr lang="en-US" b="1" dirty="0">
+                          <a:solidFill>
+                            <a:srgbClr val="FFC000"/>
+                          </a:solidFill>
+                          <a:effectLst/>
+                        </a:rPr>
+                        <a:t>Cold Start</a:t>
+                      </a:r>
+                      <a:endParaRPr lang="en-US" dirty="0">
+                        <a:solidFill>
+                          <a:srgbClr val="FFC000"/>
+                        </a:solidFill>
+                        <a:effectLst/>
+                      </a:endParaRPr>
+                    </a:p>
+                  </a:txBody>
+                  <a:tcPr marL="95250" marR="95250" marT="47625" marB="47625" anchor="ctr">
+                    <a:lnL>
+                      <a:noFill/>
+                    </a:lnL>
+                    <a:lnR>
+                      <a:noFill/>
+                    </a:lnR>
+                    <a:lnT>
+                      <a:noFill/>
+                    </a:lnT>
+                    <a:lnB>
+                      <a:noFill/>
+                    </a:lnB>
+                    <a:noFill/>
+                  </a:tcPr>
+                </a:tc>
+                <a:tc>
+                  <a:txBody>
+                    <a:bodyPr/>
+                    <a:lstStyle/>
+                    <a:p>
+                      <a:pPr>
+                        <a:buNone/>
+                      </a:pPr>
+                      <a:r>
+                        <a:rPr lang="en-US" dirty="0">
+                          <a:effectLst/>
+                        </a:rPr>
+                        <a:t>30-60 seconds</a:t>
+                      </a:r>
+                    </a:p>
+                  </a:txBody>
+                  <a:tcPr marL="95250" marR="95250" marT="47625" marB="47625" anchor="ctr">
+                    <a:lnL>
+                      <a:noFill/>
+                    </a:lnL>
+                    <a:lnR>
+                      <a:noFill/>
+                    </a:lnR>
+                    <a:lnT>
+                      <a:noFill/>
+                    </a:lnT>
+                    <a:lnB>
+                      <a:noFill/>
+                    </a:lnB>
+                    <a:noFill/>
+                  </a:tcPr>
+                </a:tc>
+                <a:tc>
+                  <a:txBody>
+                    <a:bodyPr/>
+                    <a:lstStyle/>
+                    <a:p>
+                      <a:pPr>
+                        <a:buNone/>
+                      </a:pPr>
+                      <a:r>
+                        <a:rPr lang="en-US">
+                          <a:effectLst/>
+                        </a:rPr>
+                        <a:t>5-10 seconds</a:t>
+                      </a:r>
+                    </a:p>
+                  </a:txBody>
+                  <a:tcPr marL="95250" marR="95250" marT="47625" marB="47625" anchor="ctr">
+                    <a:lnL>
+                      <a:noFill/>
+                    </a:lnL>
+                    <a:lnR>
+                      <a:noFill/>
+                    </a:lnR>
+                    <a:lnT>
+                      <a:noFill/>
+                    </a:lnT>
+                    <a:lnB>
+                      <a:noFill/>
+                    </a:lnB>
+                    <a:noFill/>
+                  </a:tcPr>
+                </a:tc>
+                <a:tc>
+                  <a:txBody>
+                    <a:bodyPr/>
+                    <a:lstStyle/>
+                    <a:p>
+                      <a:pPr>
+                        <a:buNone/>
+                      </a:pPr>
+                      <a:r>
+                        <a:rPr lang="en-US" b="1">
+                          <a:effectLst/>
+                        </a:rPr>
+                        <a:t>6-10x faster</a:t>
+                      </a:r>
+                      <a:endParaRPr lang="en-US">
+                        <a:effectLst/>
+                      </a:endParaRPr>
+                    </a:p>
+                  </a:txBody>
+                  <a:tcPr marL="95250" marR="95250" marT="47625" marB="47625" anchor="ctr">
+                    <a:lnL>
+                      <a:noFill/>
+                    </a:lnL>
+                    <a:lnR>
+                      <a:noFill/>
+                    </a:lnR>
+                    <a:lnT>
+                      <a:noFill/>
+                    </a:lnT>
+                    <a:lnB>
+                      <a:noFill/>
+                    </a:lnB>
+                    <a:noFill/>
+                  </a:tcPr>
+                </a:tc>
+                <a:extLst>
+                  <a:ext uri="{0D108BD9-81ED-4DB2-BD59-A6C34878D82A}">
+                    <a16:rowId xmlns:a16="http://schemas.microsoft.com/office/drawing/2014/main" val="2659884349"/>
+                  </a:ext>
+                </a:extLst>
+              </a:tr>
+              <a:tr h="0">
+                <a:tc>
+                  <a:txBody>
+                    <a:bodyPr/>
+                    <a:lstStyle/>
+                    <a:p>
+                      <a:pPr>
+                        <a:buNone/>
+                      </a:pPr>
+                      <a:r>
+                        <a:rPr lang="en-US" b="1" dirty="0">
+                          <a:solidFill>
+                            <a:srgbClr val="FFC000"/>
+                          </a:solidFill>
+                          <a:effectLst/>
+                        </a:rPr>
+                        <a:t>Warm Start</a:t>
+                      </a:r>
+                      <a:endParaRPr lang="en-US" dirty="0">
+                        <a:solidFill>
+                          <a:srgbClr val="FFC000"/>
+                        </a:solidFill>
+                        <a:effectLst/>
+                      </a:endParaRPr>
+                    </a:p>
+                  </a:txBody>
+                  <a:tcPr marL="95250" marR="95250" marT="47625" marB="47625" anchor="ctr">
+                    <a:lnL>
+                      <a:noFill/>
+                    </a:lnL>
+                    <a:lnR>
+                      <a:noFill/>
+                    </a:lnR>
+                    <a:lnT>
+                      <a:noFill/>
+                    </a:lnT>
+                    <a:lnB>
+                      <a:noFill/>
+                    </a:lnB>
+                    <a:noFill/>
+                  </a:tcPr>
+                </a:tc>
+                <a:tc>
+                  <a:txBody>
+                    <a:bodyPr/>
+                    <a:lstStyle/>
+                    <a:p>
+                      <a:pPr>
+                        <a:buNone/>
+                      </a:pPr>
+                      <a:r>
+                        <a:rPr lang="en-US">
+                          <a:effectLst/>
+                        </a:rPr>
+                        <a:t>20-30 seconds</a:t>
+                      </a:r>
+                    </a:p>
+                  </a:txBody>
+                  <a:tcPr marL="95250" marR="95250" marT="47625" marB="47625" anchor="ctr">
+                    <a:lnL>
+                      <a:noFill/>
+                    </a:lnL>
+                    <a:lnR>
+                      <a:noFill/>
+                    </a:lnR>
+                    <a:lnT>
+                      <a:noFill/>
+                    </a:lnT>
+                    <a:lnB>
+                      <a:noFill/>
+                    </a:lnB>
+                    <a:noFill/>
+                  </a:tcPr>
+                </a:tc>
+                <a:tc>
+                  <a:txBody>
+                    <a:bodyPr/>
+                    <a:lstStyle/>
+                    <a:p>
+                      <a:pPr>
+                        <a:buNone/>
+                      </a:pPr>
+                      <a:r>
+                        <a:rPr lang="en-US" dirty="0">
+                          <a:effectLst/>
+                        </a:rPr>
+                        <a:t>3-5 seconds</a:t>
+                      </a:r>
+                    </a:p>
+                  </a:txBody>
+                  <a:tcPr marL="95250" marR="95250" marT="47625" marB="47625" anchor="ctr">
+                    <a:lnL>
+                      <a:noFill/>
+                    </a:lnL>
+                    <a:lnR>
+                      <a:noFill/>
+                    </a:lnR>
+                    <a:lnT>
+                      <a:noFill/>
+                    </a:lnT>
+                    <a:lnB>
+                      <a:noFill/>
+                    </a:lnB>
+                    <a:noFill/>
+                  </a:tcPr>
+                </a:tc>
+                <a:tc>
+                  <a:txBody>
+                    <a:bodyPr/>
+                    <a:lstStyle/>
+                    <a:p>
+                      <a:pPr>
+                        <a:buNone/>
+                      </a:pPr>
+                      <a:r>
+                        <a:rPr lang="en-US" b="1">
+                          <a:effectLst/>
+                        </a:rPr>
+                        <a:t>6-8x faster</a:t>
+                      </a:r>
+                      <a:endParaRPr lang="en-US">
+                        <a:effectLst/>
+                      </a:endParaRPr>
+                    </a:p>
+                  </a:txBody>
+                  <a:tcPr marL="95250" marR="95250" marT="47625" marB="47625" anchor="ctr">
+                    <a:lnL>
+                      <a:noFill/>
+                    </a:lnL>
+                    <a:lnR>
+                      <a:noFill/>
+                    </a:lnR>
+                    <a:lnT>
+                      <a:noFill/>
+                    </a:lnT>
+                    <a:lnB>
+                      <a:noFill/>
+                    </a:lnB>
+                    <a:noFill/>
+                  </a:tcPr>
+                </a:tc>
+                <a:extLst>
+                  <a:ext uri="{0D108BD9-81ED-4DB2-BD59-A6C34878D82A}">
+                    <a16:rowId xmlns:a16="http://schemas.microsoft.com/office/drawing/2014/main" val="704755221"/>
+                  </a:ext>
+                </a:extLst>
+              </a:tr>
+              <a:tr h="0">
+                <a:tc>
+                  <a:txBody>
+                    <a:bodyPr/>
+                    <a:lstStyle/>
+                    <a:p>
+                      <a:pPr>
+                        <a:buNone/>
+                      </a:pPr>
+                      <a:r>
+                        <a:rPr lang="en-US" b="1" dirty="0">
+                          <a:solidFill>
+                            <a:srgbClr val="FFC000"/>
+                          </a:solidFill>
+                          <a:effectLst/>
+                        </a:rPr>
+                        <a:t>Hot Start</a:t>
+                      </a:r>
+                      <a:endParaRPr lang="en-US" dirty="0">
+                        <a:solidFill>
+                          <a:srgbClr val="FFC000"/>
+                        </a:solidFill>
+                        <a:effectLst/>
+                      </a:endParaRPr>
+                    </a:p>
+                  </a:txBody>
+                  <a:tcPr marL="95250" marR="95250" marT="47625" marB="47625" anchor="ctr">
+                    <a:lnL>
+                      <a:noFill/>
+                    </a:lnL>
+                    <a:lnR>
+                      <a:noFill/>
+                    </a:lnR>
+                    <a:lnT>
+                      <a:noFill/>
+                    </a:lnT>
+                    <a:lnB>
+                      <a:noFill/>
+                    </a:lnB>
+                    <a:noFill/>
+                  </a:tcPr>
+                </a:tc>
+                <a:tc>
+                  <a:txBody>
+                    <a:bodyPr/>
+                    <a:lstStyle/>
+                    <a:p>
+                      <a:pPr>
+                        <a:buNone/>
+                      </a:pPr>
+                      <a:r>
+                        <a:rPr lang="en-US">
+                          <a:effectLst/>
+                        </a:rPr>
+                        <a:t>5-10 seconds</a:t>
+                      </a:r>
+                    </a:p>
+                  </a:txBody>
+                  <a:tcPr marL="95250" marR="95250" marT="47625" marB="47625" anchor="ctr">
+                    <a:lnL>
+                      <a:noFill/>
+                    </a:lnL>
+                    <a:lnR>
+                      <a:noFill/>
+                    </a:lnR>
+                    <a:lnT>
+                      <a:noFill/>
+                    </a:lnT>
+                    <a:lnB>
+                      <a:noFill/>
+                    </a:lnB>
+                    <a:noFill/>
+                  </a:tcPr>
+                </a:tc>
+                <a:tc>
+                  <a:txBody>
+                    <a:bodyPr/>
+                    <a:lstStyle/>
+                    <a:p>
+                      <a:pPr>
+                        <a:buNone/>
+                      </a:pPr>
+                      <a:r>
+                        <a:rPr lang="en-US">
+                          <a:effectLst/>
+                        </a:rPr>
+                        <a:t>1-3 seconds</a:t>
+                      </a:r>
+                    </a:p>
+                  </a:txBody>
+                  <a:tcPr marL="95250" marR="95250" marT="47625" marB="47625" anchor="ctr">
+                    <a:lnL>
+                      <a:noFill/>
+                    </a:lnL>
+                    <a:lnR>
+                      <a:noFill/>
+                    </a:lnR>
+                    <a:lnT>
+                      <a:noFill/>
+                    </a:lnT>
+                    <a:lnB>
+                      <a:noFill/>
+                    </a:lnB>
+                    <a:noFill/>
+                  </a:tcPr>
+                </a:tc>
+                <a:tc>
+                  <a:txBody>
+                    <a:bodyPr/>
+                    <a:lstStyle/>
+                    <a:p>
+                      <a:pPr>
+                        <a:buNone/>
+                      </a:pPr>
+                      <a:r>
+                        <a:rPr lang="en-US" b="1">
+                          <a:effectLst/>
+                        </a:rPr>
+                        <a:t>3-5x faster</a:t>
+                      </a:r>
+                      <a:endParaRPr lang="en-US">
+                        <a:effectLst/>
+                      </a:endParaRPr>
+                    </a:p>
+                  </a:txBody>
+                  <a:tcPr marL="95250" marR="95250" marT="47625" marB="47625" anchor="ctr">
+                    <a:lnL>
+                      <a:noFill/>
+                    </a:lnL>
+                    <a:lnR>
+                      <a:noFill/>
+                    </a:lnR>
+                    <a:lnT>
+                      <a:noFill/>
+                    </a:lnT>
+                    <a:lnB>
+                      <a:noFill/>
+                    </a:lnB>
+                    <a:noFill/>
+                  </a:tcPr>
+                </a:tc>
+                <a:extLst>
+                  <a:ext uri="{0D108BD9-81ED-4DB2-BD59-A6C34878D82A}">
+                    <a16:rowId xmlns:a16="http://schemas.microsoft.com/office/drawing/2014/main" val="1359252396"/>
+                  </a:ext>
+                </a:extLst>
+              </a:tr>
+              <a:tr h="0">
+                <a:tc>
+                  <a:txBody>
+                    <a:bodyPr/>
+                    <a:lstStyle/>
+                    <a:p>
+                      <a:pPr>
+                        <a:buNone/>
+                      </a:pPr>
+                      <a:r>
+                        <a:rPr lang="en-US" b="1" dirty="0">
+                          <a:solidFill>
+                            <a:srgbClr val="FFC000"/>
+                          </a:solidFill>
+                          <a:effectLst/>
+                        </a:rPr>
+                        <a:t>Factory Test</a:t>
+                      </a:r>
+                      <a:endParaRPr lang="en-US" dirty="0">
+                        <a:solidFill>
+                          <a:srgbClr val="FFC000"/>
+                        </a:solidFill>
+                        <a:effectLst/>
+                      </a:endParaRPr>
+                    </a:p>
+                  </a:txBody>
+                  <a:tcPr marL="95250" marR="95250" marT="47625" marB="47625" anchor="ctr">
+                    <a:lnL>
+                      <a:noFill/>
+                    </a:lnL>
+                    <a:lnR>
+                      <a:noFill/>
+                    </a:lnR>
+                    <a:lnT>
+                      <a:noFill/>
+                    </a:lnT>
+                    <a:lnB>
+                      <a:noFill/>
+                    </a:lnB>
+                    <a:noFill/>
+                  </a:tcPr>
+                </a:tc>
+                <a:tc>
+                  <a:txBody>
+                    <a:bodyPr/>
+                    <a:lstStyle/>
+                    <a:p>
+                      <a:pPr>
+                        <a:buNone/>
+                      </a:pPr>
+                      <a:r>
+                        <a:rPr lang="en-US" dirty="0">
+                          <a:effectLst/>
+                        </a:rPr>
+                        <a:t>2-5 minutes</a:t>
+                      </a:r>
+                    </a:p>
+                  </a:txBody>
+                  <a:tcPr marL="95250" marR="95250" marT="47625" marB="47625" anchor="ctr">
+                    <a:lnL>
+                      <a:noFill/>
+                    </a:lnL>
+                    <a:lnR>
+                      <a:noFill/>
+                    </a:lnR>
+                    <a:lnT>
+                      <a:noFill/>
+                    </a:lnT>
+                    <a:lnB>
+                      <a:noFill/>
+                    </a:lnB>
+                    <a:noFill/>
+                  </a:tcPr>
+                </a:tc>
+                <a:tc>
+                  <a:txBody>
+                    <a:bodyPr/>
+                    <a:lstStyle/>
+                    <a:p>
+                      <a:pPr>
+                        <a:buNone/>
+                      </a:pPr>
+                      <a:r>
+                        <a:rPr lang="en-US">
+                          <a:effectLst/>
+                        </a:rPr>
+                        <a:t>5-10 seconds</a:t>
+                      </a:r>
+                    </a:p>
+                  </a:txBody>
+                  <a:tcPr marL="95250" marR="95250" marT="47625" marB="47625" anchor="ctr">
+                    <a:lnL>
+                      <a:noFill/>
+                    </a:lnL>
+                    <a:lnR>
+                      <a:noFill/>
+                    </a:lnR>
+                    <a:lnT>
+                      <a:noFill/>
+                    </a:lnT>
+                    <a:lnB>
+                      <a:noFill/>
+                    </a:lnB>
+                    <a:noFill/>
+                  </a:tcPr>
+                </a:tc>
+                <a:tc>
+                  <a:txBody>
+                    <a:bodyPr/>
+                    <a:lstStyle/>
+                    <a:p>
+                      <a:pPr>
+                        <a:buNone/>
+                      </a:pPr>
+                      <a:r>
+                        <a:rPr lang="en-US" b="1" dirty="0">
+                          <a:effectLst/>
+                        </a:rPr>
+                        <a:t>24-60x faster</a:t>
+                      </a:r>
+                      <a:endParaRPr lang="en-US" dirty="0">
+                        <a:effectLst/>
+                      </a:endParaRPr>
+                    </a:p>
+                  </a:txBody>
+                  <a:tcPr marL="95250" marR="95250" marT="47625" marB="47625" anchor="ctr">
+                    <a:lnL>
+                      <a:noFill/>
+                    </a:lnL>
+                    <a:lnR>
+                      <a:noFill/>
+                    </a:lnR>
+                    <a:lnT>
+                      <a:noFill/>
+                    </a:lnT>
+                    <a:lnB>
+                      <a:noFill/>
+                    </a:lnB>
+                    <a:noFill/>
+                  </a:tcPr>
+                </a:tc>
+                <a:extLst>
+                  <a:ext uri="{0D108BD9-81ED-4DB2-BD59-A6C34878D82A}">
+                    <a16:rowId xmlns:a16="http://schemas.microsoft.com/office/drawing/2014/main" val="2293534575"/>
+                  </a:ext>
+                </a:extLst>
+              </a:tr>
+            </a:tbl>
+          </a:graphicData>
+        </a:graphic>
+      </p:graphicFrame>
+      <p:sp>
+        <p:nvSpPr>
+          <p:cNvPr id="5" name="Content Placeholder 2">
+            <a:extLst>
+              <a:ext uri="{FF2B5EF4-FFF2-40B4-BE49-F238E27FC236}">
+                <a16:creationId xmlns:a16="http://schemas.microsoft.com/office/drawing/2014/main" id="{3CAC6DD8-FDFB-A540-257F-4DD8F761B0A0}"/>
+              </a:ext>
+            </a:extLst>
+          </p:cNvPr>
+          <p:cNvSpPr txBox="1">
+            <a:spLocks/>
+          </p:cNvSpPr>
+          <p:nvPr/>
+        </p:nvSpPr>
+        <p:spPr>
+          <a:xfrm>
+            <a:off x="543612" y="4058798"/>
+            <a:ext cx="11104775" cy="2192100"/>
           </a:xfrm>
           <a:prstGeom prst="rect">
             <a:avLst/>
           </a:prstGeom>
         </p:spPr>
         <p:txBody>
-          <a:bodyPr wrap="square">
-            <a:spAutoFit/>
+          <a:bodyPr vert="horz" lIns="91440" tIns="45720" rIns="91440" bIns="45720" rtlCol="0">
+            <a:normAutofit/>
           </a:bodyPr>
-          <a:lstStyle/>
-          <a:p>
-            <a:r>
-              <a:rPr lang="en-IN" b="1" dirty="0">
+          <a:lstStyle>
+            <a:lvl1pPr marL="228600" indent="-228600" algn="l" defTabSz="914400" rtl="0" eaLnBrk="1" latinLnBrk="0" hangingPunct="1">
+              <a:lnSpc>
+                <a:spcPct val="100000"/>
+              </a:lnSpc>
+              <a:spcBef>
+                <a:spcPts val="1000"/>
+              </a:spcBef>
+              <a:buClr>
+                <a:schemeClr val="accent2"/>
+              </a:buClr>
+              <a:buFont typeface="Arial" panose="020B0604020202020204" pitchFamily="34" charset="0"/>
+              <a:buChar char="•"/>
+              <a:defRPr sz="1800" kern="1200">
                 <a:solidFill>
                   <a:schemeClr val="tx1">
-                    <a:lumMod val="50000"/>
-                    <a:lumOff val="50000"/>
+                    <a:lumMod val="85000"/>
+                    <a:lumOff val="15000"/>
                   </a:schemeClr>
                 </a:solidFill>
-                <a:latin typeface="-apple-system"/>
-              </a:rPr>
-              <a:t>Topics Covered:</a:t>
-            </a:r>
-          </a:p>
-          <a:p>
-            <a:pPr>
+                <a:latin typeface="+mn-lt"/>
+                <a:ea typeface="+mn-ea"/>
+                <a:cs typeface="+mn-cs"/>
+              </a:defRPr>
+            </a:lvl1pPr>
+            <a:lvl2pPr marL="457200" indent="-228600" algn="l" defTabSz="914400" rtl="0" eaLnBrk="1" latinLnBrk="0" hangingPunct="1">
+              <a:lnSpc>
+                <a:spcPct val="100000"/>
+              </a:lnSpc>
+              <a:spcBef>
+                <a:spcPts val="1000"/>
+              </a:spcBef>
+              <a:buClr>
+                <a:schemeClr val="accent2"/>
+              </a:buClr>
               <a:buFont typeface="Arial" panose="020B0604020202020204" pitchFamily="34" charset="0"/>
               <a:buChar char="•"/>
-            </a:pPr>
-            <a:r>
-              <a:rPr lang="en-IN" dirty="0">
+              <a:defRPr sz="1600" kern="1200">
                 <a:solidFill>
                   <a:schemeClr val="tx1">
-                    <a:lumMod val="50000"/>
-                    <a:lumOff val="50000"/>
+                    <a:lumMod val="85000"/>
+                    <a:lumOff val="15000"/>
                   </a:schemeClr>
                 </a:solidFill>
-                <a:latin typeface="-apple-system"/>
-              </a:rPr>
-              <a:t>Android AOSP Location Framework</a:t>
-            </a:r>
-          </a:p>
-          <a:p>
-            <a:pPr>
+                <a:latin typeface="+mn-lt"/>
+                <a:ea typeface="+mn-ea"/>
+                <a:cs typeface="+mn-cs"/>
+              </a:defRPr>
+            </a:lvl2pPr>
+            <a:lvl3pPr marL="685800" indent="-228600" algn="l" defTabSz="914400" rtl="0" eaLnBrk="1" latinLnBrk="0" hangingPunct="1">
+              <a:lnSpc>
+                <a:spcPct val="100000"/>
+              </a:lnSpc>
+              <a:spcBef>
+                <a:spcPts val="1000"/>
+              </a:spcBef>
+              <a:buClr>
+                <a:schemeClr val="accent2"/>
+              </a:buClr>
               <a:buFont typeface="Arial" panose="020B0604020202020204" pitchFamily="34" charset="0"/>
               <a:buChar char="•"/>
-            </a:pPr>
-            <a:r>
-              <a:rPr lang="en-IN" dirty="0">
+              <a:defRPr sz="1600" kern="1200">
                 <a:solidFill>
                   <a:schemeClr val="tx1">
-                    <a:lumMod val="50000"/>
-                    <a:lumOff val="50000"/>
+                    <a:lumMod val="85000"/>
+                    <a:lumOff val="15000"/>
                   </a:schemeClr>
                 </a:solidFill>
-              </a:rPr>
-              <a:t>Qualcomm</a:t>
-            </a:r>
-            <a:r>
-              <a:rPr lang="en-IN" dirty="0">
+                <a:latin typeface="+mn-lt"/>
+                <a:ea typeface="+mn-ea"/>
+                <a:cs typeface="+mn-cs"/>
+              </a:defRPr>
+            </a:lvl3pPr>
+            <a:lvl4pPr marL="914400" indent="-228600" algn="l" defTabSz="914400" rtl="0" eaLnBrk="1" latinLnBrk="0" hangingPunct="1">
+              <a:lnSpc>
+                <a:spcPct val="100000"/>
+              </a:lnSpc>
+              <a:spcBef>
+                <a:spcPts val="1000"/>
+              </a:spcBef>
+              <a:buClr>
+                <a:schemeClr val="accent2"/>
+              </a:buClr>
+              <a:buFont typeface="Arial" panose="020B0604020202020204" pitchFamily="34" charset="0"/>
+              <a:buChar char="•"/>
+              <a:defRPr sz="1600" kern="1200">
                 <a:solidFill>
                   <a:schemeClr val="tx1">
-                    <a:lumMod val="50000"/>
-                    <a:lumOff val="50000"/>
+                    <a:lumMod val="85000"/>
+                    <a:lumOff val="15000"/>
                   </a:schemeClr>
                 </a:solidFill>
-                <a:latin typeface="-apple-system"/>
-              </a:rPr>
-              <a:t> Modem &amp; GNSS Integration</a:t>
-            </a:r>
-          </a:p>
-          <a:p>
-            <a:pPr>
+                <a:latin typeface="+mn-lt"/>
+                <a:ea typeface="+mn-ea"/>
+                <a:cs typeface="+mn-cs"/>
+              </a:defRPr>
+            </a:lvl4pPr>
+            <a:lvl5pPr marL="1143000" indent="-228600" algn="l" defTabSz="914400" rtl="0" eaLnBrk="1" latinLnBrk="0" hangingPunct="1">
+              <a:lnSpc>
+                <a:spcPct val="100000"/>
+              </a:lnSpc>
+              <a:spcBef>
+                <a:spcPts val="1000"/>
+              </a:spcBef>
+              <a:buClr>
+                <a:schemeClr val="accent2"/>
+              </a:buClr>
               <a:buFont typeface="Arial" panose="020B0604020202020204" pitchFamily="34" charset="0"/>
               <a:buChar char="•"/>
-            </a:pPr>
-            <a:r>
-              <a:rPr lang="en-IN" dirty="0">
+              <a:defRPr sz="1600" kern="1200">
                 <a:solidFill>
                   <a:schemeClr val="tx1">
-                    <a:lumMod val="50000"/>
-                    <a:lumOff val="50000"/>
+                    <a:lumMod val="85000"/>
+                    <a:lumOff val="15000"/>
                   </a:schemeClr>
                 </a:solidFill>
-                <a:latin typeface="-apple-system"/>
-              </a:rPr>
-              <a:t>SUPL (Secure User Plane Location)</a:t>
-            </a:r>
-          </a:p>
-          <a:p>
-            <a:pPr>
+                <a:latin typeface="+mn-lt"/>
+                <a:ea typeface="+mn-ea"/>
+                <a:cs typeface="+mn-cs"/>
+              </a:defRPr>
+            </a:lvl5pPr>
+            <a:lvl6pPr marL="1312863" indent="-228600" algn="l" defTabSz="914400" rtl="0" eaLnBrk="1" latinLnBrk="0" hangingPunct="1">
+              <a:lnSpc>
+                <a:spcPct val="100000"/>
+              </a:lnSpc>
+              <a:spcBef>
+                <a:spcPts val="1000"/>
+              </a:spcBef>
+              <a:buClr>
+                <a:schemeClr val="accent2"/>
+              </a:buClr>
               <a:buFont typeface="Arial" panose="020B0604020202020204" pitchFamily="34" charset="0"/>
               <a:buChar char="•"/>
+              <a:defRPr sz="1600" kern="1200">
+                <a:solidFill>
+                  <a:schemeClr val="tx1"/>
+                </a:solidFill>
+                <a:latin typeface="+mn-lt"/>
+                <a:ea typeface="+mn-ea"/>
+                <a:cs typeface="+mn-cs"/>
+              </a:defRPr>
+            </a:lvl6pPr>
+            <a:lvl7pPr marL="1484313" indent="-228600" algn="l" defTabSz="914400" rtl="0" eaLnBrk="1" latinLnBrk="0" hangingPunct="1">
+              <a:lnSpc>
+                <a:spcPct val="100000"/>
+              </a:lnSpc>
+              <a:spcBef>
+                <a:spcPts val="1000"/>
+              </a:spcBef>
+              <a:buClr>
+                <a:schemeClr val="accent2"/>
+              </a:buClr>
+              <a:buFont typeface="Arial" panose="020B0604020202020204" pitchFamily="34" charset="0"/>
+              <a:buChar char="•"/>
+              <a:defRPr sz="1600" kern="1200">
+                <a:solidFill>
+                  <a:schemeClr val="tx1"/>
+                </a:solidFill>
+                <a:latin typeface="+mn-lt"/>
+                <a:ea typeface="+mn-ea"/>
+                <a:cs typeface="+mn-cs"/>
+              </a:defRPr>
+            </a:lvl7pPr>
+            <a:lvl8pPr marL="1657350" indent="-228600" algn="l" defTabSz="914400" rtl="0" eaLnBrk="1" latinLnBrk="0" hangingPunct="1">
+              <a:lnSpc>
+                <a:spcPct val="100000"/>
+              </a:lnSpc>
+              <a:spcBef>
+                <a:spcPts val="1000"/>
+              </a:spcBef>
+              <a:buClr>
+                <a:schemeClr val="accent2"/>
+              </a:buClr>
+              <a:buFont typeface="Arial" panose="020B0604020202020204" pitchFamily="34" charset="0"/>
+              <a:buChar char="•"/>
+              <a:defRPr sz="1600" kern="1200" baseline="0">
+                <a:solidFill>
+                  <a:schemeClr val="tx1"/>
+                </a:solidFill>
+                <a:latin typeface="+mn-lt"/>
+                <a:ea typeface="+mn-ea"/>
+                <a:cs typeface="+mn-cs"/>
+              </a:defRPr>
+            </a:lvl8pPr>
+            <a:lvl9pPr marL="1882775" indent="-228600" algn="l" defTabSz="914400" rtl="0" eaLnBrk="1" latinLnBrk="0" hangingPunct="1">
+              <a:lnSpc>
+                <a:spcPct val="100000"/>
+              </a:lnSpc>
+              <a:spcBef>
+                <a:spcPts val="1000"/>
+              </a:spcBef>
+              <a:buClr>
+                <a:schemeClr val="accent2"/>
+              </a:buClr>
+              <a:buFont typeface="Arial" panose="020B0604020202020204" pitchFamily="34" charset="0"/>
+              <a:buChar char="•"/>
+              <a:defRPr sz="1600" kern="1200" baseline="0">
+                <a:solidFill>
+                  <a:schemeClr val="tx1"/>
+                </a:solidFill>
+                <a:latin typeface="+mn-lt"/>
+                <a:ea typeface="+mn-ea"/>
+                <a:cs typeface="+mn-cs"/>
+              </a:defRPr>
+            </a:lvl9pPr>
+          </a:lstStyle>
+          <a:p>
+            <a:pPr marL="0" indent="0">
+              <a:buNone/>
             </a:pPr>
             <a:r>
-              <a:rPr lang="en-IN" dirty="0">
+              <a:rPr lang="en-US" b="1" dirty="0">
                 <a:solidFill>
-                  <a:schemeClr val="tx1">
-                    <a:lumMod val="50000"/>
-                    <a:lumOff val="50000"/>
-                  </a:schemeClr>
+                  <a:srgbClr val="FFC000"/>
                 </a:solidFill>
-                <a:latin typeface="-apple-system"/>
               </a:rPr>
-              <a:t>Complete Flow: Application → Satellite → Position</a:t>
-            </a:r>
-            <a:endParaRPr lang="en-IN" b="0" i="0" dirty="0">
+              <a:t>Definitions:</a:t>
+            </a:r>
+            <a:endParaRPr lang="en-US" dirty="0">
               <a:solidFill>
-                <a:schemeClr val="tx1">
-                  <a:lumMod val="50000"/>
-                  <a:lumOff val="50000"/>
-                </a:schemeClr>
+                <a:srgbClr val="FFC000"/>
               </a:solidFill>
-              <a:effectLst/>
-              <a:latin typeface="-apple-system"/>
             </a:endParaRPr>
+          </a:p>
+          <a:p>
+            <a:pPr lvl="1"/>
+            <a:r>
+              <a:rPr lang="en-US" b="1" dirty="0">
+                <a:solidFill>
+                  <a:srgbClr val="FFC000"/>
+                </a:solidFill>
+              </a:rPr>
+              <a:t>Cold Start:</a:t>
+            </a:r>
+            <a:r>
+              <a:rPr lang="en-US" dirty="0">
+                <a:solidFill>
+                  <a:srgbClr val="FFC000"/>
+                </a:solidFill>
+              </a:rPr>
+              <a:t> </a:t>
+            </a:r>
+            <a:r>
+              <a:rPr lang="en-US" dirty="0"/>
+              <a:t>No almanac, ephemeris, time, or position (Practical scenario: device off &gt;4 hours)</a:t>
+            </a:r>
+          </a:p>
+          <a:p>
+            <a:pPr lvl="1"/>
+            <a:r>
+              <a:rPr lang="en-US" b="1" dirty="0">
+                <a:solidFill>
+                  <a:srgbClr val="FFC000"/>
+                </a:solidFill>
+              </a:rPr>
+              <a:t>Warm Start:</a:t>
+            </a:r>
+            <a:r>
+              <a:rPr lang="en-US" dirty="0">
+                <a:solidFill>
+                  <a:srgbClr val="FFC000"/>
+                </a:solidFill>
+              </a:rPr>
+              <a:t> </a:t>
+            </a:r>
+            <a:r>
+              <a:rPr lang="en-US" dirty="0"/>
+              <a:t>Has almanac but stale ephemeris, </a:t>
+            </a:r>
+            <a:r>
+              <a:rPr lang="en-US" dirty="0" err="1"/>
+              <a:t>utc</a:t>
+            </a:r>
+            <a:r>
+              <a:rPr lang="en-US" dirty="0"/>
+              <a:t> (Practical scenario: device off 1-4 hours)</a:t>
+            </a:r>
+          </a:p>
+          <a:p>
+            <a:pPr lvl="1"/>
+            <a:r>
+              <a:rPr lang="en-US" b="1" dirty="0">
+                <a:solidFill>
+                  <a:srgbClr val="FFC000"/>
+                </a:solidFill>
+              </a:rPr>
+              <a:t>Hot Start:</a:t>
+            </a:r>
+            <a:r>
+              <a:rPr lang="en-US" dirty="0">
+                <a:solidFill>
+                  <a:srgbClr val="FFC000"/>
+                </a:solidFill>
+              </a:rPr>
+              <a:t> </a:t>
+            </a:r>
+            <a:r>
+              <a:rPr lang="en-US" dirty="0"/>
+              <a:t>Recent almanac and ephemeris (Practical scenario: device off &lt;1 hour)</a:t>
+            </a:r>
+          </a:p>
+          <a:p>
+            <a:pPr lvl="1"/>
+            <a:r>
+              <a:rPr lang="en-US" b="1" dirty="0">
+                <a:solidFill>
+                  <a:srgbClr val="FFC000"/>
+                </a:solidFill>
+              </a:rPr>
+              <a:t>Factory Test:</a:t>
+            </a:r>
+            <a:r>
+              <a:rPr lang="en-US" dirty="0">
+                <a:solidFill>
+                  <a:srgbClr val="FFC000"/>
+                </a:solidFill>
+              </a:rPr>
+              <a:t> </a:t>
+            </a:r>
+            <a:r>
+              <a:rPr lang="en-US" dirty="0"/>
+              <a:t>New device, never had GPS fix</a:t>
+            </a:r>
           </a:p>
         </p:txBody>
       </p:sp>
     </p:spTree>
     <p:extLst>
       <p:ext uri="{BB962C8B-B14F-4D97-AF65-F5344CB8AC3E}">
-        <p14:creationId xmlns:p14="http://schemas.microsoft.com/office/powerpoint/2010/main" val="1377158839"/>
+        <p14:creationId xmlns:p14="http://schemas.microsoft.com/office/powerpoint/2010/main" val="1133361886"/>
       </p:ext>
     </p:extLst>
   </p:cSld>
@@ -4327,7 +9265,7 @@
           <a:p>
             <a:r>
               <a:rPr lang="en-IN" b="1" dirty="0"/>
-              <a:t>The Location Challenge</a:t>
+              <a:t>Complete System Overview</a:t>
             </a:r>
             <a:endParaRPr lang="en-IN" dirty="0"/>
           </a:p>
@@ -4335,137 +9273,144 @@
       </p:sp>
       <p:sp>
         <p:nvSpPr>
-          <p:cNvPr id="3" name="Content Placeholder 2">
+          <p:cNvPr id="7" name="TextBox 6">
             <a:extLst>
               <a:ext uri="{FF2B5EF4-FFF2-40B4-BE49-F238E27FC236}">
-                <a16:creationId xmlns:a16="http://schemas.microsoft.com/office/drawing/2014/main" id="{9505BC44-99F5-49E8-8A51-61FFBA207B52}"/>
+                <a16:creationId xmlns:a16="http://schemas.microsoft.com/office/drawing/2014/main" id="{275F31F8-A2C5-02AE-AC1F-3A846AAA33C6}"/>
               </a:ext>
             </a:extLst>
           </p:cNvPr>
-          <p:cNvSpPr>
-            <a:spLocks noGrp="1"/>
-          </p:cNvSpPr>
-          <p:nvPr>
-            <p:ph idx="1"/>
-          </p:nvPr>
+          <p:cNvSpPr txBox="1"/>
+          <p:nvPr/>
         </p:nvSpPr>
         <p:spPr>
           <a:xfrm>
-            <a:off x="543612" y="1508288"/>
-            <a:ext cx="11104775" cy="4822469"/>
+            <a:off x="905455" y="1536356"/>
+            <a:ext cx="10786874" cy="4524315"/>
           </a:xfrm>
+          <a:prstGeom prst="rect">
+            <a:avLst/>
+          </a:prstGeom>
+          <a:noFill/>
         </p:spPr>
         <p:txBody>
-          <a:bodyPr/>
+          <a:bodyPr wrap="square">
+            <a:spAutoFit/>
+          </a:bodyPr>
           <a:lstStyle/>
           <a:p>
-            <a:r>
-              <a:rPr lang="en-GB" b="1" dirty="0"/>
-              <a:t>Why is GPS Positioning Hard?</a:t>
-            </a:r>
-          </a:p>
-          <a:p>
-            <a:pPr marL="228600" lvl="1" indent="0">
-              <a:buNone/>
-            </a:pPr>
-            <a:r>
-              <a:rPr lang="en-GB" b="1" dirty="0"/>
-              <a:t>Traditional GPS Problems:</a:t>
-            </a:r>
-            <a:endParaRPr lang="en-GB" dirty="0"/>
-          </a:p>
-          <a:p>
-            <a:pPr lvl="3"/>
-            <a:r>
-              <a:rPr lang="en-GB" b="1" dirty="0"/>
-              <a:t>Slow Time To First Fix (TTFF):</a:t>
-            </a:r>
-            <a:r>
-              <a:rPr lang="en-GB" dirty="0"/>
-              <a:t> 30-60+ seconds cold start</a:t>
-            </a:r>
-          </a:p>
-          <a:p>
-            <a:pPr lvl="3"/>
-            <a:r>
-              <a:rPr lang="en-GB" b="1" dirty="0"/>
-              <a:t>Weak Signals:</a:t>
-            </a:r>
-            <a:r>
-              <a:rPr lang="en-GB" dirty="0"/>
-              <a:t> -160 dBm (weaker than a 25W bulb on the Moon)</a:t>
-            </a:r>
-          </a:p>
-          <a:p>
-            <a:pPr lvl="3"/>
-            <a:r>
-              <a:rPr lang="en-GB" b="1" dirty="0"/>
-              <a:t>Data Download:</a:t>
-            </a:r>
-            <a:r>
-              <a:rPr lang="en-GB" dirty="0"/>
-              <a:t> 12.5-30 minutes for almanac/ephemeris from satellites</a:t>
-            </a:r>
-          </a:p>
-          <a:p>
-            <a:pPr lvl="3"/>
-            <a:r>
-              <a:rPr lang="en-GB" b="1" dirty="0"/>
-              <a:t>High Power Consumption:</a:t>
-            </a:r>
-            <a:r>
-              <a:rPr lang="en-GB" dirty="0"/>
-              <a:t> Extended satellite search drains battery</a:t>
-            </a:r>
-          </a:p>
-          <a:p>
-            <a:pPr lvl="3"/>
-            <a:r>
-              <a:rPr lang="en-GB" b="1" dirty="0"/>
-              <a:t>Poor Indoor Performance:</a:t>
-            </a:r>
-            <a:r>
-              <a:rPr lang="en-GB" dirty="0"/>
-              <a:t> Signals blocked by buildings</a:t>
-            </a:r>
-          </a:p>
-          <a:p>
-            <a:pPr marL="228600" lvl="1" indent="0">
-              <a:buNone/>
-            </a:pPr>
-            <a:r>
-              <a:rPr lang="en-GB" b="1" dirty="0"/>
-              <a:t>Result:</a:t>
-            </a:r>
-            <a:r>
-              <a:rPr lang="en-GB" dirty="0"/>
-              <a:t> Bad user experience without assistance!</a:t>
-            </a:r>
-          </a:p>
-          <a:p>
-            <a:pPr marL="0" indent="0">
-              <a:buNone/>
-            </a:pPr>
-            <a:endParaRPr lang="en-GB" b="1" dirty="0"/>
-          </a:p>
-          <a:p>
-            <a:r>
-              <a:rPr lang="en-GB" b="1" dirty="0"/>
-              <a:t>The Solution:  A-GPS with SUPL</a:t>
-            </a:r>
-          </a:p>
-          <a:p>
-            <a:pPr marL="0" indent="0">
-              <a:buNone/>
-            </a:pPr>
-            <a:endParaRPr lang="en-GB" dirty="0"/>
+            <a:pPr algn="ctr"/>
+            <a:r>
+              <a:rPr lang="en-US" dirty="0">
+                <a:solidFill>
+                  <a:srgbClr val="FFC000"/>
+                </a:solidFill>
+              </a:rPr>
+              <a:t>Android AOSP Stack</a:t>
+            </a:r>
+          </a:p>
+          <a:p>
+            <a:pPr algn="ctr"/>
+            <a:r>
+              <a:rPr lang="en-US" dirty="0"/>
+              <a:t>(Application → Framework → HAL)</a:t>
+            </a:r>
+          </a:p>
+          <a:p>
+            <a:pPr algn="ctr"/>
+            <a:endParaRPr lang="en-US" dirty="0"/>
+          </a:p>
+          <a:p>
+            <a:pPr algn="ctr"/>
+            <a:r>
+              <a:rPr lang="en-US" dirty="0"/>
+              <a:t>↕</a:t>
+            </a:r>
+          </a:p>
+          <a:p>
+            <a:pPr algn="ctr"/>
+            <a:endParaRPr lang="en-US" dirty="0"/>
+          </a:p>
+          <a:p>
+            <a:pPr algn="ctr"/>
+            <a:r>
+              <a:rPr lang="en-US" dirty="0">
+                <a:solidFill>
+                  <a:srgbClr val="FFC000"/>
+                </a:solidFill>
+              </a:rPr>
+              <a:t>Qualcomm Hardware &amp; Firmware</a:t>
+            </a:r>
+          </a:p>
+          <a:p>
+            <a:pPr algn="ctr"/>
+            <a:r>
+              <a:rPr lang="en-US" dirty="0"/>
+              <a:t>(SoC → Modem → Hexagon DSP → GNSS)</a:t>
+            </a:r>
+          </a:p>
+          <a:p>
+            <a:pPr algn="ctr"/>
+            <a:endParaRPr lang="en-US" dirty="0"/>
+          </a:p>
+          <a:p>
+            <a:pPr algn="ctr"/>
+            <a:r>
+              <a:rPr lang="en-US" dirty="0"/>
+              <a:t>↕</a:t>
+            </a:r>
+          </a:p>
+          <a:p>
+            <a:pPr algn="ctr"/>
+            <a:endParaRPr lang="en-US" dirty="0"/>
+          </a:p>
+          <a:p>
+            <a:pPr algn="ctr"/>
+            <a:r>
+              <a:rPr lang="en-US" dirty="0">
+                <a:solidFill>
+                  <a:srgbClr val="FFC000"/>
+                </a:solidFill>
+              </a:rPr>
+              <a:t>SUPL Network</a:t>
+            </a:r>
+          </a:p>
+          <a:p>
+            <a:pPr algn="ctr"/>
+            <a:r>
+              <a:rPr lang="en-US" dirty="0"/>
+              <a:t>(Assistance Data Servers)</a:t>
+            </a:r>
+          </a:p>
+          <a:p>
+            <a:pPr algn="ctr"/>
+            <a:endParaRPr lang="en-US" dirty="0"/>
+          </a:p>
+          <a:p>
+            <a:pPr algn="ctr"/>
+            <a:r>
+              <a:rPr lang="en-US" dirty="0"/>
+              <a:t>+</a:t>
+            </a:r>
+          </a:p>
+          <a:p>
+            <a:pPr algn="ctr"/>
+            <a:endParaRPr lang="en-US" dirty="0"/>
+          </a:p>
+          <a:p>
+            <a:pPr algn="ctr"/>
+            <a:r>
+              <a:rPr lang="en-US" dirty="0"/>
+              <a:t>GPS/GLONASS/Galileo/BeiDou satellites orbiting at 20,000 km</a:t>
+            </a:r>
+            <a:endParaRPr lang="en-IN" dirty="0"/>
           </a:p>
         </p:txBody>
       </p:sp>
     </p:spTree>
     <p:extLst>
       <p:ext uri="{BB962C8B-B14F-4D97-AF65-F5344CB8AC3E}">
-        <p14:creationId xmlns:p14="http://schemas.microsoft.com/office/powerpoint/2010/main" val="3047245245"/>
+        <p14:creationId xmlns:p14="http://schemas.microsoft.com/office/powerpoint/2010/main" val="439930162"/>
       </p:ext>
     </p:extLst>
   </p:cSld>
@@ -4480,7 +9425,13 @@
   <p:cSld>
     <p:spTree>
       <p:nvGrpSpPr>
-        <p:cNvPr id="1" name=""/>
+        <p:cNvPr id="1" name="">
+          <a:extLst>
+            <a:ext uri="{FF2B5EF4-FFF2-40B4-BE49-F238E27FC236}">
+              <a16:creationId xmlns:a16="http://schemas.microsoft.com/office/drawing/2014/main" id="{1EA3D941-CB35-8824-52A0-403A9D22C35E}"/>
+            </a:ext>
+          </a:extLst>
+        </p:cNvPr>
         <p:cNvGrpSpPr/>
         <p:nvPr/>
       </p:nvGrpSpPr>
@@ -4497,7 +9448,7 @@
           <p:cNvPr id="2" name="Title 1">
             <a:extLst>
               <a:ext uri="{FF2B5EF4-FFF2-40B4-BE49-F238E27FC236}">
-                <a16:creationId xmlns:a16="http://schemas.microsoft.com/office/drawing/2014/main" id="{E8236561-7347-415E-8BBB-9CF4E3D9820D}"/>
+                <a16:creationId xmlns:a16="http://schemas.microsoft.com/office/drawing/2014/main" id="{5AEB3101-C088-7866-96D8-04117EA2E193}"/>
               </a:ext>
             </a:extLst>
           </p:cNvPr>
@@ -4516,127 +9467,287 @@
         </p:spPr>
         <p:txBody>
           <a:bodyPr>
-            <a:normAutofit fontScale="90000"/>
+            <a:noAutofit/>
           </a:bodyPr>
           <a:lstStyle/>
           <a:p>
             <a:r>
-              <a:rPr lang="en-IN" b="1" dirty="0"/>
-              <a:t>Assisted GPS</a:t>
-            </a:r>
-            <a:endParaRPr lang="en-IN" dirty="0"/>
-          </a:p>
-        </p:txBody>
-      </p:sp>
-      <p:sp>
-        <p:nvSpPr>
-          <p:cNvPr id="3" name="Content Placeholder 2">
+              <a:rPr lang="en-US" sz="1800" dirty="0"/>
+              <a:t>Complete Android-Qualcomm-SUPL Location Flow</a:t>
+            </a:r>
+            <a:endParaRPr lang="en-IN" sz="1800" dirty="0"/>
+          </a:p>
+        </p:txBody>
+      </p:sp>
+      <p:sp>
+        <p:nvSpPr>
+          <p:cNvPr id="7" name="TextBox 6">
             <a:extLst>
               <a:ext uri="{FF2B5EF4-FFF2-40B4-BE49-F238E27FC236}">
-                <a16:creationId xmlns:a16="http://schemas.microsoft.com/office/drawing/2014/main" id="{9505BC44-99F5-49E8-8A51-61FFBA207B52}"/>
+                <a16:creationId xmlns:a16="http://schemas.microsoft.com/office/drawing/2014/main" id="{F3160C6B-542B-E10B-2225-0742436CCD4F}"/>
               </a:ext>
             </a:extLst>
           </p:cNvPr>
-          <p:cNvSpPr>
-            <a:spLocks noGrp="1"/>
-          </p:cNvSpPr>
-          <p:nvPr>
-            <p:ph idx="1"/>
-          </p:nvPr>
+          <p:cNvSpPr txBox="1"/>
+          <p:nvPr/>
         </p:nvSpPr>
         <p:spPr>
           <a:xfrm>
-            <a:off x="543612" y="1508288"/>
-            <a:ext cx="11104775" cy="4822469"/>
+            <a:off x="0" y="1266533"/>
+            <a:ext cx="11812250" cy="5632311"/>
           </a:xfrm>
+          <a:prstGeom prst="rect">
+            <a:avLst/>
+          </a:prstGeom>
+          <a:noFill/>
         </p:spPr>
         <p:txBody>
-          <a:bodyPr/>
+          <a:bodyPr wrap="square">
+            <a:spAutoFit/>
+          </a:bodyPr>
           <a:lstStyle/>
           <a:p>
-            <a:pPr marL="0" indent="0">
-              <a:buNone/>
-            </a:pPr>
-            <a:r>
-              <a:rPr lang="en-IN" b="1" dirty="0"/>
-              <a:t>Assisted GPS (A-GPS)</a:t>
-            </a:r>
-          </a:p>
-          <a:p>
-            <a:r>
-              <a:rPr lang="en-IN" b="1" dirty="0"/>
-              <a:t>Key Concept:</a:t>
-            </a:r>
+            <a:r>
+              <a:rPr lang="en-IN" dirty="0">
+                <a:solidFill>
+                  <a:srgbClr val="FFC000"/>
+                </a:solidFill>
+              </a:rPr>
+              <a:t>1.  APPLICATION LAYER: </a:t>
+            </a:r>
+          </a:p>
+          <a:p>
+            <a:pPr lvl="1"/>
             <a:r>
               <a:rPr lang="en-IN" dirty="0"/>
-              <a:t> </a:t>
-            </a:r>
-          </a:p>
-          <a:p>
-            <a:pPr lvl="1"/>
+              <a:t>└ User opens Maps → </a:t>
+            </a:r>
+            <a:r>
+              <a:rPr lang="en-IN" dirty="0" err="1"/>
+              <a:t>LocationManager.requestLocationUpdates</a:t>
+            </a:r>
             <a:r>
               <a:rPr lang="en-IN" dirty="0"/>
-              <a:t>Download assistance data over fast internet instead of slow satellite signals</a:t>
-            </a:r>
-          </a:p>
-          <a:p>
-            <a:r>
-              <a:rPr lang="en-IN" b="1" dirty="0"/>
-              <a:t>Speed Comparison:</a:t>
-            </a:r>
+              <a:t>()</a:t>
+            </a:r>
+          </a:p>
+          <a:p>
+            <a:r>
+              <a:rPr lang="en-IN" dirty="0">
+                <a:solidFill>
+                  <a:srgbClr val="FFC000"/>
+                </a:solidFill>
+              </a:rPr>
+              <a:t>2.  ANDROID FRAMEWORK: </a:t>
+            </a:r>
+          </a:p>
+          <a:p>
+            <a:r>
+              <a:rPr lang="en-IN" dirty="0"/>
+              <a:t>	 └ </a:t>
+            </a:r>
+            <a:r>
+              <a:rPr lang="en-IN" dirty="0" err="1"/>
+              <a:t>LocationManagerService</a:t>
+            </a:r>
+            <a:r>
+              <a:rPr lang="en-IN" dirty="0"/>
+              <a:t> → </a:t>
+            </a:r>
+            <a:r>
+              <a:rPr lang="en-IN" dirty="0" err="1"/>
+              <a:t>GnssLocationProvider.enable</a:t>
+            </a:r>
+            <a:r>
+              <a:rPr lang="en-IN" dirty="0"/>
+              <a:t>()</a:t>
+            </a:r>
+          </a:p>
+          <a:p>
+            <a:r>
+              <a:rPr lang="en-IN" dirty="0">
+                <a:solidFill>
+                  <a:srgbClr val="FFC000"/>
+                </a:solidFill>
+              </a:rPr>
+              <a:t>3. HAL INTERFACE: </a:t>
+            </a:r>
+          </a:p>
+          <a:p>
+            <a:r>
+              <a:rPr lang="en-IN" dirty="0">
+                <a:solidFill>
+                  <a:srgbClr val="FFC000"/>
+                </a:solidFill>
+              </a:rPr>
+              <a:t>	</a:t>
+            </a:r>
+            <a:r>
+              <a:rPr lang="en-IN" dirty="0"/>
+              <a:t> └ </a:t>
+            </a:r>
+            <a:r>
+              <a:rPr lang="en-IN" dirty="0" err="1"/>
+              <a:t>IGnss.start</a:t>
+            </a:r>
+            <a:r>
+              <a:rPr lang="en-IN" dirty="0"/>
+              <a:t>() → Vendor HAL implementation</a:t>
+            </a:r>
+          </a:p>
+          <a:p>
+            <a:r>
+              <a:rPr lang="en-IN" dirty="0">
+                <a:solidFill>
+                  <a:srgbClr val="FFC000"/>
+                </a:solidFill>
+              </a:rPr>
+              <a:t>4. QUALCOMM VENDOR: </a:t>
+            </a:r>
+          </a:p>
+          <a:p>
+            <a:r>
+              <a:rPr lang="en-IN" dirty="0"/>
+              <a:t>	 └ Location API → GNSS Daemon → Location Engine</a:t>
+            </a:r>
+          </a:p>
+          <a:p>
+            <a:r>
+              <a:rPr lang="en-IN" dirty="0">
+                <a:solidFill>
+                  <a:srgbClr val="FFC000"/>
+                </a:solidFill>
+              </a:rPr>
+              <a:t>5. SUPL ASSISTANCE </a:t>
+            </a:r>
+            <a:r>
+              <a:rPr lang="en-IN" dirty="0">
+                <a:solidFill>
+                  <a:srgbClr val="92D050"/>
+                </a:solidFill>
+              </a:rPr>
+              <a:t>(Parallel)</a:t>
+            </a:r>
+            <a:r>
+              <a:rPr lang="en-IN" dirty="0">
+                <a:solidFill>
+                  <a:srgbClr val="FFC000"/>
+                </a:solidFill>
+              </a:rPr>
+              <a:t>: </a:t>
+            </a:r>
+            <a:r>
+              <a:rPr lang="en-IN" dirty="0"/>
+              <a:t>SUPL Client → SUPL Server → Assistance Data</a:t>
+            </a:r>
+          </a:p>
+          <a:p>
+            <a:r>
+              <a:rPr lang="en-IN" dirty="0"/>
+              <a:t>      └ Satellite ephemeris, Reference time &amp; location, Ionospheric corrections,  Acquisition assistance (Doppler, code phase)</a:t>
+            </a:r>
+          </a:p>
+          <a:p>
+            <a:r>
+              <a:rPr lang="en-IN" dirty="0">
+                <a:solidFill>
+                  <a:srgbClr val="FFC000"/>
+                </a:solidFill>
+              </a:rPr>
+              <a:t>6. GNSS HARDWARE: </a:t>
+            </a:r>
+            <a:r>
+              <a:rPr lang="en-IN" dirty="0"/>
+              <a:t>RF Frontend → Acquisition → Tracking → Measurements</a:t>
+            </a:r>
+          </a:p>
+          <a:p>
+            <a:r>
+              <a:rPr lang="en-IN" dirty="0"/>
+              <a:t>      └ Uses assistance data to acquire fast (5-10s vs 30-60s), Tracks 8+ satellites (GPS, GLONASS, Galileo, BeiDou)</a:t>
+            </a:r>
+          </a:p>
+          <a:p>
+            <a:r>
+              <a:rPr lang="en-IN" dirty="0">
+                <a:solidFill>
+                  <a:srgbClr val="FFC000"/>
+                </a:solidFill>
+              </a:rPr>
+              <a:t>7. POSITION CALCULATION: </a:t>
+            </a:r>
+            <a:r>
+              <a:rPr lang="en-IN" dirty="0"/>
+              <a:t>Measurement Engine → Position Engine</a:t>
+            </a:r>
+          </a:p>
+          <a:p>
+            <a:r>
+              <a:rPr lang="en-IN" dirty="0"/>
+              <a:t>      ├ Apply corrections (ionosphere, troposphere, clock), Least squares trilateration, Kalman filter smoothing</a:t>
+            </a:r>
+          </a:p>
+          <a:p>
+            <a:r>
+              <a:rPr lang="en-IN" dirty="0"/>
+              <a:t>      └ Output: Lat/Lon/Alt ±4m accuracy</a:t>
+            </a:r>
+          </a:p>
+          <a:p>
+            <a:r>
+              <a:rPr lang="en-IN" dirty="0">
+                <a:solidFill>
+                  <a:srgbClr val="FFC000"/>
+                </a:solidFill>
+              </a:rPr>
+              <a:t>8. CALLBACK CHAIN:</a:t>
+            </a:r>
+          </a:p>
+          <a:p>
+            <a:r>
+              <a:rPr lang="en-IN" dirty="0"/>
+              <a:t>   └ GNSS Engine → HAL → Framework → Application</a:t>
+            </a:r>
+          </a:p>
+          <a:p>
+            <a:r>
+              <a:rPr lang="en-IN" dirty="0">
+                <a:solidFill>
+                  <a:srgbClr val="FFC000"/>
+                </a:solidFill>
+              </a:rPr>
+              <a:t>9. USER SEES LOCATION: </a:t>
+            </a:r>
+            <a:r>
+              <a:rPr lang="en-IN" dirty="0"/>
+              <a:t>Blue dot on map, navigation route displayed</a:t>
+            </a:r>
+          </a:p>
+          <a:p>
+            <a:pPr algn="ctr"/>
             <a:endParaRPr lang="en-IN" dirty="0"/>
           </a:p>
           <a:p>
-            <a:pPr lvl="1"/>
+            <a:pPr algn="ctr"/>
             <a:r>
               <a:rPr lang="en-IN" dirty="0"/>
-              <a:t>Satellite broadcast: 50 bits/second</a:t>
-            </a:r>
-          </a:p>
-          <a:p>
-            <a:pPr lvl="1"/>
-            <a:r>
-              <a:rPr lang="en-IN" dirty="0"/>
-              <a:t>4G/5G internet: 20+ Mbps (400,000× faster!)</a:t>
-            </a:r>
-          </a:p>
-          <a:p>
-            <a:r>
-              <a:rPr lang="en-IN" b="1" dirty="0"/>
-              <a:t>Result:</a:t>
-            </a:r>
-            <a:endParaRPr lang="en-IN" dirty="0"/>
-          </a:p>
-          <a:p>
-            <a:pPr lvl="1"/>
-            <a:r>
-              <a:rPr lang="en-IN" dirty="0"/>
-              <a:t>TTFF: 5-10 seconds (vs 30-60 seconds)</a:t>
-            </a:r>
-          </a:p>
-          <a:p>
-            <a:pPr lvl="1"/>
-            <a:r>
-              <a:rPr lang="en-IN" dirty="0"/>
-              <a:t>90% less power consumption</a:t>
-            </a:r>
-          </a:p>
-          <a:p>
-            <a:pPr lvl="1"/>
-            <a:r>
-              <a:rPr lang="en-IN" dirty="0"/>
-              <a:t>Works in weak signal environments</a:t>
-            </a:r>
-          </a:p>
-          <a:p>
-            <a:endParaRPr lang="en-IN" dirty="0"/>
+              <a:t>Total Time: </a:t>
+            </a:r>
+            <a:r>
+              <a:rPr lang="en-IN" dirty="0">
+                <a:solidFill>
+                  <a:srgbClr val="FFC000"/>
+                </a:solidFill>
+              </a:rPr>
+              <a:t>5-10 seconds (first fix), 1-3 seconds (subsequent)</a:t>
+            </a:r>
           </a:p>
         </p:txBody>
       </p:sp>
     </p:spTree>
     <p:extLst>
       <p:ext uri="{BB962C8B-B14F-4D97-AF65-F5344CB8AC3E}">
-        <p14:creationId xmlns:p14="http://schemas.microsoft.com/office/powerpoint/2010/main" val="2314565937"/>
+        <p14:creationId xmlns:p14="http://schemas.microsoft.com/office/powerpoint/2010/main" val="899700646"/>
       </p:ext>
     </p:extLst>
   </p:cSld>
@@ -4687,35 +9798,37 @@
         </p:spPr>
         <p:txBody>
           <a:bodyPr>
-            <a:normAutofit fontScale="90000"/>
+            <a:noAutofit/>
           </a:bodyPr>
           <a:lstStyle/>
           <a:p>
             <a:r>
-              <a:rPr lang="en-IN" b="1" dirty="0"/>
-              <a:t>Complete System Overview</a:t>
-            </a:r>
-            <a:endParaRPr lang="en-IN" dirty="0"/>
+              <a:rPr lang="en-US" sz="2000" dirty="0"/>
+              <a:t>Android AOSP Stack For Location Services</a:t>
+            </a:r>
+            <a:r>
+              <a:rPr lang="en-GB" sz="2000" dirty="0"/>
+              <a:t> </a:t>
+            </a:r>
+            <a:endParaRPr lang="en-IN" sz="2000" dirty="0"/>
           </a:p>
         </p:txBody>
       </p:sp>
       <p:pic>
         <p:nvPicPr>
-          <p:cNvPr id="5" name="Content Placeholder 4">
+          <p:cNvPr id="9" name="Picture 8">
             <a:extLst>
               <a:ext uri="{FF2B5EF4-FFF2-40B4-BE49-F238E27FC236}">
-                <a16:creationId xmlns:a16="http://schemas.microsoft.com/office/drawing/2014/main" id="{DEA9C8BF-0F1C-4B6A-BB30-22EA5D4B1726}"/>
+                <a16:creationId xmlns:a16="http://schemas.microsoft.com/office/drawing/2014/main" id="{F76D3867-5ED9-4163-A9E5-CE9082F9A075}"/>
               </a:ext>
             </a:extLst>
           </p:cNvPr>
           <p:cNvPicPr>
-            <a:picLocks noGrp="1" noChangeAspect="1"/>
+            <a:picLocks noChangeAspect="1"/>
           </p:cNvPicPr>
-          <p:nvPr>
-            <p:ph idx="1"/>
-          </p:nvPr>
+          <p:nvPr/>
         </p:nvPicPr>
-        <p:blipFill>
+        <p:blipFill rotWithShape="1">
           <a:blip r:embed="rId2">
             <a:extLst>
               <a:ext uri="{28A0092B-C50C-407E-A947-70E740481C1C}">
@@ -4723,21 +9836,25 @@
               </a:ext>
             </a:extLst>
           </a:blip>
+          <a:srcRect t="18048" b="7437"/>
           <a:stretch>
             <a:fillRect/>
           </a:stretch>
         </p:blipFill>
         <p:spPr>
           <a:xfrm>
-            <a:off x="8164846" y="1432710"/>
-            <a:ext cx="3215216" cy="4822825"/>
+            <a:off x="176882" y="1200003"/>
+            <a:ext cx="11838236" cy="5272157"/>
           </a:xfrm>
+          <a:prstGeom prst="rect">
+            <a:avLst/>
+          </a:prstGeom>
         </p:spPr>
       </p:pic>
     </p:spTree>
     <p:extLst>
       <p:ext uri="{BB962C8B-B14F-4D97-AF65-F5344CB8AC3E}">
-        <p14:creationId xmlns:p14="http://schemas.microsoft.com/office/powerpoint/2010/main" val="439930162"/>
+        <p14:creationId xmlns:p14="http://schemas.microsoft.com/office/powerpoint/2010/main" val="1189539477"/>
       </p:ext>
     </p:extLst>
   </p:cSld>
@@ -4792,16 +9909,20 @@
           </a:bodyPr>
           <a:lstStyle/>
           <a:p>
+            <a:r>
+              <a:rPr lang="en-US" dirty="0"/>
+              <a:t>Qualcomm Hardware Architecture</a:t>
+            </a:r>
             <a:endParaRPr lang="en-IN" dirty="0"/>
           </a:p>
         </p:txBody>
       </p:sp>
       <p:sp>
         <p:nvSpPr>
-          <p:cNvPr id="3" name="Content Placeholder 2">
+          <p:cNvPr id="7" name="Content Placeholder 2">
             <a:extLst>
               <a:ext uri="{FF2B5EF4-FFF2-40B4-BE49-F238E27FC236}">
-                <a16:creationId xmlns:a16="http://schemas.microsoft.com/office/drawing/2014/main" id="{9505BC44-99F5-49E8-8A51-61FFBA207B52}"/>
+                <a16:creationId xmlns:a16="http://schemas.microsoft.com/office/drawing/2014/main" id="{920DA89F-3382-EAC0-D745-5E01F2AD4167}"/>
               </a:ext>
             </a:extLst>
           </p:cNvPr>
@@ -4819,17 +9940,126 @@
           </a:xfrm>
         </p:spPr>
         <p:txBody>
-          <a:bodyPr/>
+          <a:bodyPr>
+            <a:normAutofit fontScale="92500" lnSpcReduction="10000"/>
+          </a:bodyPr>
           <a:lstStyle/>
           <a:p>
-            <a:endParaRPr lang="en-IN" dirty="0"/>
+            <a:pPr marL="0" indent="0">
+              <a:buNone/>
+            </a:pPr>
+            <a:r>
+              <a:rPr lang="en-GB" b="1" dirty="0"/>
+              <a:t>1. Application Processor (</a:t>
+            </a:r>
+            <a:r>
+              <a:rPr lang="en-GB" b="1" dirty="0" err="1"/>
+              <a:t>Kryo</a:t>
+            </a:r>
+            <a:r>
+              <a:rPr lang="en-GB" b="1" dirty="0"/>
+              <a:t> CPU)</a:t>
+            </a:r>
+          </a:p>
+          <a:p>
+            <a:pPr lvl="1"/>
+            <a:r>
+              <a:rPr lang="en-GB" dirty="0"/>
+              <a:t>Runs Android OS</a:t>
+            </a:r>
+          </a:p>
+          <a:p>
+            <a:pPr lvl="1"/>
+            <a:r>
+              <a:rPr lang="en-GB" dirty="0"/>
+              <a:t>ARM Cortex-based cores</a:t>
+            </a:r>
+          </a:p>
+          <a:p>
+            <a:pPr lvl="1"/>
+            <a:r>
+              <a:rPr lang="en-GB" dirty="0"/>
+              <a:t>Handles apps and framework</a:t>
+            </a:r>
+          </a:p>
+          <a:p>
+            <a:pPr marL="0" indent="0">
+              <a:buNone/>
+            </a:pPr>
+            <a:endParaRPr lang="en-GB" b="1" dirty="0"/>
+          </a:p>
+          <a:p>
+            <a:pPr marL="0" indent="0">
+              <a:buNone/>
+            </a:pPr>
+            <a:r>
+              <a:rPr lang="en-GB" b="1" dirty="0"/>
+              <a:t>2. Modem Subsystem</a:t>
+            </a:r>
+          </a:p>
+          <a:p>
+            <a:pPr lvl="1"/>
+            <a:r>
+              <a:rPr lang="en-GB" dirty="0"/>
+              <a:t>Separate processor complex</a:t>
+            </a:r>
+          </a:p>
+          <a:p>
+            <a:pPr lvl="1"/>
+            <a:r>
+              <a:rPr lang="en-GB" dirty="0"/>
+              <a:t>Handles cellular (4G/5G) communications</a:t>
+            </a:r>
+          </a:p>
+          <a:p>
+            <a:pPr lvl="1"/>
+            <a:r>
+              <a:rPr lang="en-GB" dirty="0"/>
+              <a:t>Has its own CPU, memory, and OS</a:t>
+            </a:r>
+          </a:p>
+          <a:p>
+            <a:pPr marL="0" indent="0">
+              <a:buNone/>
+            </a:pPr>
+            <a:endParaRPr lang="en-GB" b="1" dirty="0"/>
+          </a:p>
+          <a:p>
+            <a:pPr marL="0" indent="0">
+              <a:buNone/>
+            </a:pPr>
+            <a:r>
+              <a:rPr lang="en-GB" b="1" dirty="0"/>
+              <a:t>3. Hexagon DSP</a:t>
+            </a:r>
+          </a:p>
+          <a:p>
+            <a:pPr lvl="1"/>
+            <a:r>
+              <a:rPr lang="en-GB" dirty="0"/>
+              <a:t>Digital Signal Processor</a:t>
+            </a:r>
+          </a:p>
+          <a:p>
+            <a:pPr lvl="1"/>
+            <a:r>
+              <a:rPr lang="en-GB" dirty="0"/>
+              <a:t>Low-power, specialized processor</a:t>
+            </a:r>
+          </a:p>
+          <a:p>
+            <a:pPr lvl="1"/>
+            <a:r>
+              <a:rPr lang="en-GB" dirty="0"/>
+              <a:t>Runs GNSS engine firmware</a:t>
+            </a:r>
           </a:p>
         </p:txBody>
       </p:sp>
     </p:spTree>
     <p:extLst>
       <p:ext uri="{BB962C8B-B14F-4D97-AF65-F5344CB8AC3E}">
-        <p14:creationId xmlns:p14="http://schemas.microsoft.com/office/powerpoint/2010/main" val="3114807013"/>
+        <p14:creationId xmlns:p14="http://schemas.microsoft.com/office/powerpoint/2010/main" val="1593989702"/>
       </p:ext>
     </p:extLst>
   </p:cSld>
@@ -4844,7 +10074,13 @@
   <p:cSld>
     <p:spTree>
       <p:nvGrpSpPr>
-        <p:cNvPr id="1" name=""/>
+        <p:cNvPr id="1" name="">
+          <a:extLst>
+            <a:ext uri="{FF2B5EF4-FFF2-40B4-BE49-F238E27FC236}">
+              <a16:creationId xmlns:a16="http://schemas.microsoft.com/office/drawing/2014/main" id="{2FDC661A-E073-A08B-09B6-C42198A40907}"/>
+            </a:ext>
+          </a:extLst>
+        </p:cNvPr>
         <p:cNvGrpSpPr/>
         <p:nvPr/>
       </p:nvGrpSpPr>
@@ -4861,7 +10097,7 @@
           <p:cNvPr id="2" name="Title 1">
             <a:extLst>
               <a:ext uri="{FF2B5EF4-FFF2-40B4-BE49-F238E27FC236}">
-                <a16:creationId xmlns:a16="http://schemas.microsoft.com/office/drawing/2014/main" id="{E8236561-7347-415E-8BBB-9CF4E3D9820D}"/>
+                <a16:creationId xmlns:a16="http://schemas.microsoft.com/office/drawing/2014/main" id="{063190E9-0F66-0450-733D-79D6CDABAC41}"/>
               </a:ext>
             </a:extLst>
           </p:cNvPr>
@@ -4885,52 +10121,230 @@
           <a:lstStyle/>
           <a:p>
             <a:r>
-              <a:rPr lang="en-GB" dirty="0"/>
-              <a:t> </a:t>
-            </a:r>
-            <a:endParaRPr lang="en-IN" dirty="0"/>
-          </a:p>
-        </p:txBody>
-      </p:sp>
-      <p:pic>
-        <p:nvPicPr>
-          <p:cNvPr id="9" name="Picture 8">
+              <a:rPr lang="en-US" dirty="0"/>
+              <a:t>GNSS Engine Architecture</a:t>
+            </a:r>
+          </a:p>
+        </p:txBody>
+      </p:sp>
+      <p:sp>
+        <p:nvSpPr>
+          <p:cNvPr id="7" name="Content Placeholder 2">
             <a:extLst>
               <a:ext uri="{FF2B5EF4-FFF2-40B4-BE49-F238E27FC236}">
-                <a16:creationId xmlns:a16="http://schemas.microsoft.com/office/drawing/2014/main" id="{F76D3867-5ED9-4163-A9E5-CE9082F9A075}"/>
+                <a16:creationId xmlns:a16="http://schemas.microsoft.com/office/drawing/2014/main" id="{631A9D9B-F266-0444-22F9-342B93C18394}"/>
               </a:ext>
             </a:extLst>
           </p:cNvPr>
-          <p:cNvPicPr>
-            <a:picLocks noChangeAspect="1"/>
-          </p:cNvPicPr>
-          <p:nvPr/>
-        </p:nvPicPr>
-        <p:blipFill rotWithShape="1">
-          <a:blip r:embed="rId2">
-            <a:extLst>
-              <a:ext uri="{28A0092B-C50C-407E-A947-70E740481C1C}">
-                <a14:useLocalDpi xmlns:a14="http://schemas.microsoft.com/office/drawing/2010/main" val="0"/>
-              </a:ext>
-            </a:extLst>
-          </a:blip>
-          <a:srcRect b="7437"/>
-          <a:stretch/>
-        </p:blipFill>
+          <p:cNvSpPr>
+            <a:spLocks noGrp="1"/>
+          </p:cNvSpPr>
+          <p:nvPr>
+            <p:ph idx="1"/>
+          </p:nvPr>
+        </p:nvSpPr>
         <p:spPr>
           <a:xfrm>
-            <a:off x="293802" y="52506"/>
-            <a:ext cx="11604395" cy="6419654"/>
+            <a:off x="543612" y="1289154"/>
+            <a:ext cx="11104775" cy="4636298"/>
           </a:xfrm>
-          <a:prstGeom prst="rect">
-            <a:avLst/>
-          </a:prstGeom>
         </p:spPr>
-      </p:pic>
+        <p:txBody>
+          <a:bodyPr>
+            <a:noAutofit/>
+          </a:bodyPr>
+          <a:lstStyle/>
+          <a:p>
+            <a:pPr marL="0" indent="0" algn="ctr">
+              <a:buNone/>
+            </a:pPr>
+            <a:r>
+              <a:rPr lang="en-GB" sz="1400" dirty="0">
+                <a:solidFill>
+                  <a:srgbClr val="FFC000"/>
+                </a:solidFill>
+              </a:rPr>
+              <a:t>RF Frontend </a:t>
+            </a:r>
+          </a:p>
+          <a:p>
+            <a:pPr marL="0" indent="0" algn="ctr">
+              <a:buNone/>
+            </a:pPr>
+            <a:r>
+              <a:rPr lang="en-GB" sz="1200" dirty="0"/>
+              <a:t>Antenna and Low Noise Amplifier (LNA) + RF to baseband conversion + L1/L5 frequency reception (1.5 GHz)</a:t>
+            </a:r>
+          </a:p>
+          <a:p>
+            <a:pPr marL="0" indent="0" algn="ctr">
+              <a:buNone/>
+            </a:pPr>
+            <a:r>
+              <a:rPr lang="en-GB" sz="1200" dirty="0"/>
+              <a:t>↓</a:t>
+            </a:r>
+          </a:p>
+          <a:p>
+            <a:pPr marL="0" indent="0" algn="ctr">
+              <a:buNone/>
+            </a:pPr>
+            <a:r>
+              <a:rPr lang="en-GB" sz="1400" dirty="0">
+                <a:solidFill>
+                  <a:srgbClr val="FFC000"/>
+                </a:solidFill>
+              </a:rPr>
+              <a:t>Acquisition Engine</a:t>
+            </a:r>
+          </a:p>
+          <a:p>
+            <a:pPr marL="0" indent="0" algn="ctr">
+              <a:buNone/>
+            </a:pPr>
+            <a:r>
+              <a:rPr lang="en-GB" sz="1200" dirty="0"/>
+              <a:t>Searches for satellite signals + Parallel correlators + Doppler frequency search</a:t>
+            </a:r>
+          </a:p>
+          <a:p>
+            <a:pPr marL="0" indent="0" algn="ctr">
+              <a:buNone/>
+            </a:pPr>
+            <a:r>
+              <a:rPr lang="en-GB" sz="1200" dirty="0"/>
+              <a:t>↓</a:t>
+            </a:r>
+          </a:p>
+          <a:p>
+            <a:pPr marL="0" indent="0" algn="ctr">
+              <a:buNone/>
+            </a:pPr>
+            <a:r>
+              <a:rPr lang="en-GB" sz="1400" dirty="0">
+                <a:solidFill>
+                  <a:srgbClr val="FFC000"/>
+                </a:solidFill>
+              </a:rPr>
+              <a:t>Tracking Channels (12-32 channels)</a:t>
+            </a:r>
+          </a:p>
+          <a:p>
+            <a:pPr marL="0" indent="0" algn="ctr">
+              <a:buNone/>
+            </a:pPr>
+            <a:r>
+              <a:rPr lang="en-GB" sz="1200" dirty="0"/>
+              <a:t>Code tracking loop (DLL) + Carrier tracking loop (PLL) + One channel per satellite</a:t>
+            </a:r>
+          </a:p>
+          <a:p>
+            <a:pPr marL="0" indent="0" algn="ctr">
+              <a:buNone/>
+            </a:pPr>
+            <a:r>
+              <a:rPr lang="en-GB" sz="1200" dirty="0"/>
+              <a:t>↓</a:t>
+            </a:r>
+          </a:p>
+          <a:p>
+            <a:pPr marL="0" indent="0" algn="ctr">
+              <a:buNone/>
+            </a:pPr>
+            <a:r>
+              <a:rPr lang="en-GB" sz="1400" dirty="0">
+                <a:solidFill>
+                  <a:srgbClr val="FFC000"/>
+                </a:solidFill>
+              </a:rPr>
+              <a:t>Measurement Engine</a:t>
+            </a:r>
+          </a:p>
+          <a:p>
+            <a:pPr marL="0" indent="0" algn="ctr">
+              <a:buNone/>
+            </a:pPr>
+            <a:r>
+              <a:rPr lang="en-GB" sz="1200" dirty="0"/>
+              <a:t>Generates </a:t>
+            </a:r>
+            <a:r>
+              <a:rPr lang="en-GB" sz="1200" dirty="0" err="1"/>
+              <a:t>pseudorange</a:t>
+            </a:r>
+            <a:r>
+              <a:rPr lang="en-GB" sz="1200" dirty="0"/>
+              <a:t> measurements + Doppler shift measurements + Carrier phase measurements + Signal strength (C/N0)</a:t>
+            </a:r>
+          </a:p>
+          <a:p>
+            <a:pPr marL="0" indent="0" algn="ctr">
+              <a:buNone/>
+            </a:pPr>
+            <a:r>
+              <a:rPr lang="en-GB" sz="1200" dirty="0"/>
+              <a:t>↓</a:t>
+            </a:r>
+          </a:p>
+          <a:p>
+            <a:pPr marL="0" indent="0" algn="ctr">
+              <a:buNone/>
+            </a:pPr>
+            <a:r>
+              <a:rPr lang="en-GB" sz="1400" dirty="0">
+                <a:solidFill>
+                  <a:srgbClr val="FFC000"/>
+                </a:solidFill>
+              </a:rPr>
+              <a:t>Position Engine</a:t>
+            </a:r>
+          </a:p>
+          <a:p>
+            <a:pPr marL="0" indent="0" algn="ctr">
+              <a:buNone/>
+            </a:pPr>
+            <a:r>
+              <a:rPr lang="en-GB" sz="1200" dirty="0"/>
+              <a:t>Trilateration algorithm + Least squares solution + Kalman filtering + ECEF → Lat/Lon/Alt conversion</a:t>
+            </a:r>
+          </a:p>
+          <a:p>
+            <a:pPr marL="0" indent="0" algn="ctr">
+              <a:buNone/>
+            </a:pPr>
+            <a:r>
+              <a:rPr lang="en-GB" sz="1200" dirty="0"/>
+              <a:t>↓</a:t>
+            </a:r>
+          </a:p>
+          <a:p>
+            <a:pPr marL="0" indent="0" algn="ctr">
+              <a:buNone/>
+            </a:pPr>
+            <a:r>
+              <a:rPr lang="en-GB" sz="1400" dirty="0">
+                <a:solidFill>
+                  <a:srgbClr val="FFC000"/>
+                </a:solidFill>
+              </a:rPr>
+              <a:t>SUPL Client</a:t>
+            </a:r>
+          </a:p>
+          <a:p>
+            <a:pPr marL="0" indent="0" algn="ctr">
+              <a:buNone/>
+            </a:pPr>
+            <a:r>
+              <a:rPr lang="en-GB" sz="1200" dirty="0"/>
+              <a:t>Downloads assistance data + Manages SUPL sessions</a:t>
+            </a:r>
+          </a:p>
+        </p:txBody>
+      </p:sp>
     </p:spTree>
     <p:extLst>
       <p:ext uri="{BB962C8B-B14F-4D97-AF65-F5344CB8AC3E}">
-        <p14:creationId xmlns:p14="http://schemas.microsoft.com/office/powerpoint/2010/main" val="1189539477"/>
+        <p14:creationId xmlns:p14="http://schemas.microsoft.com/office/powerpoint/2010/main" val="2890040377"/>
       </p:ext>
     </p:extLst>
   </p:cSld>
@@ -4945,7 +10359,13 @@
   <p:cSld>
     <p:spTree>
       <p:nvGrpSpPr>
-        <p:cNvPr id="1" name=""/>
+        <p:cNvPr id="1" name="">
+          <a:extLst>
+            <a:ext uri="{FF2B5EF4-FFF2-40B4-BE49-F238E27FC236}">
+              <a16:creationId xmlns:a16="http://schemas.microsoft.com/office/drawing/2014/main" id="{692EE529-6F27-BD42-D5A3-B9E86912AF0D}"/>
+            </a:ext>
+          </a:extLst>
+        </p:cNvPr>
         <p:cNvGrpSpPr/>
         <p:nvPr/>
       </p:nvGrpSpPr>
@@ -4962,7 +10382,7 @@
           <p:cNvPr id="2" name="Title 1">
             <a:extLst>
               <a:ext uri="{FF2B5EF4-FFF2-40B4-BE49-F238E27FC236}">
-                <a16:creationId xmlns:a16="http://schemas.microsoft.com/office/drawing/2014/main" id="{E8236561-7347-415E-8BBB-9CF4E3D9820D}"/>
+                <a16:creationId xmlns:a16="http://schemas.microsoft.com/office/drawing/2014/main" id="{3326B54F-04CE-2173-54E1-9A1154DD97DC}"/>
               </a:ext>
             </a:extLst>
           </p:cNvPr>
@@ -4985,10 +10405,6 @@
           </a:bodyPr>
           <a:lstStyle/>
           <a:p>
-            <a:r>
-              <a:rPr lang="en-IN" b="1" dirty="0"/>
-              <a:t>Position Calculation Methods</a:t>
-            </a:r>
             <a:endParaRPr lang="en-IN" dirty="0"/>
           </a:p>
         </p:txBody>
@@ -4996,7 +10412,7 @@
     </p:spTree>
     <p:extLst>
       <p:ext uri="{BB962C8B-B14F-4D97-AF65-F5344CB8AC3E}">
-        <p14:creationId xmlns:p14="http://schemas.microsoft.com/office/powerpoint/2010/main" val="2475118576"/>
+        <p14:creationId xmlns:p14="http://schemas.microsoft.com/office/powerpoint/2010/main" val="652285220"/>
       </p:ext>
     </p:extLst>
   </p:cSld>
@@ -5051,14 +10467,147 @@
           </a:bodyPr>
           <a:lstStyle/>
           <a:p>
+            <a:r>
+              <a:rPr lang="en-IN" b="1" dirty="0"/>
+              <a:t>The Location Challenge</a:t>
+            </a:r>
             <a:endParaRPr lang="en-IN" dirty="0"/>
+          </a:p>
+        </p:txBody>
+      </p:sp>
+      <p:sp>
+        <p:nvSpPr>
+          <p:cNvPr id="3" name="Content Placeholder 2">
+            <a:extLst>
+              <a:ext uri="{FF2B5EF4-FFF2-40B4-BE49-F238E27FC236}">
+                <a16:creationId xmlns:a16="http://schemas.microsoft.com/office/drawing/2014/main" id="{9505BC44-99F5-49E8-8A51-61FFBA207B52}"/>
+              </a:ext>
+            </a:extLst>
+          </p:cNvPr>
+          <p:cNvSpPr>
+            <a:spLocks noGrp="1"/>
+          </p:cNvSpPr>
+          <p:nvPr>
+            <p:ph idx="1"/>
+          </p:nvPr>
+        </p:nvSpPr>
+        <p:spPr>
+          <a:xfrm>
+            <a:off x="543612" y="1508288"/>
+            <a:ext cx="11104775" cy="4822469"/>
+          </a:xfrm>
+        </p:spPr>
+        <p:txBody>
+          <a:bodyPr/>
+          <a:lstStyle/>
+          <a:p>
+            <a:r>
+              <a:rPr lang="en-GB" b="1" dirty="0"/>
+              <a:t>Why is GPS Positioning Hard?</a:t>
+            </a:r>
+          </a:p>
+          <a:p>
+            <a:pPr marL="228600" lvl="1" indent="0">
+              <a:buNone/>
+            </a:pPr>
+            <a:r>
+              <a:rPr lang="en-GB" b="1" dirty="0"/>
+              <a:t>Traditional GPS Problems:</a:t>
+            </a:r>
+            <a:endParaRPr lang="en-GB" dirty="0"/>
+          </a:p>
+          <a:p>
+            <a:pPr lvl="3"/>
+            <a:r>
+              <a:rPr lang="en-GB" b="1" dirty="0"/>
+              <a:t>Slow Time To First Fix (TTFF):</a:t>
+            </a:r>
+            <a:r>
+              <a:rPr lang="en-GB" dirty="0"/>
+              <a:t> 30-60+ seconds cold start</a:t>
+            </a:r>
+          </a:p>
+          <a:p>
+            <a:pPr lvl="3"/>
+            <a:r>
+              <a:rPr lang="en-GB" b="1" dirty="0"/>
+              <a:t>Weak Signals:</a:t>
+            </a:r>
+            <a:r>
+              <a:rPr lang="en-GB" dirty="0"/>
+              <a:t> -160 dBm (weaker than a 25W bulb on the Moon)</a:t>
+            </a:r>
+          </a:p>
+          <a:p>
+            <a:pPr lvl="3"/>
+            <a:r>
+              <a:rPr lang="en-GB" b="1" dirty="0"/>
+              <a:t>Data Download:</a:t>
+            </a:r>
+            <a:r>
+              <a:rPr lang="en-GB" dirty="0"/>
+              <a:t> 12.5-30 minutes for almanac/ephemeris from satellites</a:t>
+            </a:r>
+          </a:p>
+          <a:p>
+            <a:pPr lvl="3"/>
+            <a:r>
+              <a:rPr lang="en-GB" b="1" dirty="0"/>
+              <a:t>High Power Consumption:</a:t>
+            </a:r>
+            <a:r>
+              <a:rPr lang="en-GB" dirty="0"/>
+              <a:t> Extended satellite search drains battery</a:t>
+            </a:r>
+          </a:p>
+          <a:p>
+            <a:pPr lvl="3"/>
+            <a:r>
+              <a:rPr lang="en-GB" b="1" dirty="0"/>
+              <a:t>Poor Indoor Performance:</a:t>
+            </a:r>
+            <a:r>
+              <a:rPr lang="en-GB" dirty="0"/>
+              <a:t> Signals blocked by buildings</a:t>
+            </a:r>
+          </a:p>
+          <a:p>
+            <a:pPr marL="228600" lvl="1" indent="0">
+              <a:buNone/>
+            </a:pPr>
+            <a:r>
+              <a:rPr lang="en-GB" b="1" dirty="0"/>
+              <a:t>Result:</a:t>
+            </a:r>
+            <a:r>
+              <a:rPr lang="en-GB" dirty="0"/>
+              <a:t> Bad user experience without assistance!</a:t>
+            </a:r>
+          </a:p>
+          <a:p>
+            <a:pPr marL="0" indent="0">
+              <a:buNone/>
+            </a:pPr>
+            <a:endParaRPr lang="en-GB" b="1" dirty="0"/>
+          </a:p>
+          <a:p>
+            <a:r>
+              <a:rPr lang="en-GB" b="1" dirty="0"/>
+              <a:t>The Solution:  A-GPS with SUPL</a:t>
+            </a:r>
+          </a:p>
+          <a:p>
+            <a:pPr marL="0" indent="0">
+              <a:buNone/>
+            </a:pPr>
+            <a:endParaRPr lang="en-GB" dirty="0"/>
           </a:p>
         </p:txBody>
       </p:sp>
     </p:spTree>
     <p:extLst>
       <p:ext uri="{BB962C8B-B14F-4D97-AF65-F5344CB8AC3E}">
-        <p14:creationId xmlns:p14="http://schemas.microsoft.com/office/powerpoint/2010/main" val="1593989702"/>
+        <p14:creationId xmlns:p14="http://schemas.microsoft.com/office/powerpoint/2010/main" val="3047245245"/>
       </p:ext>
     </p:extLst>
   </p:cSld>
@@ -5326,4 +10875,319 @@
     </a:ext>
   </a:extLst>
 </a:theme>
+</file>
+
+<file path=ppt/theme/theme2.xml><?xml version="1.0" encoding="utf-8"?>
+<a:theme xmlns:a="http://schemas.openxmlformats.org/drawingml/2006/main" name="Office Theme">
+  <a:themeElements>
+    <a:clrScheme name="Office">
+      <a:dk1>
+        <a:sysClr val="windowText" lastClr="000000"/>
+      </a:dk1>
+      <a:lt1>
+        <a:sysClr val="window" lastClr="FFFFFF"/>
+      </a:lt1>
+      <a:dk2>
+        <a:srgbClr val="0E2841"/>
+      </a:dk2>
+      <a:lt2>
+        <a:srgbClr val="E8E8E8"/>
+      </a:lt2>
+      <a:accent1>
+        <a:srgbClr val="156082"/>
+      </a:accent1>
+      <a:accent2>
+        <a:srgbClr val="E97132"/>
+      </a:accent2>
+      <a:accent3>
+        <a:srgbClr val="196B24"/>
+      </a:accent3>
+      <a:accent4>
+        <a:srgbClr val="0F9ED5"/>
+      </a:accent4>
+      <a:accent5>
+        <a:srgbClr val="A02B93"/>
+      </a:accent5>
+      <a:accent6>
+        <a:srgbClr val="4EA72E"/>
+      </a:accent6>
+      <a:hlink>
+        <a:srgbClr val="467886"/>
+      </a:hlink>
+      <a:folHlink>
+        <a:srgbClr val="96607D"/>
+      </a:folHlink>
+    </a:clrScheme>
+    <a:fontScheme name="Office">
+      <a:majorFont>
+        <a:latin typeface="Aptos Display" panose="02110004020202020204"/>
+        <a:ea typeface=""/>
+        <a:cs typeface=""/>
+        <a:font script="Jpan" typeface="游ゴシック Light"/>
+        <a:font script="Hang" typeface="맑은 고딕"/>
+        <a:font script="Hans" typeface="等线 Light"/>
+        <a:font script="Hant" typeface="新細明體"/>
+        <a:font script="Arab" typeface="Times New Roman"/>
+        <a:font script="Hebr" typeface="Times New Roman"/>
+        <a:font script="Thai" typeface="Angsana New"/>
+        <a:font script="Ethi" typeface="Nyala"/>
+        <a:font script="Beng" typeface="Vrinda"/>
+        <a:font script="Gujr" typeface="Shruti"/>
+        <a:font script="Khmr" typeface="MoolBoran"/>
+        <a:font script="Knda" typeface="Tunga"/>
+        <a:font script="Guru" typeface="Raavi"/>
+        <a:font script="Cans" typeface="Euphemia"/>
+        <a:font script="Cher" typeface="Plantagenet Cherokee"/>
+        <a:font script="Yiii" typeface="Microsoft Yi Baiti"/>
+        <a:font script="Tibt" typeface="Microsoft Himalaya"/>
+        <a:font script="Thaa" typeface="MV Boli"/>
+        <a:font script="Deva" typeface="Mangal"/>
+        <a:font script="Telu" typeface="Gautami"/>
+        <a:font script="Taml" typeface="Latha"/>
+        <a:font script="Syrc" typeface="Estrangelo Edessa"/>
+        <a:font script="Orya" typeface="Kalinga"/>
+        <a:font script="Mlym" typeface="Kartika"/>
+        <a:font script="Laoo" typeface="DokChampa"/>
+        <a:font script="Sinh" typeface="Iskoola Pota"/>
+        <a:font script="Mong" typeface="Mongolian Baiti"/>
+        <a:font script="Viet" typeface="Times New Roman"/>
+        <a:font script="Uigh" typeface="Microsoft Uighur"/>
+        <a:font script="Geor" typeface="Sylfaen"/>
+        <a:font script="Armn" typeface="Arial"/>
+        <a:font script="Bugi" typeface="Leelawadee UI"/>
+        <a:font script="Bopo" typeface="Microsoft JhengHei"/>
+        <a:font script="Java" typeface="Javanese Text"/>
+        <a:font script="Lisu" typeface="Segoe UI"/>
+        <a:font script="Mymr" typeface="Myanmar Text"/>
+        <a:font script="Nkoo" typeface="Ebrima"/>
+        <a:font script="Olck" typeface="Nirmala UI"/>
+        <a:font script="Osma" typeface="Ebrima"/>
+        <a:font script="Phag" typeface="Phagspa"/>
+        <a:font script="Syrn" typeface="Estrangelo Edessa"/>
+        <a:font script="Syrj" typeface="Estrangelo Edessa"/>
+        <a:font script="Syre" typeface="Estrangelo Edessa"/>
+        <a:font script="Sora" typeface="Nirmala UI"/>
+        <a:font script="Tale" typeface="Microsoft Tai Le"/>
+        <a:font script="Talu" typeface="Microsoft New Tai Lue"/>
+        <a:font script="Tfng" typeface="Ebrima"/>
+      </a:majorFont>
+      <a:minorFont>
+        <a:latin typeface="Aptos" panose="02110004020202020204"/>
+        <a:ea typeface=""/>
+        <a:cs typeface=""/>
+        <a:font script="Jpan" typeface="游ゴシック"/>
+        <a:font script="Hang" typeface="맑은 고딕"/>
+        <a:font script="Hans" typeface="等线"/>
+        <a:font script="Hant" typeface="新細明體"/>
+        <a:font script="Arab" typeface="Arial"/>
+        <a:font script="Hebr" typeface="Arial"/>
+        <a:font script="Thai" typeface="Cordia New"/>
+        <a:font script="Ethi" typeface="Nyala"/>
+        <a:font script="Beng" typeface="Vrinda"/>
+        <a:font script="Gujr" typeface="Shruti"/>
+        <a:font script="Khmr" typeface="DaunPenh"/>
+        <a:font script="Knda" typeface="Tunga"/>
+        <a:font script="Guru" typeface="Raavi"/>
+        <a:font script="Cans" typeface="Euphemia"/>
+        <a:font script="Cher" typeface="Plantagenet Cherokee"/>
+        <a:font script="Yiii" typeface="Microsoft Yi Baiti"/>
+        <a:font script="Tibt" typeface="Microsoft Himalaya"/>
+        <a:font script="Thaa" typeface="MV Boli"/>
+        <a:font script="Deva" typeface="Mangal"/>
+        <a:font script="Telu" typeface="Gautami"/>
+        <a:font script="Taml" typeface="Latha"/>
+        <a:font script="Syrc" typeface="Estrangelo Edessa"/>
+        <a:font script="Orya" typeface="Kalinga"/>
+        <a:font script="Mlym" typeface="Kartika"/>
+        <a:font script="Laoo" typeface="DokChampa"/>
+        <a:font script="Sinh" typeface="Iskoola Pota"/>
+        <a:font script="Mong" typeface="Mongolian Baiti"/>
+        <a:font script="Viet" typeface="Arial"/>
+        <a:font script="Uigh" typeface="Microsoft Uighur"/>
+        <a:font script="Geor" typeface="Sylfaen"/>
+        <a:font script="Armn" typeface="Arial"/>
+        <a:font script="Bugi" typeface="Leelawadee UI"/>
+        <a:font script="Bopo" typeface="Microsoft JhengHei"/>
+        <a:font script="Java" typeface="Javanese Text"/>
+        <a:font script="Lisu" typeface="Segoe UI"/>
+        <a:font script="Mymr" typeface="Myanmar Text"/>
+        <a:font script="Nkoo" typeface="Ebrima"/>
+        <a:font script="Olck" typeface="Nirmala UI"/>
+        <a:font script="Osma" typeface="Ebrima"/>
+        <a:font script="Phag" typeface="Phagspa"/>
+        <a:font script="Syrn" typeface="Estrangelo Edessa"/>
+        <a:font script="Syrj" typeface="Estrangelo Edessa"/>
+        <a:font script="Syre" typeface="Estrangelo Edessa"/>
+        <a:font script="Sora" typeface="Nirmala UI"/>
+        <a:font script="Tale" typeface="Microsoft Tai Le"/>
+        <a:font script="Talu" typeface="Microsoft New Tai Lue"/>
+        <a:font script="Tfng" typeface="Ebrima"/>
+      </a:minorFont>
+    </a:fontScheme>
+    <a:fmtScheme name="Office">
+      <a:fillStyleLst>
+        <a:solidFill>
+          <a:schemeClr val="phClr"/>
+        </a:solidFill>
+        <a:gradFill rotWithShape="1">
+          <a:gsLst>
+            <a:gs pos="0">
+              <a:schemeClr val="phClr">
+                <a:lumMod val="110000"/>
+                <a:satMod val="105000"/>
+                <a:tint val="67000"/>
+              </a:schemeClr>
+            </a:gs>
+            <a:gs pos="50000">
+              <a:schemeClr val="phClr">
+                <a:lumMod val="105000"/>
+                <a:satMod val="103000"/>
+                <a:tint val="73000"/>
+              </a:schemeClr>
+            </a:gs>
+            <a:gs pos="100000">
+              <a:schemeClr val="phClr">
+                <a:lumMod val="105000"/>
+                <a:satMod val="109000"/>
+                <a:tint val="81000"/>
+              </a:schemeClr>
+            </a:gs>
+          </a:gsLst>
+          <a:lin ang="5400000" scaled="0"/>
+        </a:gradFill>
+        <a:gradFill rotWithShape="1">
+          <a:gsLst>
+            <a:gs pos="0">
+              <a:schemeClr val="phClr">
+                <a:satMod val="103000"/>
+                <a:lumMod val="102000"/>
+                <a:tint val="94000"/>
+              </a:schemeClr>
+            </a:gs>
+            <a:gs pos="50000">
+              <a:schemeClr val="phClr">
+                <a:satMod val="110000"/>
+                <a:lumMod val="100000"/>
+                <a:shade val="100000"/>
+              </a:schemeClr>
+            </a:gs>
+            <a:gs pos="100000">
+              <a:schemeClr val="phClr">
+                <a:lumMod val="99000"/>
+                <a:satMod val="120000"/>
+                <a:shade val="78000"/>
+              </a:schemeClr>
+            </a:gs>
+          </a:gsLst>
+          <a:lin ang="5400000" scaled="0"/>
+        </a:gradFill>
+      </a:fillStyleLst>
+      <a:lnStyleLst>
+        <a:ln w="12700" cap="flat" cmpd="sng" algn="ctr">
+          <a:solidFill>
+            <a:schemeClr val="phClr"/>
+          </a:solidFill>
+          <a:prstDash val="solid"/>
+          <a:miter lim="800000"/>
+        </a:ln>
+        <a:ln w="19050" cap="flat" cmpd="sng" algn="ctr">
+          <a:solidFill>
+            <a:schemeClr val="phClr"/>
+          </a:solidFill>
+          <a:prstDash val="solid"/>
+          <a:miter lim="800000"/>
+        </a:ln>
+        <a:ln w="25400" cap="flat" cmpd="sng" algn="ctr">
+          <a:solidFill>
+            <a:schemeClr val="phClr"/>
+          </a:solidFill>
+          <a:prstDash val="solid"/>
+          <a:miter lim="800000"/>
+        </a:ln>
+      </a:lnStyleLst>
+      <a:effectStyleLst>
+        <a:effectStyle>
+          <a:effectLst/>
+        </a:effectStyle>
+        <a:effectStyle>
+          <a:effectLst/>
+        </a:effectStyle>
+        <a:effectStyle>
+          <a:effectLst>
+            <a:outerShdw blurRad="57150" dist="19050" dir="5400000" algn="ctr" rotWithShape="0">
+              <a:srgbClr val="000000">
+                <a:alpha val="63000"/>
+              </a:srgbClr>
+            </a:outerShdw>
+          </a:effectLst>
+        </a:effectStyle>
+      </a:effectStyleLst>
+      <a:bgFillStyleLst>
+        <a:solidFill>
+          <a:schemeClr val="phClr"/>
+        </a:solidFill>
+        <a:solidFill>
+          <a:schemeClr val="phClr">
+            <a:tint val="95000"/>
+            <a:satMod val="170000"/>
+          </a:schemeClr>
+        </a:solidFill>
+        <a:gradFill rotWithShape="1">
+          <a:gsLst>
+            <a:gs pos="0">
+              <a:schemeClr val="phClr">
+                <a:tint val="93000"/>
+                <a:satMod val="150000"/>
+                <a:shade val="98000"/>
+                <a:lumMod val="102000"/>
+              </a:schemeClr>
+            </a:gs>
+            <a:gs pos="50000">
+              <a:schemeClr val="phClr">
+                <a:tint val="98000"/>
+                <a:satMod val="130000"/>
+                <a:shade val="90000"/>
+                <a:lumMod val="103000"/>
+              </a:schemeClr>
+            </a:gs>
+            <a:gs pos="100000">
+              <a:schemeClr val="phClr">
+                <a:shade val="63000"/>
+                <a:satMod val="120000"/>
+              </a:schemeClr>
+            </a:gs>
+          </a:gsLst>
+          <a:lin ang="5400000" scaled="0"/>
+        </a:gradFill>
+      </a:bgFillStyleLst>
+    </a:fmtScheme>
+  </a:themeElements>
+  <a:objectDefaults>
+    <a:lnDef>
+      <a:spPr/>
+      <a:bodyPr/>
+      <a:lstStyle/>
+      <a:style>
+        <a:lnRef idx="2">
+          <a:schemeClr val="accent1"/>
+        </a:lnRef>
+        <a:fillRef idx="0">
+          <a:schemeClr val="accent1"/>
+        </a:fillRef>
+        <a:effectRef idx="1">
+          <a:schemeClr val="accent1"/>
+        </a:effectRef>
+        <a:fontRef idx="minor">
+          <a:schemeClr val="tx1"/>
+        </a:fontRef>
+      </a:style>
+    </a:lnDef>
+  </a:objectDefaults>
+  <a:extraClrSchemeLst/>
+  <a:extLst>
+    <a:ext uri="{05A4C25C-085E-4340-85A3-A5531E510DB2}">
+      <thm15:themeFamily xmlns:thm15="http://schemas.microsoft.com/office/thememl/2012/main" name="Office Theme" id="{2E142A2C-CD16-42D6-873A-C26D2A0506FA}" vid="{1BDDFF52-6CD6-40A5-AB3C-68EB2F1E4D0A}"/>
+    </a:ext>
+  </a:extLst>
+</a:theme>
 </file>
--- a/PPT/Android Positioning Architecture Presentation.pptx
+++ b/PPT/Android Positioning Architecture Presentation.pptx
@@ -10,12 +10,12 @@
   <p:sldIdLst>
     <p:sldId id="258" r:id="rId2"/>
     <p:sldId id="269" r:id="rId3"/>
-    <p:sldId id="263" r:id="rId4"/>
-    <p:sldId id="288" r:id="rId5"/>
-    <p:sldId id="265" r:id="rId6"/>
-    <p:sldId id="267" r:id="rId7"/>
-    <p:sldId id="285" r:id="rId8"/>
-    <p:sldId id="276" r:id="rId9"/>
+    <p:sldId id="276" r:id="rId4"/>
+    <p:sldId id="263" r:id="rId5"/>
+    <p:sldId id="288" r:id="rId6"/>
+    <p:sldId id="265" r:id="rId7"/>
+    <p:sldId id="267" r:id="rId8"/>
+    <p:sldId id="285" r:id="rId9"/>
     <p:sldId id="260" r:id="rId10"/>
     <p:sldId id="275" r:id="rId11"/>
     <p:sldId id="284" r:id="rId12"/>
@@ -222,7 +222,7 @@
           <a:p>
             <a:fld id="{A0709BF4-E594-4597-B635-1AD50F9465BC}" type="datetimeFigureOut">
               <a:rPr lang="en-US" smtClean="0"/>
-              <a:t>1/9/2026</a:t>
+              <a:t>1/16/2026</a:t>
             </a:fld>
             <a:endParaRPr lang="en-US"/>
           </a:p>
@@ -554,7 +554,7 @@
           <a:p>
             <a:fld id="{C50EA388-F6E2-4DBB-84BA-AB4C097D3E6A}" type="slidenum">
               <a:rPr lang="en-US" smtClean="0"/>
-              <a:t>4</a:t>
+              <a:t>5</a:t>
             </a:fld>
             <a:endParaRPr lang="en-US"/>
           </a:p>
@@ -1036,7 +1036,7 @@
           <a:p>
             <a:fld id="{6250641D-E428-4AA0-BD0E-1401802377E7}" type="datetimeFigureOut">
               <a:rPr lang="en-IN" smtClean="0"/>
-              <a:t>09-01-2026</a:t>
+              <a:t>16-01-2026</a:t>
             </a:fld>
             <a:endParaRPr lang="en-IN"/>
           </a:p>
@@ -1206,7 +1206,7 @@
           <a:p>
             <a:fld id="{6250641D-E428-4AA0-BD0E-1401802377E7}" type="datetimeFigureOut">
               <a:rPr lang="en-IN" smtClean="0"/>
-              <a:t>09-01-2026</a:t>
+              <a:t>16-01-2026</a:t>
             </a:fld>
             <a:endParaRPr lang="en-IN"/>
           </a:p>
@@ -1386,7 +1386,7 @@
           <a:p>
             <a:fld id="{6250641D-E428-4AA0-BD0E-1401802377E7}" type="datetimeFigureOut">
               <a:rPr lang="en-IN" smtClean="0"/>
-              <a:t>09-01-2026</a:t>
+              <a:t>16-01-2026</a:t>
             </a:fld>
             <a:endParaRPr lang="en-IN"/>
           </a:p>
@@ -1556,7 +1556,7 @@
           <a:p>
             <a:fld id="{6250641D-E428-4AA0-BD0E-1401802377E7}" type="datetimeFigureOut">
               <a:rPr lang="en-IN" smtClean="0"/>
-              <a:t>09-01-2026</a:t>
+              <a:t>16-01-2026</a:t>
             </a:fld>
             <a:endParaRPr lang="en-IN"/>
           </a:p>
@@ -1824,7 +1824,7 @@
           <a:p>
             <a:fld id="{6250641D-E428-4AA0-BD0E-1401802377E7}" type="datetimeFigureOut">
               <a:rPr lang="en-IN" smtClean="0"/>
-              <a:t>09-01-2026</a:t>
+              <a:t>16-01-2026</a:t>
             </a:fld>
             <a:endParaRPr lang="en-IN"/>
           </a:p>
@@ -2056,7 +2056,7 @@
           <a:p>
             <a:fld id="{6250641D-E428-4AA0-BD0E-1401802377E7}" type="datetimeFigureOut">
               <a:rPr lang="en-IN" smtClean="0"/>
-              <a:t>09-01-2026</a:t>
+              <a:t>16-01-2026</a:t>
             </a:fld>
             <a:endParaRPr lang="en-IN"/>
           </a:p>
@@ -2411,7 +2411,7 @@
           <a:p>
             <a:fld id="{6250641D-E428-4AA0-BD0E-1401802377E7}" type="datetimeFigureOut">
               <a:rPr lang="en-IN" smtClean="0"/>
-              <a:t>09-01-2026</a:t>
+              <a:t>16-01-2026</a:t>
             </a:fld>
             <a:endParaRPr lang="en-IN"/>
           </a:p>
@@ -2552,7 +2552,7 @@
           <a:p>
             <a:fld id="{6250641D-E428-4AA0-BD0E-1401802377E7}" type="datetimeFigureOut">
               <a:rPr lang="en-IN" smtClean="0"/>
-              <a:t>09-01-2026</a:t>
+              <a:t>16-01-2026</a:t>
             </a:fld>
             <a:endParaRPr lang="en-IN"/>
           </a:p>
@@ -2647,7 +2647,7 @@
           <a:p>
             <a:fld id="{6250641D-E428-4AA0-BD0E-1401802377E7}" type="datetimeFigureOut">
               <a:rPr lang="en-IN" smtClean="0"/>
-              <a:t>09-01-2026</a:t>
+              <a:t>16-01-2026</a:t>
             </a:fld>
             <a:endParaRPr lang="en-IN"/>
           </a:p>
@@ -3016,7 +3016,7 @@
           <a:p>
             <a:fld id="{6250641D-E428-4AA0-BD0E-1401802377E7}" type="datetimeFigureOut">
               <a:rPr lang="en-IN" smtClean="0"/>
-              <a:t>09-01-2026</a:t>
+              <a:t>16-01-2026</a:t>
             </a:fld>
             <a:endParaRPr lang="en-IN"/>
           </a:p>
@@ -3378,7 +3378,7 @@
           <a:p>
             <a:fld id="{6250641D-E428-4AA0-BD0E-1401802377E7}" type="datetimeFigureOut">
               <a:rPr lang="en-IN" smtClean="0"/>
-              <a:t>09-01-2026</a:t>
+              <a:t>16-01-2026</a:t>
             </a:fld>
             <a:endParaRPr lang="en-IN"/>
           </a:p>
@@ -3621,7 +3621,7 @@
           <a:p>
             <a:fld id="{6250641D-E428-4AA0-BD0E-1401802377E7}" type="datetimeFigureOut">
               <a:rPr lang="en-IN" smtClean="0"/>
-              <a:t>09-01-2026</a:t>
+              <a:t>16-01-2026</a:t>
             </a:fld>
             <a:endParaRPr lang="en-IN"/>
           </a:p>
@@ -9223,6 +9223,117 @@
   <p:cSld>
     <p:spTree>
       <p:nvGrpSpPr>
+        <p:cNvPr id="1" name="">
+          <a:extLst>
+            <a:ext uri="{FF2B5EF4-FFF2-40B4-BE49-F238E27FC236}">
+              <a16:creationId xmlns:a16="http://schemas.microsoft.com/office/drawing/2014/main" id="{692EE529-6F27-BD42-D5A3-B9E86912AF0D}"/>
+            </a:ext>
+          </a:extLst>
+        </p:cNvPr>
+        <p:cNvGrpSpPr/>
+        <p:nvPr/>
+      </p:nvGrpSpPr>
+      <p:grpSpPr>
+        <a:xfrm>
+          <a:off x="0" y="0"/>
+          <a:ext cx="0" cy="0"/>
+          <a:chOff x="0" y="0"/>
+          <a:chExt cx="0" cy="0"/>
+        </a:xfrm>
+      </p:grpSpPr>
+      <p:sp>
+        <p:nvSpPr>
+          <p:cNvPr id="2" name="Title 1">
+            <a:extLst>
+              <a:ext uri="{FF2B5EF4-FFF2-40B4-BE49-F238E27FC236}">
+                <a16:creationId xmlns:a16="http://schemas.microsoft.com/office/drawing/2014/main" id="{3326B54F-04CE-2173-54E1-9A1154DD97DC}"/>
+              </a:ext>
+            </a:extLst>
+          </p:cNvPr>
+          <p:cNvSpPr>
+            <a:spLocks noGrp="1"/>
+          </p:cNvSpPr>
+          <p:nvPr>
+            <p:ph type="title"/>
+          </p:nvPr>
+        </p:nvSpPr>
+        <p:spPr>
+          <a:xfrm>
+            <a:off x="2231136" y="385840"/>
+            <a:ext cx="7729728" cy="732133"/>
+          </a:xfrm>
+        </p:spPr>
+        <p:txBody>
+          <a:bodyPr>
+            <a:noAutofit/>
+          </a:bodyPr>
+          <a:lstStyle/>
+          <a:p>
+            <a:r>
+              <a:rPr lang="en-GB" sz="2000" dirty="0" err="1"/>
+              <a:t>ExamPLE</a:t>
+            </a:r>
+            <a:r>
+              <a:rPr lang="en-GB" sz="2000" dirty="0"/>
+              <a:t>: Google Maps location acquisition</a:t>
+            </a:r>
+            <a:endParaRPr lang="en-IN" sz="2000" dirty="0"/>
+          </a:p>
+        </p:txBody>
+      </p:sp>
+      <p:pic>
+        <p:nvPicPr>
+          <p:cNvPr id="7" name="Picture 6">
+            <a:extLst>
+              <a:ext uri="{FF2B5EF4-FFF2-40B4-BE49-F238E27FC236}">
+                <a16:creationId xmlns:a16="http://schemas.microsoft.com/office/drawing/2014/main" id="{01B2025F-44AF-47B8-84E0-1D36AC9E7428}"/>
+              </a:ext>
+            </a:extLst>
+          </p:cNvPr>
+          <p:cNvPicPr>
+            <a:picLocks noChangeAspect="1"/>
+          </p:cNvPicPr>
+          <p:nvPr/>
+        </p:nvPicPr>
+        <p:blipFill rotWithShape="1">
+          <a:blip r:embed="rId2">
+            <a:extLst>
+              <a:ext uri="{28A0092B-C50C-407E-A947-70E740481C1C}">
+                <a14:useLocalDpi xmlns:a14="http://schemas.microsoft.com/office/drawing/2010/main" val="0"/>
+              </a:ext>
+            </a:extLst>
+          </a:blip>
+          <a:srcRect t="7010" b="15602"/>
+          <a:stretch/>
+        </p:blipFill>
+        <p:spPr>
+          <a:xfrm>
+            <a:off x="948255" y="1249052"/>
+            <a:ext cx="10295490" cy="5608948"/>
+          </a:xfrm>
+          <a:prstGeom prst="rect">
+            <a:avLst/>
+          </a:prstGeom>
+        </p:spPr>
+      </p:pic>
+    </p:spTree>
+    <p:extLst>
+      <p:ext uri="{BB962C8B-B14F-4D97-AF65-F5344CB8AC3E}">
+        <p14:creationId xmlns:p14="http://schemas.microsoft.com/office/powerpoint/2010/main" val="652285220"/>
+      </p:ext>
+    </p:extLst>
+  </p:cSld>
+  <p:clrMapOvr>
+    <a:masterClrMapping/>
+  </p:clrMapOvr>
+</p:sld>
+</file>
+
+<file path=ppt/slides/slide4.xml><?xml version="1.0" encoding="utf-8"?>
+<p:sld xmlns:a="http://schemas.openxmlformats.org/drawingml/2006/main" xmlns:r="http://schemas.openxmlformats.org/officeDocument/2006/relationships" xmlns:p="http://schemas.openxmlformats.org/presentationml/2006/main">
+  <p:cSld>
+    <p:spTree>
+      <p:nvGrpSpPr>
         <p:cNvPr id="1" name=""/>
         <p:cNvGrpSpPr/>
         <p:nvPr/>
@@ -9420,7 +9531,7 @@
 </p:sld>
 </file>
 
-<file path=ppt/slides/slide4.xml><?xml version="1.0" encoding="utf-8"?>
+<file path=ppt/slides/slide5.xml><?xml version="1.0" encoding="utf-8"?>
 <p:sld xmlns:a="http://schemas.openxmlformats.org/drawingml/2006/main" xmlns:r="http://schemas.openxmlformats.org/officeDocument/2006/relationships" xmlns:p="http://schemas.openxmlformats.org/presentationml/2006/main">
   <p:cSld>
     <p:spTree>
@@ -9757,7 +9868,7 @@
 </p:sld>
 </file>
 
-<file path=ppt/slides/slide5.xml><?xml version="1.0" encoding="utf-8"?>
+<file path=ppt/slides/slide6.xml><?xml version="1.0" encoding="utf-8"?>
 <p:sld xmlns:a="http://schemas.openxmlformats.org/drawingml/2006/main" xmlns:r="http://schemas.openxmlformats.org/officeDocument/2006/relationships" xmlns:p="http://schemas.openxmlformats.org/presentationml/2006/main">
   <p:cSld>
     <p:spTree>
@@ -9864,7 +9975,7 @@
 </p:sld>
 </file>
 
-<file path=ppt/slides/slide6.xml><?xml version="1.0" encoding="utf-8"?>
+<file path=ppt/slides/slide7.xml><?xml version="1.0" encoding="utf-8"?>
 <p:sld xmlns:a="http://schemas.openxmlformats.org/drawingml/2006/main" xmlns:r="http://schemas.openxmlformats.org/officeDocument/2006/relationships" xmlns:p="http://schemas.openxmlformats.org/presentationml/2006/main">
   <p:cSld>
     <p:spTree>
@@ -10069,7 +10180,7 @@
 </p:sld>
 </file>
 
-<file path=ppt/slides/slide7.xml><?xml version="1.0" encoding="utf-8"?>
+<file path=ppt/slides/slide8.xml><?xml version="1.0" encoding="utf-8"?>
 <p:sld xmlns:a="http://schemas.openxmlformats.org/drawingml/2006/main" xmlns:r="http://schemas.openxmlformats.org/officeDocument/2006/relationships" xmlns:p="http://schemas.openxmlformats.org/presentationml/2006/main">
   <p:cSld>
     <p:spTree>
@@ -10345,74 +10456,6 @@
     <p:extLst>
       <p:ext uri="{BB962C8B-B14F-4D97-AF65-F5344CB8AC3E}">
         <p14:creationId xmlns:p14="http://schemas.microsoft.com/office/powerpoint/2010/main" val="2890040377"/>
-      </p:ext>
-    </p:extLst>
-  </p:cSld>
-  <p:clrMapOvr>
-    <a:masterClrMapping/>
-  </p:clrMapOvr>
-</p:sld>
-</file>
-
-<file path=ppt/slides/slide8.xml><?xml version="1.0" encoding="utf-8"?>
-<p:sld xmlns:a="http://schemas.openxmlformats.org/drawingml/2006/main" xmlns:r="http://schemas.openxmlformats.org/officeDocument/2006/relationships" xmlns:p="http://schemas.openxmlformats.org/presentationml/2006/main">
-  <p:cSld>
-    <p:spTree>
-      <p:nvGrpSpPr>
-        <p:cNvPr id="1" name="">
-          <a:extLst>
-            <a:ext uri="{FF2B5EF4-FFF2-40B4-BE49-F238E27FC236}">
-              <a16:creationId xmlns:a16="http://schemas.microsoft.com/office/drawing/2014/main" id="{692EE529-6F27-BD42-D5A3-B9E86912AF0D}"/>
-            </a:ext>
-          </a:extLst>
-        </p:cNvPr>
-        <p:cNvGrpSpPr/>
-        <p:nvPr/>
-      </p:nvGrpSpPr>
-      <p:grpSpPr>
-        <a:xfrm>
-          <a:off x="0" y="0"/>
-          <a:ext cx="0" cy="0"/>
-          <a:chOff x="0" y="0"/>
-          <a:chExt cx="0" cy="0"/>
-        </a:xfrm>
-      </p:grpSpPr>
-      <p:sp>
-        <p:nvSpPr>
-          <p:cNvPr id="2" name="Title 1">
-            <a:extLst>
-              <a:ext uri="{FF2B5EF4-FFF2-40B4-BE49-F238E27FC236}">
-                <a16:creationId xmlns:a16="http://schemas.microsoft.com/office/drawing/2014/main" id="{3326B54F-04CE-2173-54E1-9A1154DD97DC}"/>
-              </a:ext>
-            </a:extLst>
-          </p:cNvPr>
-          <p:cNvSpPr>
-            <a:spLocks noGrp="1"/>
-          </p:cNvSpPr>
-          <p:nvPr>
-            <p:ph type="title"/>
-          </p:nvPr>
-        </p:nvSpPr>
-        <p:spPr>
-          <a:xfrm>
-            <a:off x="2231136" y="385840"/>
-            <a:ext cx="7729728" cy="732133"/>
-          </a:xfrm>
-        </p:spPr>
-        <p:txBody>
-          <a:bodyPr>
-            <a:normAutofit fontScale="90000"/>
-          </a:bodyPr>
-          <a:lstStyle/>
-          <a:p>
-            <a:endParaRPr lang="en-IN" dirty="0"/>
-          </a:p>
-        </p:txBody>
-      </p:sp>
-    </p:spTree>
-    <p:extLst>
-      <p:ext uri="{BB962C8B-B14F-4D97-AF65-F5344CB8AC3E}">
-        <p14:creationId xmlns:p14="http://schemas.microsoft.com/office/powerpoint/2010/main" val="652285220"/>
       </p:ext>
     </p:extLst>
   </p:cSld>
